--- a/G04项目组/受控文档/项目计划/PRD2018-G04-需求工程项目计划PPT.pptx
+++ b/G04项目组/受控文档/项目计划/PRD2018-G04-需求工程项目计划PPT.pptx
@@ -222,7 +222,7 @@
           <a:p>
             <a:fld id="{20D843BC-83E6-4B8F-8E2C-0B3CFF50A3EA}" type="datetimeFigureOut">
               <a:rPr lang="zh-CN" altLang="en-US" smtClean="0"/>
-              <a:t>2018/10/21/Sunday</a:t>
+              <a:t>2018/10/28/Sunday</a:t>
             </a:fld>
             <a:endParaRPr lang="zh-CN" altLang="en-US"/>
           </a:p>
@@ -618,7 +618,7 @@
           <a:p>
             <a:fld id="{03D00C7E-A33F-4117-8001-C76A27DBB0A5}" type="datetimeFigureOut">
               <a:rPr lang="zh-CN" altLang="en-US" smtClean="0"/>
-              <a:t>2018/10/21/Sunday</a:t>
+              <a:t>2018/10/28/Sunday</a:t>
             </a:fld>
             <a:endParaRPr lang="zh-CN" altLang="en-US"/>
           </a:p>
@@ -786,7 +786,7 @@
           <a:p>
             <a:fld id="{03D00C7E-A33F-4117-8001-C76A27DBB0A5}" type="datetimeFigureOut">
               <a:rPr lang="zh-CN" altLang="en-US" smtClean="0"/>
-              <a:t>2018/10/21/Sunday</a:t>
+              <a:t>2018/10/28/Sunday</a:t>
             </a:fld>
             <a:endParaRPr lang="zh-CN" altLang="en-US"/>
           </a:p>
@@ -964,7 +964,7 @@
           <a:p>
             <a:fld id="{03D00C7E-A33F-4117-8001-C76A27DBB0A5}" type="datetimeFigureOut">
               <a:rPr lang="zh-CN" altLang="en-US" smtClean="0"/>
-              <a:t>2018/10/21/Sunday</a:t>
+              <a:t>2018/10/28/Sunday</a:t>
             </a:fld>
             <a:endParaRPr lang="zh-CN" altLang="en-US"/>
           </a:p>
@@ -1132,7 +1132,7 @@
           <a:p>
             <a:fld id="{03D00C7E-A33F-4117-8001-C76A27DBB0A5}" type="datetimeFigureOut">
               <a:rPr lang="zh-CN" altLang="en-US" smtClean="0"/>
-              <a:t>2018/10/21/Sunday</a:t>
+              <a:t>2018/10/28/Sunday</a:t>
             </a:fld>
             <a:endParaRPr lang="zh-CN" altLang="en-US"/>
           </a:p>
@@ -1377,7 +1377,7 @@
           <a:p>
             <a:fld id="{03D00C7E-A33F-4117-8001-C76A27DBB0A5}" type="datetimeFigureOut">
               <a:rPr lang="zh-CN" altLang="en-US" smtClean="0"/>
-              <a:t>2018/10/21/Sunday</a:t>
+              <a:t>2018/10/28/Sunday</a:t>
             </a:fld>
             <a:endParaRPr lang="zh-CN" altLang="en-US"/>
           </a:p>
@@ -1606,7 +1606,7 @@
           <a:p>
             <a:fld id="{03D00C7E-A33F-4117-8001-C76A27DBB0A5}" type="datetimeFigureOut">
               <a:rPr lang="zh-CN" altLang="en-US" smtClean="0"/>
-              <a:t>2018/10/21/Sunday</a:t>
+              <a:t>2018/10/28/Sunday</a:t>
             </a:fld>
             <a:endParaRPr lang="zh-CN" altLang="en-US"/>
           </a:p>
@@ -1970,7 +1970,7 @@
           <a:p>
             <a:fld id="{03D00C7E-A33F-4117-8001-C76A27DBB0A5}" type="datetimeFigureOut">
               <a:rPr lang="zh-CN" altLang="en-US" smtClean="0"/>
-              <a:t>2018/10/21/Sunday</a:t>
+              <a:t>2018/10/28/Sunday</a:t>
             </a:fld>
             <a:endParaRPr lang="zh-CN" altLang="en-US"/>
           </a:p>
@@ -2087,7 +2087,7 @@
           <a:p>
             <a:fld id="{03D00C7E-A33F-4117-8001-C76A27DBB0A5}" type="datetimeFigureOut">
               <a:rPr lang="zh-CN" altLang="en-US" smtClean="0"/>
-              <a:t>2018/10/21/Sunday</a:t>
+              <a:t>2018/10/28/Sunday</a:t>
             </a:fld>
             <a:endParaRPr lang="zh-CN" altLang="en-US"/>
           </a:p>
@@ -2182,7 +2182,7 @@
           <a:p>
             <a:fld id="{03D00C7E-A33F-4117-8001-C76A27DBB0A5}" type="datetimeFigureOut">
               <a:rPr lang="zh-CN" altLang="en-US" smtClean="0"/>
-              <a:t>2018/10/21/Sunday</a:t>
+              <a:t>2018/10/28/Sunday</a:t>
             </a:fld>
             <a:endParaRPr lang="zh-CN" altLang="en-US"/>
           </a:p>
@@ -2457,7 +2457,7 @@
           <a:p>
             <a:fld id="{03D00C7E-A33F-4117-8001-C76A27DBB0A5}" type="datetimeFigureOut">
               <a:rPr lang="zh-CN" altLang="en-US" smtClean="0"/>
-              <a:t>2018/10/21/Sunday</a:t>
+              <a:t>2018/10/28/Sunday</a:t>
             </a:fld>
             <a:endParaRPr lang="zh-CN" altLang="en-US"/>
           </a:p>
@@ -2709,7 +2709,7 @@
           <a:p>
             <a:fld id="{03D00C7E-A33F-4117-8001-C76A27DBB0A5}" type="datetimeFigureOut">
               <a:rPr lang="zh-CN" altLang="en-US" smtClean="0"/>
-              <a:t>2018/10/21/Sunday</a:t>
+              <a:t>2018/10/28/Sunday</a:t>
             </a:fld>
             <a:endParaRPr lang="zh-CN" altLang="en-US"/>
           </a:p>
@@ -2920,7 +2920,7 @@
           <a:p>
             <a:fld id="{03D00C7E-A33F-4117-8001-C76A27DBB0A5}" type="datetimeFigureOut">
               <a:rPr lang="zh-CN" altLang="en-US" smtClean="0"/>
-              <a:t>2018/10/21/Sunday</a:t>
+              <a:t>2018/10/28/Sunday</a:t>
             </a:fld>
             <a:endParaRPr lang="zh-CN" altLang="en-US"/>
           </a:p>
@@ -3833,13 +3833,13 @@
   <p:clrMapOvr>
     <a:masterClrMapping/>
   </p:clrMapOvr>
-  <mc:AlternateContent xmlns:mc="http://schemas.openxmlformats.org/markup-compatibility/2006">
-    <mc:Choice xmlns:p14="http://schemas.microsoft.com/office/powerpoint/2010/main" Requires="p14">
+  <mc:AlternateContent xmlns:mc="http://schemas.openxmlformats.org/markup-compatibility/2006" xmlns:p14="http://schemas.microsoft.com/office/powerpoint/2010/main">
+    <mc:Choice Requires="p14">
       <p:transition spd="slow">
         <p14:flash/>
       </p:transition>
     </mc:Choice>
-    <mc:Fallback>
+    <mc:Fallback xmlns="">
       <p:transition spd="slow">
         <p:fade/>
       </p:transition>
@@ -6553,7 +6553,7 @@
         </p:nvCxnSpPr>
         <p:spPr bwMode="auto">
           <a:xfrm>
-            <a:off x="1078551" y="3517749"/>
+            <a:off x="1584578" y="3551601"/>
             <a:ext cx="2" cy="912039"/>
           </a:xfrm>
           <a:prstGeom prst="straightConnector1">
@@ -6592,7 +6592,7 @@
         </p:nvSpPr>
         <p:spPr>
           <a:xfrm flipH="1">
-            <a:off x="300575" y="2071303"/>
+            <a:off x="806602" y="2105155"/>
             <a:ext cx="1555953" cy="1554022"/>
           </a:xfrm>
           <a:prstGeom prst="circularArrow">
@@ -6781,7 +6781,7 @@
         </p:nvSpPr>
         <p:spPr>
           <a:xfrm>
-            <a:off x="180869" y="4494619"/>
+            <a:off x="686896" y="4528471"/>
             <a:ext cx="1795363" cy="692491"/>
           </a:xfrm>
           <a:prstGeom prst="rect">
@@ -6854,7 +6854,7 @@
         </p:nvCxnSpPr>
         <p:spPr bwMode="auto">
           <a:xfrm>
-            <a:off x="2807189" y="3517749"/>
+            <a:off x="3313216" y="3551601"/>
             <a:ext cx="2" cy="912039"/>
           </a:xfrm>
           <a:prstGeom prst="straightConnector1">
@@ -6893,7 +6893,7 @@
         </p:nvSpPr>
         <p:spPr>
           <a:xfrm flipH="1">
-            <a:off x="2029213" y="2071303"/>
+            <a:off x="2535240" y="2105155"/>
             <a:ext cx="1555953" cy="1554022"/>
           </a:xfrm>
           <a:prstGeom prst="circularArrow">
@@ -7082,7 +7082,7 @@
         </p:nvSpPr>
         <p:spPr>
           <a:xfrm>
-            <a:off x="2440100" y="4490182"/>
+            <a:off x="2946127" y="4524034"/>
             <a:ext cx="734175" cy="741351"/>
           </a:xfrm>
           <a:prstGeom prst="rect">
@@ -7155,7 +7155,7 @@
         </p:nvCxnSpPr>
         <p:spPr bwMode="auto">
           <a:xfrm>
-            <a:off x="4525896" y="3517749"/>
+            <a:off x="5031923" y="3551601"/>
             <a:ext cx="2" cy="912039"/>
           </a:xfrm>
           <a:prstGeom prst="straightConnector1">
@@ -7194,7 +7194,7 @@
         </p:nvSpPr>
         <p:spPr>
           <a:xfrm flipH="1">
-            <a:off x="3747920" y="2071303"/>
+            <a:off x="4253947" y="2105155"/>
             <a:ext cx="1555953" cy="1554022"/>
           </a:xfrm>
           <a:prstGeom prst="circularArrow">
@@ -7383,7 +7383,7 @@
         </p:nvSpPr>
         <p:spPr>
           <a:xfrm>
-            <a:off x="3397381" y="4490182"/>
+            <a:off x="3903408" y="4524034"/>
             <a:ext cx="2297807" cy="1110683"/>
           </a:xfrm>
           <a:prstGeom prst="rect">
@@ -7448,7 +7448,7 @@
         </p:nvCxnSpPr>
         <p:spPr bwMode="auto">
           <a:xfrm>
-            <a:off x="6355300" y="3517749"/>
+            <a:off x="6861327" y="3551601"/>
             <a:ext cx="2" cy="912039"/>
           </a:xfrm>
           <a:prstGeom prst="straightConnector1">
@@ -7487,7 +7487,7 @@
         </p:nvSpPr>
         <p:spPr>
           <a:xfrm flipH="1">
-            <a:off x="5577324" y="2071303"/>
+            <a:off x="6083351" y="2105155"/>
             <a:ext cx="1555953" cy="1554022"/>
           </a:xfrm>
           <a:prstGeom prst="circularArrow">
@@ -7676,7 +7676,7 @@
         </p:nvSpPr>
         <p:spPr>
           <a:xfrm>
-            <a:off x="5226785" y="4490182"/>
+            <a:off x="5732812" y="4524034"/>
             <a:ext cx="2297807" cy="741351"/>
           </a:xfrm>
           <a:prstGeom prst="rect">
@@ -7748,7 +7748,7 @@
         </p:nvCxnSpPr>
         <p:spPr bwMode="auto">
           <a:xfrm>
-            <a:off x="7961399" y="3517749"/>
+            <a:off x="8467426" y="3551601"/>
             <a:ext cx="2" cy="912039"/>
           </a:xfrm>
           <a:prstGeom prst="straightConnector1">
@@ -7787,7 +7787,7 @@
         </p:nvSpPr>
         <p:spPr>
           <a:xfrm flipH="1">
-            <a:off x="7183423" y="2071303"/>
+            <a:off x="7689450" y="2105155"/>
             <a:ext cx="1555953" cy="1554022"/>
           </a:xfrm>
           <a:prstGeom prst="circularArrow">
@@ -7976,7 +7976,7 @@
         </p:nvSpPr>
         <p:spPr>
           <a:xfrm>
-            <a:off x="6832884" y="4490182"/>
+            <a:off x="7338911" y="4524034"/>
             <a:ext cx="2297807" cy="372019"/>
           </a:xfrm>
           <a:prstGeom prst="rect">
@@ -8024,7 +8024,7 @@
         </p:nvCxnSpPr>
         <p:spPr bwMode="auto">
           <a:xfrm>
-            <a:off x="9611884" y="3517749"/>
+            <a:off x="10117911" y="3551601"/>
             <a:ext cx="2" cy="912039"/>
           </a:xfrm>
           <a:prstGeom prst="straightConnector1">
@@ -8063,7 +8063,7 @@
         </p:nvSpPr>
         <p:spPr>
           <a:xfrm flipH="1">
-            <a:off x="8833908" y="2071303"/>
+            <a:off x="9339935" y="2105155"/>
             <a:ext cx="1555953" cy="1554022"/>
           </a:xfrm>
           <a:prstGeom prst="circularArrow">
@@ -8252,7 +8252,7 @@
         </p:nvSpPr>
         <p:spPr>
           <a:xfrm>
-            <a:off x="8483369" y="4490182"/>
+            <a:off x="8989396" y="4524034"/>
             <a:ext cx="2297807" cy="741351"/>
           </a:xfrm>
           <a:prstGeom prst="rect">
@@ -8297,282 +8297,6 @@
                 <a:ea typeface="微软雅黑 Light" pitchFamily="34" charset="-122"/>
               </a:rPr>
               <a:t>Desktop</a:t>
-            </a:r>
-          </a:p>
-        </p:txBody>
-      </p:sp>
-      <p:cxnSp>
-        <p:nvCxnSpPr>
-          <p:cNvPr id="27" name="直接箭头连接符 26">
-            <a:extLst>
-              <a:ext uri="{FF2B5EF4-FFF2-40B4-BE49-F238E27FC236}">
-                <a16:creationId xmlns:a16="http://schemas.microsoft.com/office/drawing/2014/main" id="{9C6F32C7-C3F0-43AD-9522-BC56A23DEB56}"/>
-              </a:ext>
-            </a:extLst>
-          </p:cNvPr>
-          <p:cNvCxnSpPr>
-            <a:cxnSpLocks noChangeShapeType="1"/>
-          </p:cNvCxnSpPr>
-          <p:nvPr/>
-        </p:nvCxnSpPr>
-        <p:spPr bwMode="auto">
-          <a:xfrm>
-            <a:off x="11167836" y="3551601"/>
-            <a:ext cx="2" cy="912039"/>
-          </a:xfrm>
-          <a:prstGeom prst="straightConnector1">
-            <a:avLst/>
-          </a:prstGeom>
-          <a:noFill/>
-          <a:ln w="19050" algn="ctr">
-            <a:solidFill>
-              <a:schemeClr val="bg1"/>
-            </a:solidFill>
-            <a:prstDash val="sysDash"/>
-            <a:miter lim="800000"/>
-            <a:headEnd type="oval" w="med" len="med"/>
-            <a:tailEnd type="triangle" w="med" len="med"/>
-          </a:ln>
-          <a:extLst>
-            <a:ext uri="{909E8E84-426E-40DD-AFC4-6F175D3DCCD1}">
-              <a14:hiddenFill xmlns:a14="http://schemas.microsoft.com/office/drawing/2010/main">
-                <a:noFill/>
-              </a14:hiddenFill>
-            </a:ext>
-          </a:extLst>
-        </p:spPr>
-      </p:cxnSp>
-      <p:sp>
-        <p:nvSpPr>
-          <p:cNvPr id="28" name="环形箭头 62">
-            <a:extLst>
-              <a:ext uri="{FF2B5EF4-FFF2-40B4-BE49-F238E27FC236}">
-                <a16:creationId xmlns:a16="http://schemas.microsoft.com/office/drawing/2014/main" id="{716983F4-3223-44DA-A110-CA36D82ADCF8}"/>
-              </a:ext>
-            </a:extLst>
-          </p:cNvPr>
-          <p:cNvSpPr/>
-          <p:nvPr/>
-        </p:nvSpPr>
-        <p:spPr>
-          <a:xfrm flipH="1">
-            <a:off x="10389860" y="2105155"/>
-            <a:ext cx="1555953" cy="1554022"/>
-          </a:xfrm>
-          <a:prstGeom prst="circularArrow">
-            <a:avLst>
-              <a:gd name="adj1" fmla="val 12500"/>
-              <a:gd name="adj2" fmla="val 1142319"/>
-              <a:gd name="adj3" fmla="val 20457681"/>
-              <a:gd name="adj4" fmla="val 2875315"/>
-              <a:gd name="adj5" fmla="val 12500"/>
-            </a:avLst>
-          </a:prstGeom>
-          <a:noFill/>
-          <a:ln w="12700">
-            <a:solidFill>
-              <a:schemeClr val="bg1"/>
-            </a:solidFill>
-            <a:miter lim="800000"/>
-            <a:headEnd/>
-            <a:tailEnd/>
-          </a:ln>
-          <a:effectLst/>
-        </p:spPr>
-        <p:txBody>
-          <a:bodyPr wrap="none" lIns="68580" tIns="34290" rIns="68580" bIns="34290" anchor="ctr"/>
-          <a:lstStyle>
-            <a:defPPr>
-              <a:defRPr lang="zh-CN"/>
-            </a:defPPr>
-            <a:lvl1pPr algn="l" defTabSz="685800" rtl="0" fontAlgn="base">
-              <a:spcBef>
-                <a:spcPct val="0"/>
-              </a:spcBef>
-              <a:spcAft>
-                <a:spcPct val="0"/>
-              </a:spcAft>
-              <a:defRPr sz="1300" kern="1200">
-                <a:solidFill>
-                  <a:schemeClr val="tx1"/>
-                </a:solidFill>
-                <a:latin typeface="Arial" panose="020B0604020202020204" pitchFamily="34" charset="0"/>
-                <a:ea typeface="宋体" panose="02010600030101010101" pitchFamily="2" charset="-122"/>
-                <a:cs typeface="+mn-cs"/>
-              </a:defRPr>
-            </a:lvl1pPr>
-            <a:lvl2pPr marL="342900" indent="114300" algn="l" defTabSz="685800" rtl="0" fontAlgn="base">
-              <a:spcBef>
-                <a:spcPct val="0"/>
-              </a:spcBef>
-              <a:spcAft>
-                <a:spcPct val="0"/>
-              </a:spcAft>
-              <a:defRPr sz="1300" kern="1200">
-                <a:solidFill>
-                  <a:schemeClr val="tx1"/>
-                </a:solidFill>
-                <a:latin typeface="Arial" panose="020B0604020202020204" pitchFamily="34" charset="0"/>
-                <a:ea typeface="宋体" panose="02010600030101010101" pitchFamily="2" charset="-122"/>
-                <a:cs typeface="+mn-cs"/>
-              </a:defRPr>
-            </a:lvl2pPr>
-            <a:lvl3pPr marL="685800" indent="228600" algn="l" defTabSz="685800" rtl="0" fontAlgn="base">
-              <a:spcBef>
-                <a:spcPct val="0"/>
-              </a:spcBef>
-              <a:spcAft>
-                <a:spcPct val="0"/>
-              </a:spcAft>
-              <a:defRPr sz="1300" kern="1200">
-                <a:solidFill>
-                  <a:schemeClr val="tx1"/>
-                </a:solidFill>
-                <a:latin typeface="Arial" panose="020B0604020202020204" pitchFamily="34" charset="0"/>
-                <a:ea typeface="宋体" panose="02010600030101010101" pitchFamily="2" charset="-122"/>
-                <a:cs typeface="+mn-cs"/>
-              </a:defRPr>
-            </a:lvl3pPr>
-            <a:lvl4pPr marL="1028700" indent="342900" algn="l" defTabSz="685800" rtl="0" fontAlgn="base">
-              <a:spcBef>
-                <a:spcPct val="0"/>
-              </a:spcBef>
-              <a:spcAft>
-                <a:spcPct val="0"/>
-              </a:spcAft>
-              <a:defRPr sz="1300" kern="1200">
-                <a:solidFill>
-                  <a:schemeClr val="tx1"/>
-                </a:solidFill>
-                <a:latin typeface="Arial" panose="020B0604020202020204" pitchFamily="34" charset="0"/>
-                <a:ea typeface="宋体" panose="02010600030101010101" pitchFamily="2" charset="-122"/>
-                <a:cs typeface="+mn-cs"/>
-              </a:defRPr>
-            </a:lvl4pPr>
-            <a:lvl5pPr marL="1371600" indent="457200" algn="l" defTabSz="685800" rtl="0" fontAlgn="base">
-              <a:spcBef>
-                <a:spcPct val="0"/>
-              </a:spcBef>
-              <a:spcAft>
-                <a:spcPct val="0"/>
-              </a:spcAft>
-              <a:defRPr sz="1300" kern="1200">
-                <a:solidFill>
-                  <a:schemeClr val="tx1"/>
-                </a:solidFill>
-                <a:latin typeface="Arial" panose="020B0604020202020204" pitchFamily="34" charset="0"/>
-                <a:ea typeface="宋体" panose="02010600030101010101" pitchFamily="2" charset="-122"/>
-                <a:cs typeface="+mn-cs"/>
-              </a:defRPr>
-            </a:lvl5pPr>
-            <a:lvl6pPr marL="2286000" algn="l" defTabSz="914400" rtl="0" eaLnBrk="1" latinLnBrk="0" hangingPunct="1">
-              <a:defRPr sz="1300" kern="1200">
-                <a:solidFill>
-                  <a:schemeClr val="tx1"/>
-                </a:solidFill>
-                <a:latin typeface="Arial" panose="020B0604020202020204" pitchFamily="34" charset="0"/>
-                <a:ea typeface="宋体" panose="02010600030101010101" pitchFamily="2" charset="-122"/>
-                <a:cs typeface="+mn-cs"/>
-              </a:defRPr>
-            </a:lvl6pPr>
-            <a:lvl7pPr marL="2743200" algn="l" defTabSz="914400" rtl="0" eaLnBrk="1" latinLnBrk="0" hangingPunct="1">
-              <a:defRPr sz="1300" kern="1200">
-                <a:solidFill>
-                  <a:schemeClr val="tx1"/>
-                </a:solidFill>
-                <a:latin typeface="Arial" panose="020B0604020202020204" pitchFamily="34" charset="0"/>
-                <a:ea typeface="宋体" panose="02010600030101010101" pitchFamily="2" charset="-122"/>
-                <a:cs typeface="+mn-cs"/>
-              </a:defRPr>
-            </a:lvl7pPr>
-            <a:lvl8pPr marL="3200400" algn="l" defTabSz="914400" rtl="0" eaLnBrk="1" latinLnBrk="0" hangingPunct="1">
-              <a:defRPr sz="1300" kern="1200">
-                <a:solidFill>
-                  <a:schemeClr val="tx1"/>
-                </a:solidFill>
-                <a:latin typeface="Arial" panose="020B0604020202020204" pitchFamily="34" charset="0"/>
-                <a:ea typeface="宋体" panose="02010600030101010101" pitchFamily="2" charset="-122"/>
-                <a:cs typeface="+mn-cs"/>
-              </a:defRPr>
-            </a:lvl8pPr>
-            <a:lvl9pPr marL="3657600" algn="l" defTabSz="914400" rtl="0" eaLnBrk="1" latinLnBrk="0" hangingPunct="1">
-              <a:defRPr sz="1300" kern="1200">
-                <a:solidFill>
-                  <a:schemeClr val="tx1"/>
-                </a:solidFill>
-                <a:latin typeface="Arial" panose="020B0604020202020204" pitchFamily="34" charset="0"/>
-                <a:ea typeface="宋体" panose="02010600030101010101" pitchFamily="2" charset="-122"/>
-                <a:cs typeface="+mn-cs"/>
-              </a:defRPr>
-            </a:lvl9pPr>
-          </a:lstStyle>
-          <a:p>
-            <a:pPr algn="ctr" fontAlgn="auto">
-              <a:spcBef>
-                <a:spcPts val="0"/>
-              </a:spcBef>
-              <a:spcAft>
-                <a:spcPts val="0"/>
-              </a:spcAft>
-              <a:defRPr/>
-            </a:pPr>
-            <a:r>
-              <a:rPr lang="zh-CN" altLang="en-US" sz="1600" b="1" dirty="0">
-                <a:solidFill>
-                  <a:schemeClr val="bg1"/>
-                </a:solidFill>
-                <a:latin typeface="方正粗倩简体" panose="03000509000000000000" pitchFamily="65" charset="-122"/>
-                <a:ea typeface="方正粗倩简体" panose="03000509000000000000" pitchFamily="65" charset="-122"/>
-                <a:cs typeface="+mn-ea"/>
-                <a:sym typeface="+mn-lt"/>
-              </a:rPr>
-              <a:t>需求管理工具</a:t>
-            </a:r>
-          </a:p>
-        </p:txBody>
-      </p:sp>
-      <p:sp>
-        <p:nvSpPr>
-          <p:cNvPr id="29" name="TextBox 1">
-            <a:extLst>
-              <a:ext uri="{FF2B5EF4-FFF2-40B4-BE49-F238E27FC236}">
-                <a16:creationId xmlns:a16="http://schemas.microsoft.com/office/drawing/2014/main" id="{207B2BDC-EEEA-4642-A5E9-098A7D2D2F80}"/>
-              </a:ext>
-            </a:extLst>
-          </p:cNvPr>
-          <p:cNvSpPr txBox="1"/>
-          <p:nvPr/>
-        </p:nvSpPr>
-        <p:spPr>
-          <a:xfrm>
-            <a:off x="10039321" y="4524034"/>
-            <a:ext cx="2297807" cy="372019"/>
-          </a:xfrm>
-          <a:prstGeom prst="rect">
-            <a:avLst/>
-          </a:prstGeom>
-          <a:noFill/>
-        </p:spPr>
-        <p:txBody>
-          <a:bodyPr wrap="square" lIns="0" tIns="0" rIns="0" bIns="45714" rtlCol="0">
-            <a:spAutoFit/>
-          </a:bodyPr>
-          <a:lstStyle/>
-          <a:p>
-            <a:pPr algn="ctr">
-              <a:lnSpc>
-                <a:spcPct val="150000"/>
-              </a:lnSpc>
-            </a:pPr>
-            <a:r>
-              <a:rPr lang="en-US" altLang="zh-CN" sz="1600" b="1" dirty="0">
-                <a:solidFill>
-                  <a:schemeClr val="bg1"/>
-                </a:solidFill>
-                <a:latin typeface="微软雅黑 Light" pitchFamily="34" charset="-122"/>
-                <a:ea typeface="微软雅黑 Light" pitchFamily="34" charset="-122"/>
-              </a:rPr>
-              <a:t>Doors 8.0</a:t>
             </a:r>
           </a:p>
         </p:txBody>
@@ -10053,234 +9777,6 @@
                             </p:childTnLst>
                           </p:cTn>
                         </p:par>
-                        <p:par>
-                          <p:cTn id="87" fill="hold">
-                            <p:stCondLst>
-                              <p:cond delay="3000"/>
-                            </p:stCondLst>
-                            <p:childTnLst>
-                              <p:par>
-                                <p:cTn id="88" presetID="2" presetClass="entr" presetSubtype="4" fill="hold" grpId="0" nodeType="afterEffect">
-                                  <p:stCondLst>
-                                    <p:cond delay="0"/>
-                                  </p:stCondLst>
-                                  <p:childTnLst>
-                                    <p:set>
-                                      <p:cBhvr>
-                                        <p:cTn id="89" dur="1" fill="hold">
-                                          <p:stCondLst>
-                                            <p:cond delay="0"/>
-                                          </p:stCondLst>
-                                        </p:cTn>
-                                        <p:tgtEl>
-                                          <p:spTgt spid="29"/>
-                                        </p:tgtEl>
-                                        <p:attrNameLst>
-                                          <p:attrName>style.visibility</p:attrName>
-                                        </p:attrNameLst>
-                                      </p:cBhvr>
-                                      <p:to>
-                                        <p:strVal val="visible"/>
-                                      </p:to>
-                                    </p:set>
-                                    <p:anim calcmode="lin" valueType="num">
-                                      <p:cBhvr additive="base">
-                                        <p:cTn id="90" dur="500" fill="hold"/>
-                                        <p:tgtEl>
-                                          <p:spTgt spid="29"/>
-                                        </p:tgtEl>
-                                        <p:attrNameLst>
-                                          <p:attrName>ppt_x</p:attrName>
-                                        </p:attrNameLst>
-                                      </p:cBhvr>
-                                      <p:tavLst>
-                                        <p:tav tm="0">
-                                          <p:val>
-                                            <p:strVal val="#ppt_x"/>
-                                          </p:val>
-                                        </p:tav>
-                                        <p:tav tm="100000">
-                                          <p:val>
-                                            <p:strVal val="#ppt_x"/>
-                                          </p:val>
-                                        </p:tav>
-                                      </p:tavLst>
-                                    </p:anim>
-                                    <p:anim calcmode="lin" valueType="num">
-                                      <p:cBhvr additive="base">
-                                        <p:cTn id="91" dur="500" fill="hold"/>
-                                        <p:tgtEl>
-                                          <p:spTgt spid="29"/>
-                                        </p:tgtEl>
-                                        <p:attrNameLst>
-                                          <p:attrName>ppt_y</p:attrName>
-                                        </p:attrNameLst>
-                                      </p:cBhvr>
-                                      <p:tavLst>
-                                        <p:tav tm="0">
-                                          <p:val>
-                                            <p:strVal val="1+#ppt_h/2"/>
-                                          </p:val>
-                                        </p:tav>
-                                        <p:tav tm="100000">
-                                          <p:val>
-                                            <p:strVal val="#ppt_y"/>
-                                          </p:val>
-                                        </p:tav>
-                                      </p:tavLst>
-                                    </p:anim>
-                                  </p:childTnLst>
-                                </p:cTn>
-                              </p:par>
-                              <p:par>
-                                <p:cTn id="92" presetID="2" presetClass="entr" presetSubtype="4" fill="hold" nodeType="withEffect">
-                                  <p:stCondLst>
-                                    <p:cond delay="0"/>
-                                  </p:stCondLst>
-                                  <p:childTnLst>
-                                    <p:set>
-                                      <p:cBhvr>
-                                        <p:cTn id="93" dur="1" fill="hold">
-                                          <p:stCondLst>
-                                            <p:cond delay="0"/>
-                                          </p:stCondLst>
-                                        </p:cTn>
-                                        <p:tgtEl>
-                                          <p:spTgt spid="27"/>
-                                        </p:tgtEl>
-                                        <p:attrNameLst>
-                                          <p:attrName>style.visibility</p:attrName>
-                                        </p:attrNameLst>
-                                      </p:cBhvr>
-                                      <p:to>
-                                        <p:strVal val="visible"/>
-                                      </p:to>
-                                    </p:set>
-                                    <p:anim calcmode="lin" valueType="num">
-                                      <p:cBhvr additive="base">
-                                        <p:cTn id="94" dur="500" fill="hold"/>
-                                        <p:tgtEl>
-                                          <p:spTgt spid="27"/>
-                                        </p:tgtEl>
-                                        <p:attrNameLst>
-                                          <p:attrName>ppt_x</p:attrName>
-                                        </p:attrNameLst>
-                                      </p:cBhvr>
-                                      <p:tavLst>
-                                        <p:tav tm="0">
-                                          <p:val>
-                                            <p:strVal val="#ppt_x"/>
-                                          </p:val>
-                                        </p:tav>
-                                        <p:tav tm="100000">
-                                          <p:val>
-                                            <p:strVal val="#ppt_x"/>
-                                          </p:val>
-                                        </p:tav>
-                                      </p:tavLst>
-                                    </p:anim>
-                                    <p:anim calcmode="lin" valueType="num">
-                                      <p:cBhvr additive="base">
-                                        <p:cTn id="95" dur="500" fill="hold"/>
-                                        <p:tgtEl>
-                                          <p:spTgt spid="27"/>
-                                        </p:tgtEl>
-                                        <p:attrNameLst>
-                                          <p:attrName>ppt_y</p:attrName>
-                                        </p:attrNameLst>
-                                      </p:cBhvr>
-                                      <p:tavLst>
-                                        <p:tav tm="0">
-                                          <p:val>
-                                            <p:strVal val="1+#ppt_h/2"/>
-                                          </p:val>
-                                        </p:tav>
-                                        <p:tav tm="100000">
-                                          <p:val>
-                                            <p:strVal val="#ppt_y"/>
-                                          </p:val>
-                                        </p:tav>
-                                      </p:tavLst>
-                                    </p:anim>
-                                  </p:childTnLst>
-                                </p:cTn>
-                              </p:par>
-                              <p:par>
-                                <p:cTn id="96" presetID="2" presetClass="entr" presetSubtype="4" fill="hold" grpId="0" nodeType="withEffect">
-                                  <p:stCondLst>
-                                    <p:cond delay="0"/>
-                                  </p:stCondLst>
-                                  <p:childTnLst>
-                                    <p:set>
-                                      <p:cBhvr>
-                                        <p:cTn id="97" dur="1" fill="hold">
-                                          <p:stCondLst>
-                                            <p:cond delay="0"/>
-                                          </p:stCondLst>
-                                        </p:cTn>
-                                        <p:tgtEl>
-                                          <p:spTgt spid="28"/>
-                                        </p:tgtEl>
-                                        <p:attrNameLst>
-                                          <p:attrName>style.visibility</p:attrName>
-                                        </p:attrNameLst>
-                                      </p:cBhvr>
-                                      <p:to>
-                                        <p:strVal val="visible"/>
-                                      </p:to>
-                                    </p:set>
-                                    <p:anim calcmode="lin" valueType="num">
-                                      <p:cBhvr additive="base">
-                                        <p:cTn id="98" dur="500" fill="hold"/>
-                                        <p:tgtEl>
-                                          <p:spTgt spid="28"/>
-                                        </p:tgtEl>
-                                        <p:attrNameLst>
-                                          <p:attrName>ppt_x</p:attrName>
-                                        </p:attrNameLst>
-                                      </p:cBhvr>
-                                      <p:tavLst>
-                                        <p:tav tm="0">
-                                          <p:val>
-                                            <p:strVal val="#ppt_x"/>
-                                          </p:val>
-                                        </p:tav>
-                                        <p:tav tm="100000">
-                                          <p:val>
-                                            <p:strVal val="#ppt_x"/>
-                                          </p:val>
-                                        </p:tav>
-                                      </p:tavLst>
-                                    </p:anim>
-                                    <p:anim calcmode="lin" valueType="num">
-                                      <p:cBhvr additive="base">
-                                        <p:cTn id="99" dur="500" fill="hold"/>
-                                        <p:tgtEl>
-                                          <p:spTgt spid="28"/>
-                                        </p:tgtEl>
-                                        <p:attrNameLst>
-                                          <p:attrName>ppt_y</p:attrName>
-                                        </p:attrNameLst>
-                                      </p:cBhvr>
-                                      <p:tavLst>
-                                        <p:tav tm="0">
-                                          <p:val>
-                                            <p:strVal val="1+#ppt_h/2"/>
-                                          </p:val>
-                                        </p:tav>
-                                        <p:tav tm="100000">
-                                          <p:val>
-                                            <p:strVal val="#ppt_y"/>
-                                          </p:val>
-                                        </p:tav>
-                                      </p:tavLst>
-                                    </p:anim>
-                                  </p:childTnLst>
-                                </p:cTn>
-                              </p:par>
-                            </p:childTnLst>
-                          </p:cTn>
-                        </p:par>
                       </p:childTnLst>
                     </p:cTn>
                   </p:par>
@@ -10319,8 +9815,6 @@
       <p:bldP spid="23" grpId="0"/>
       <p:bldP spid="25" grpId="0" animBg="1"/>
       <p:bldP spid="26" grpId="0"/>
-      <p:bldP spid="28" grpId="0" animBg="1"/>
-      <p:bldP spid="29" grpId="0"/>
     </p:bldLst>
   </p:timing>
 </p:sld>
@@ -10530,13 +10024,13 @@
   <p:clrMapOvr>
     <a:masterClrMapping/>
   </p:clrMapOvr>
-  <mc:AlternateContent xmlns:mc="http://schemas.openxmlformats.org/markup-compatibility/2006">
-    <mc:Choice xmlns:p14="http://schemas.microsoft.com/office/powerpoint/2010/main" Requires="p14">
+  <mc:AlternateContent xmlns:mc="http://schemas.openxmlformats.org/markup-compatibility/2006" xmlns:p14="http://schemas.microsoft.com/office/powerpoint/2010/main">
+    <mc:Choice Requires="p14">
       <p:transition spd="slow" p14:dur="3900">
         <p14:glitter pattern="hexagon"/>
       </p:transition>
     </mc:Choice>
-    <mc:Fallback>
+    <mc:Fallback xmlns="">
       <p:transition spd="slow">
         <p:fade/>
       </p:transition>
@@ -10749,13 +10243,13 @@
   <p:clrMapOvr>
     <a:masterClrMapping/>
   </p:clrMapOvr>
-  <mc:AlternateContent xmlns:mc="http://schemas.openxmlformats.org/markup-compatibility/2006">
-    <mc:Choice xmlns:p14="http://schemas.microsoft.com/office/powerpoint/2010/main" Requires="p14">
+  <mc:AlternateContent xmlns:mc="http://schemas.openxmlformats.org/markup-compatibility/2006" xmlns:p14="http://schemas.microsoft.com/office/powerpoint/2010/main">
+    <mc:Choice Requires="p14">
       <p:transition p14:dur="100">
         <p:cut/>
       </p:transition>
     </mc:Choice>
-    <mc:Fallback>
+    <mc:Fallback xmlns="">
       <p:transition>
         <p:cut/>
       </p:transition>
@@ -17083,13 +16577,13 @@
   <p:clrMapOvr>
     <a:masterClrMapping/>
   </p:clrMapOvr>
-  <mc:AlternateContent xmlns:mc="http://schemas.openxmlformats.org/markup-compatibility/2006">
-    <mc:Choice xmlns:p14="http://schemas.microsoft.com/office/powerpoint/2010/main" Requires="p14">
+  <mc:AlternateContent xmlns:mc="http://schemas.openxmlformats.org/markup-compatibility/2006" xmlns:p14="http://schemas.microsoft.com/office/powerpoint/2010/main">
+    <mc:Choice Requires="p14">
       <p:transition spd="slow" p14:dur="1500">
         <p:split orient="vert"/>
       </p:transition>
     </mc:Choice>
-    <mc:Fallback>
+    <mc:Fallback xmlns="">
       <p:transition spd="slow">
         <p:split orient="vert"/>
       </p:transition>
@@ -18281,13 +17775,13 @@
           <p:nvPr>
             <p:extLst>
               <p:ext uri="{D42A27DB-BD31-4B8C-83A1-F6EECF244321}">
-                <p14:modId xmlns:p14="http://schemas.microsoft.com/office/powerpoint/2010/main" val="3442404376"/>
+                <p14:modId xmlns:p14="http://schemas.microsoft.com/office/powerpoint/2010/main" val="3109067576"/>
               </p:ext>
             </p:extLst>
           </p:nvPr>
         </p:nvGraphicFramePr>
         <p:xfrm>
-          <a:off x="1300488" y="327233"/>
+          <a:off x="1220589" y="163616"/>
           <a:ext cx="10413991" cy="6530767"/>
         </p:xfrm>
         <a:graphic>
@@ -18312,7 +17806,7 @@
                   </a:extLst>
                 </a:gridCol>
               </a:tblGrid>
-              <a:tr h="171560">
+              <a:tr h="0">
                 <a:tc>
                   <a:txBody>
                     <a:bodyPr/>
@@ -18324,12 +17818,12 @@
                         </a:spcAft>
                       </a:pPr>
                       <a:r>
-                        <a:rPr lang="zh-CN" sz="1600" kern="100">
+                        <a:rPr lang="zh-CN" sz="1600" kern="100" dirty="0">
                           <a:effectLst/>
                         </a:rPr>
                         <a:t>人员姓名</a:t>
                       </a:r>
-                      <a:endParaRPr lang="zh-CN" sz="1600" kern="100">
+                      <a:endParaRPr lang="zh-CN" sz="1600" kern="100" dirty="0">
                         <a:effectLst/>
                         <a:latin typeface="Calibri" panose="020F0502020204030204" pitchFamily="34" charset="0"/>
                         <a:ea typeface="宋体" panose="02010600030101010101" pitchFamily="2" charset="-122"/>
@@ -18337,7 +17831,44 @@
                       </a:endParaRPr>
                     </a:p>
                   </a:txBody>
-                  <a:tcPr marL="80441" marR="80441" marT="0" marB="0"/>
+                  <a:tcPr marL="80441" marR="80441" marT="0" marB="0">
+                    <a:lnL w="12700" cap="flat" cmpd="sng" algn="ctr">
+                      <a:solidFill>
+                        <a:schemeClr val="tx1"/>
+                      </a:solidFill>
+                      <a:prstDash val="solid"/>
+                      <a:round/>
+                      <a:headEnd type="none" w="med" len="med"/>
+                      <a:tailEnd type="none" w="med" len="med"/>
+                    </a:lnL>
+                    <a:lnR w="12700" cap="flat" cmpd="sng" algn="ctr">
+                      <a:solidFill>
+                        <a:schemeClr val="tx1"/>
+                      </a:solidFill>
+                      <a:prstDash val="solid"/>
+                      <a:round/>
+                      <a:headEnd type="none" w="med" len="med"/>
+                      <a:tailEnd type="none" w="med" len="med"/>
+                    </a:lnR>
+                    <a:lnT w="12700" cap="flat" cmpd="sng" algn="ctr">
+                      <a:solidFill>
+                        <a:schemeClr val="tx1"/>
+                      </a:solidFill>
+                      <a:prstDash val="solid"/>
+                      <a:round/>
+                      <a:headEnd type="none" w="med" len="med"/>
+                      <a:tailEnd type="none" w="med" len="med"/>
+                    </a:lnT>
+                    <a:lnB w="12700" cap="flat" cmpd="sng" algn="ctr">
+                      <a:solidFill>
+                        <a:schemeClr val="tx1"/>
+                      </a:solidFill>
+                      <a:prstDash val="solid"/>
+                      <a:round/>
+                      <a:headEnd type="none" w="med" len="med"/>
+                      <a:tailEnd type="none" w="med" len="med"/>
+                    </a:lnB>
+                  </a:tcPr>
                 </a:tc>
                 <a:tc>
                   <a:txBody>
@@ -18350,12 +17881,12 @@
                         </a:spcAft>
                       </a:pPr>
                       <a:r>
-                        <a:rPr lang="zh-CN" sz="1600" kern="100">
+                        <a:rPr lang="zh-CN" sz="1600" kern="100" dirty="0">
                           <a:effectLst/>
                         </a:rPr>
                         <a:t>特点</a:t>
                       </a:r>
-                      <a:endParaRPr lang="zh-CN" sz="1600" kern="100">
+                      <a:endParaRPr lang="zh-CN" sz="1600" kern="100" dirty="0">
                         <a:effectLst/>
                         <a:latin typeface="Calibri" panose="020F0502020204030204" pitchFamily="34" charset="0"/>
                         <a:ea typeface="宋体" panose="02010600030101010101" pitchFamily="2" charset="-122"/>
@@ -18363,7 +17894,44 @@
                       </a:endParaRPr>
                     </a:p>
                   </a:txBody>
-                  <a:tcPr marL="80441" marR="80441" marT="0" marB="0"/>
+                  <a:tcPr marL="80441" marR="80441" marT="0" marB="0">
+                    <a:lnL w="12700" cap="flat" cmpd="sng" algn="ctr">
+                      <a:solidFill>
+                        <a:schemeClr val="tx1"/>
+                      </a:solidFill>
+                      <a:prstDash val="solid"/>
+                      <a:round/>
+                      <a:headEnd type="none" w="med" len="med"/>
+                      <a:tailEnd type="none" w="med" len="med"/>
+                    </a:lnL>
+                    <a:lnR w="12700" cap="flat" cmpd="sng" algn="ctr">
+                      <a:solidFill>
+                        <a:schemeClr val="tx1"/>
+                      </a:solidFill>
+                      <a:prstDash val="solid"/>
+                      <a:round/>
+                      <a:headEnd type="none" w="med" len="med"/>
+                      <a:tailEnd type="none" w="med" len="med"/>
+                    </a:lnR>
+                    <a:lnT w="12700" cap="flat" cmpd="sng" algn="ctr">
+                      <a:solidFill>
+                        <a:schemeClr val="tx1"/>
+                      </a:solidFill>
+                      <a:prstDash val="solid"/>
+                      <a:round/>
+                      <a:headEnd type="none" w="med" len="med"/>
+                      <a:tailEnd type="none" w="med" len="med"/>
+                    </a:lnT>
+                    <a:lnB w="12700" cap="flat" cmpd="sng" algn="ctr">
+                      <a:solidFill>
+                        <a:schemeClr val="tx1"/>
+                      </a:solidFill>
+                      <a:prstDash val="solid"/>
+                      <a:round/>
+                      <a:headEnd type="none" w="med" len="med"/>
+                      <a:tailEnd type="none" w="med" len="med"/>
+                    </a:lnB>
+                  </a:tcPr>
                 </a:tc>
                 <a:extLst>
                   <a:ext uri="{0D108BD9-81ED-4DB2-BD59-A6C34878D82A}">
@@ -18396,7 +17964,44 @@
                       </a:endParaRPr>
                     </a:p>
                   </a:txBody>
-                  <a:tcPr marL="80441" marR="80441" marT="0" marB="0"/>
+                  <a:tcPr marL="80441" marR="80441" marT="0" marB="0">
+                    <a:lnL w="12700" cap="flat" cmpd="sng" algn="ctr">
+                      <a:solidFill>
+                        <a:schemeClr val="tx1"/>
+                      </a:solidFill>
+                      <a:prstDash val="solid"/>
+                      <a:round/>
+                      <a:headEnd type="none" w="med" len="med"/>
+                      <a:tailEnd type="none" w="med" len="med"/>
+                    </a:lnL>
+                    <a:lnR w="12700" cap="flat" cmpd="sng" algn="ctr">
+                      <a:solidFill>
+                        <a:schemeClr val="tx1"/>
+                      </a:solidFill>
+                      <a:prstDash val="solid"/>
+                      <a:round/>
+                      <a:headEnd type="none" w="med" len="med"/>
+                      <a:tailEnd type="none" w="med" len="med"/>
+                    </a:lnR>
+                    <a:lnT w="12700" cap="flat" cmpd="sng" algn="ctr">
+                      <a:solidFill>
+                        <a:schemeClr val="tx1"/>
+                      </a:solidFill>
+                      <a:prstDash val="solid"/>
+                      <a:round/>
+                      <a:headEnd type="none" w="med" len="med"/>
+                      <a:tailEnd type="none" w="med" len="med"/>
+                    </a:lnT>
+                    <a:lnB w="12700" cap="flat" cmpd="sng" algn="ctr">
+                      <a:solidFill>
+                        <a:schemeClr val="tx1"/>
+                      </a:solidFill>
+                      <a:prstDash val="solid"/>
+                      <a:round/>
+                      <a:headEnd type="none" w="med" len="med"/>
+                      <a:tailEnd type="none" w="med" len="med"/>
+                    </a:lnB>
+                  </a:tcPr>
                 </a:tc>
                 <a:tc>
                   <a:txBody>
@@ -18470,7 +18075,44 @@
                       </a:endParaRPr>
                     </a:p>
                   </a:txBody>
-                  <a:tcPr marL="80441" marR="80441" marT="0" marB="0"/>
+                  <a:tcPr marL="80441" marR="80441" marT="0" marB="0">
+                    <a:lnL w="12700" cap="flat" cmpd="sng" algn="ctr">
+                      <a:solidFill>
+                        <a:schemeClr val="tx1"/>
+                      </a:solidFill>
+                      <a:prstDash val="solid"/>
+                      <a:round/>
+                      <a:headEnd type="none" w="med" len="med"/>
+                      <a:tailEnd type="none" w="med" len="med"/>
+                    </a:lnL>
+                    <a:lnR w="12700" cap="flat" cmpd="sng" algn="ctr">
+                      <a:solidFill>
+                        <a:schemeClr val="tx1"/>
+                      </a:solidFill>
+                      <a:prstDash val="solid"/>
+                      <a:round/>
+                      <a:headEnd type="none" w="med" len="med"/>
+                      <a:tailEnd type="none" w="med" len="med"/>
+                    </a:lnR>
+                    <a:lnT w="12700" cap="flat" cmpd="sng" algn="ctr">
+                      <a:solidFill>
+                        <a:schemeClr val="tx1"/>
+                      </a:solidFill>
+                      <a:prstDash val="solid"/>
+                      <a:round/>
+                      <a:headEnd type="none" w="med" len="med"/>
+                      <a:tailEnd type="none" w="med" len="med"/>
+                    </a:lnT>
+                    <a:lnB w="12700" cap="flat" cmpd="sng" algn="ctr">
+                      <a:solidFill>
+                        <a:schemeClr val="tx1"/>
+                      </a:solidFill>
+                      <a:prstDash val="solid"/>
+                      <a:round/>
+                      <a:headEnd type="none" w="med" len="med"/>
+                      <a:tailEnd type="none" w="med" len="med"/>
+                    </a:lnB>
+                  </a:tcPr>
                 </a:tc>
                 <a:extLst>
                   <a:ext uri="{0D108BD9-81ED-4DB2-BD59-A6C34878D82A}">
@@ -18503,7 +18145,44 @@
                       </a:endParaRPr>
                     </a:p>
                   </a:txBody>
-                  <a:tcPr marL="80441" marR="80441" marT="0" marB="0"/>
+                  <a:tcPr marL="80441" marR="80441" marT="0" marB="0">
+                    <a:lnL w="12700" cap="flat" cmpd="sng" algn="ctr">
+                      <a:solidFill>
+                        <a:schemeClr val="tx1"/>
+                      </a:solidFill>
+                      <a:prstDash val="solid"/>
+                      <a:round/>
+                      <a:headEnd type="none" w="med" len="med"/>
+                      <a:tailEnd type="none" w="med" len="med"/>
+                    </a:lnL>
+                    <a:lnR w="12700" cap="flat" cmpd="sng" algn="ctr">
+                      <a:solidFill>
+                        <a:schemeClr val="tx1"/>
+                      </a:solidFill>
+                      <a:prstDash val="solid"/>
+                      <a:round/>
+                      <a:headEnd type="none" w="med" len="med"/>
+                      <a:tailEnd type="none" w="med" len="med"/>
+                    </a:lnR>
+                    <a:lnT w="12700" cap="flat" cmpd="sng" algn="ctr">
+                      <a:solidFill>
+                        <a:schemeClr val="tx1"/>
+                      </a:solidFill>
+                      <a:prstDash val="solid"/>
+                      <a:round/>
+                      <a:headEnd type="none" w="med" len="med"/>
+                      <a:tailEnd type="none" w="med" len="med"/>
+                    </a:lnT>
+                    <a:lnB w="12700" cap="flat" cmpd="sng" algn="ctr">
+                      <a:solidFill>
+                        <a:schemeClr val="tx1"/>
+                      </a:solidFill>
+                      <a:prstDash val="solid"/>
+                      <a:round/>
+                      <a:headEnd type="none" w="med" len="med"/>
+                      <a:tailEnd type="none" w="med" len="med"/>
+                    </a:lnB>
+                  </a:tcPr>
                 </a:tc>
                 <a:tc>
                   <a:txBody>
@@ -18577,7 +18256,44 @@
                       </a:endParaRPr>
                     </a:p>
                   </a:txBody>
-                  <a:tcPr marL="80441" marR="80441" marT="0" marB="0"/>
+                  <a:tcPr marL="80441" marR="80441" marT="0" marB="0">
+                    <a:lnL w="12700" cap="flat" cmpd="sng" algn="ctr">
+                      <a:solidFill>
+                        <a:schemeClr val="tx1"/>
+                      </a:solidFill>
+                      <a:prstDash val="solid"/>
+                      <a:round/>
+                      <a:headEnd type="none" w="med" len="med"/>
+                      <a:tailEnd type="none" w="med" len="med"/>
+                    </a:lnL>
+                    <a:lnR w="12700" cap="flat" cmpd="sng" algn="ctr">
+                      <a:solidFill>
+                        <a:schemeClr val="tx1"/>
+                      </a:solidFill>
+                      <a:prstDash val="solid"/>
+                      <a:round/>
+                      <a:headEnd type="none" w="med" len="med"/>
+                      <a:tailEnd type="none" w="med" len="med"/>
+                    </a:lnR>
+                    <a:lnT w="12700" cap="flat" cmpd="sng" algn="ctr">
+                      <a:solidFill>
+                        <a:schemeClr val="tx1"/>
+                      </a:solidFill>
+                      <a:prstDash val="solid"/>
+                      <a:round/>
+                      <a:headEnd type="none" w="med" len="med"/>
+                      <a:tailEnd type="none" w="med" len="med"/>
+                    </a:lnT>
+                    <a:lnB w="12700" cap="flat" cmpd="sng" algn="ctr">
+                      <a:solidFill>
+                        <a:schemeClr val="tx1"/>
+                      </a:solidFill>
+                      <a:prstDash val="solid"/>
+                      <a:round/>
+                      <a:headEnd type="none" w="med" len="med"/>
+                      <a:tailEnd type="none" w="med" len="med"/>
+                    </a:lnB>
+                  </a:tcPr>
                 </a:tc>
                 <a:extLst>
                   <a:ext uri="{0D108BD9-81ED-4DB2-BD59-A6C34878D82A}">
@@ -18597,12 +18313,12 @@
                         </a:spcAft>
                       </a:pPr>
                       <a:r>
-                        <a:rPr lang="zh-CN" sz="1600" kern="100">
+                        <a:rPr lang="zh-CN" sz="1600" kern="100" dirty="0">
                           <a:effectLst/>
                         </a:rPr>
                         <a:t>王飞钢</a:t>
                       </a:r>
-                      <a:endParaRPr lang="zh-CN" sz="1600" kern="100">
+                      <a:endParaRPr lang="zh-CN" sz="1600" kern="100" dirty="0">
                         <a:effectLst/>
                         <a:latin typeface="Calibri" panose="020F0502020204030204" pitchFamily="34" charset="0"/>
                         <a:ea typeface="宋体" panose="02010600030101010101" pitchFamily="2" charset="-122"/>
@@ -18610,7 +18326,44 @@
                       </a:endParaRPr>
                     </a:p>
                   </a:txBody>
-                  <a:tcPr marL="80441" marR="80441" marT="0" marB="0"/>
+                  <a:tcPr marL="80441" marR="80441" marT="0" marB="0">
+                    <a:lnL w="12700" cap="flat" cmpd="sng" algn="ctr">
+                      <a:solidFill>
+                        <a:schemeClr val="tx1"/>
+                      </a:solidFill>
+                      <a:prstDash val="solid"/>
+                      <a:round/>
+                      <a:headEnd type="none" w="med" len="med"/>
+                      <a:tailEnd type="none" w="med" len="med"/>
+                    </a:lnL>
+                    <a:lnR w="12700" cap="flat" cmpd="sng" algn="ctr">
+                      <a:solidFill>
+                        <a:schemeClr val="tx1"/>
+                      </a:solidFill>
+                      <a:prstDash val="solid"/>
+                      <a:round/>
+                      <a:headEnd type="none" w="med" len="med"/>
+                      <a:tailEnd type="none" w="med" len="med"/>
+                    </a:lnR>
+                    <a:lnT w="12700" cap="flat" cmpd="sng" algn="ctr">
+                      <a:solidFill>
+                        <a:schemeClr val="tx1"/>
+                      </a:solidFill>
+                      <a:prstDash val="solid"/>
+                      <a:round/>
+                      <a:headEnd type="none" w="med" len="med"/>
+                      <a:tailEnd type="none" w="med" len="med"/>
+                    </a:lnT>
+                    <a:lnB w="12700" cap="flat" cmpd="sng" algn="ctr">
+                      <a:solidFill>
+                        <a:schemeClr val="tx1"/>
+                      </a:solidFill>
+                      <a:prstDash val="solid"/>
+                      <a:round/>
+                      <a:headEnd type="none" w="med" len="med"/>
+                      <a:tailEnd type="none" w="med" len="med"/>
+                    </a:lnB>
+                  </a:tcPr>
                 </a:tc>
                 <a:tc>
                   <a:txBody>
@@ -18648,7 +18401,44 @@
                       </a:endParaRPr>
                     </a:p>
                   </a:txBody>
-                  <a:tcPr marL="80441" marR="80441" marT="0" marB="0"/>
+                  <a:tcPr marL="80441" marR="80441" marT="0" marB="0">
+                    <a:lnL w="12700" cap="flat" cmpd="sng" algn="ctr">
+                      <a:solidFill>
+                        <a:schemeClr val="tx1"/>
+                      </a:solidFill>
+                      <a:prstDash val="solid"/>
+                      <a:round/>
+                      <a:headEnd type="none" w="med" len="med"/>
+                      <a:tailEnd type="none" w="med" len="med"/>
+                    </a:lnL>
+                    <a:lnR w="12700" cap="flat" cmpd="sng" algn="ctr">
+                      <a:solidFill>
+                        <a:schemeClr val="tx1"/>
+                      </a:solidFill>
+                      <a:prstDash val="solid"/>
+                      <a:round/>
+                      <a:headEnd type="none" w="med" len="med"/>
+                      <a:tailEnd type="none" w="med" len="med"/>
+                    </a:lnR>
+                    <a:lnT w="12700" cap="flat" cmpd="sng" algn="ctr">
+                      <a:solidFill>
+                        <a:schemeClr val="tx1"/>
+                      </a:solidFill>
+                      <a:prstDash val="solid"/>
+                      <a:round/>
+                      <a:headEnd type="none" w="med" len="med"/>
+                      <a:tailEnd type="none" w="med" len="med"/>
+                    </a:lnT>
+                    <a:lnB w="12700" cap="flat" cmpd="sng" algn="ctr">
+                      <a:solidFill>
+                        <a:schemeClr val="tx1"/>
+                      </a:solidFill>
+                      <a:prstDash val="solid"/>
+                      <a:round/>
+                      <a:headEnd type="none" w="med" len="med"/>
+                      <a:tailEnd type="none" w="med" len="med"/>
+                    </a:lnB>
+                  </a:tcPr>
                 </a:tc>
                 <a:extLst>
                   <a:ext uri="{0D108BD9-81ED-4DB2-BD59-A6C34878D82A}">
@@ -18681,7 +18471,44 @@
                       </a:endParaRPr>
                     </a:p>
                   </a:txBody>
-                  <a:tcPr marL="80441" marR="80441" marT="0" marB="0"/>
+                  <a:tcPr marL="80441" marR="80441" marT="0" marB="0">
+                    <a:lnL w="12700" cap="flat" cmpd="sng" algn="ctr">
+                      <a:solidFill>
+                        <a:schemeClr val="tx1"/>
+                      </a:solidFill>
+                      <a:prstDash val="solid"/>
+                      <a:round/>
+                      <a:headEnd type="none" w="med" len="med"/>
+                      <a:tailEnd type="none" w="med" len="med"/>
+                    </a:lnL>
+                    <a:lnR w="12700" cap="flat" cmpd="sng" algn="ctr">
+                      <a:solidFill>
+                        <a:schemeClr val="tx1"/>
+                      </a:solidFill>
+                      <a:prstDash val="solid"/>
+                      <a:round/>
+                      <a:headEnd type="none" w="med" len="med"/>
+                      <a:tailEnd type="none" w="med" len="med"/>
+                    </a:lnR>
+                    <a:lnT w="12700" cap="flat" cmpd="sng" algn="ctr">
+                      <a:solidFill>
+                        <a:schemeClr val="tx1"/>
+                      </a:solidFill>
+                      <a:prstDash val="solid"/>
+                      <a:round/>
+                      <a:headEnd type="none" w="med" len="med"/>
+                      <a:tailEnd type="none" w="med" len="med"/>
+                    </a:lnT>
+                    <a:lnB w="12700" cap="flat" cmpd="sng" algn="ctr">
+                      <a:solidFill>
+                        <a:schemeClr val="tx1"/>
+                      </a:solidFill>
+                      <a:prstDash val="solid"/>
+                      <a:round/>
+                      <a:headEnd type="none" w="med" len="med"/>
+                      <a:tailEnd type="none" w="med" len="med"/>
+                    </a:lnB>
+                  </a:tcPr>
                 </a:tc>
                 <a:tc>
                   <a:txBody>
@@ -18719,7 +18546,44 @@
                       </a:endParaRPr>
                     </a:p>
                   </a:txBody>
-                  <a:tcPr marL="80441" marR="80441" marT="0" marB="0"/>
+                  <a:tcPr marL="80441" marR="80441" marT="0" marB="0">
+                    <a:lnL w="12700" cap="flat" cmpd="sng" algn="ctr">
+                      <a:solidFill>
+                        <a:schemeClr val="tx1"/>
+                      </a:solidFill>
+                      <a:prstDash val="solid"/>
+                      <a:round/>
+                      <a:headEnd type="none" w="med" len="med"/>
+                      <a:tailEnd type="none" w="med" len="med"/>
+                    </a:lnL>
+                    <a:lnR w="12700" cap="flat" cmpd="sng" algn="ctr">
+                      <a:solidFill>
+                        <a:schemeClr val="tx1"/>
+                      </a:solidFill>
+                      <a:prstDash val="solid"/>
+                      <a:round/>
+                      <a:headEnd type="none" w="med" len="med"/>
+                      <a:tailEnd type="none" w="med" len="med"/>
+                    </a:lnR>
+                    <a:lnT w="12700" cap="flat" cmpd="sng" algn="ctr">
+                      <a:solidFill>
+                        <a:schemeClr val="tx1"/>
+                      </a:solidFill>
+                      <a:prstDash val="solid"/>
+                      <a:round/>
+                      <a:headEnd type="none" w="med" len="med"/>
+                      <a:tailEnd type="none" w="med" len="med"/>
+                    </a:lnT>
+                    <a:lnB w="12700" cap="flat" cmpd="sng" algn="ctr">
+                      <a:solidFill>
+                        <a:schemeClr val="tx1"/>
+                      </a:solidFill>
+                      <a:prstDash val="solid"/>
+                      <a:round/>
+                      <a:headEnd type="none" w="med" len="med"/>
+                      <a:tailEnd type="none" w="med" len="med"/>
+                    </a:lnB>
+                  </a:tcPr>
                 </a:tc>
                 <a:extLst>
                   <a:ext uri="{0D108BD9-81ED-4DB2-BD59-A6C34878D82A}">
@@ -18752,7 +18616,44 @@
                       </a:endParaRPr>
                     </a:p>
                   </a:txBody>
-                  <a:tcPr marL="80441" marR="80441" marT="0" marB="0"/>
+                  <a:tcPr marL="80441" marR="80441" marT="0" marB="0">
+                    <a:lnL w="12700" cap="flat" cmpd="sng" algn="ctr">
+                      <a:solidFill>
+                        <a:schemeClr val="tx1"/>
+                      </a:solidFill>
+                      <a:prstDash val="solid"/>
+                      <a:round/>
+                      <a:headEnd type="none" w="med" len="med"/>
+                      <a:tailEnd type="none" w="med" len="med"/>
+                    </a:lnL>
+                    <a:lnR w="12700" cap="flat" cmpd="sng" algn="ctr">
+                      <a:solidFill>
+                        <a:schemeClr val="tx1"/>
+                      </a:solidFill>
+                      <a:prstDash val="solid"/>
+                      <a:round/>
+                      <a:headEnd type="none" w="med" len="med"/>
+                      <a:tailEnd type="none" w="med" len="med"/>
+                    </a:lnR>
+                    <a:lnT w="12700" cap="flat" cmpd="sng" algn="ctr">
+                      <a:solidFill>
+                        <a:schemeClr val="tx1"/>
+                      </a:solidFill>
+                      <a:prstDash val="solid"/>
+                      <a:round/>
+                      <a:headEnd type="none" w="med" len="med"/>
+                      <a:tailEnd type="none" w="med" len="med"/>
+                    </a:lnT>
+                    <a:lnB w="12700" cap="flat" cmpd="sng" algn="ctr">
+                      <a:solidFill>
+                        <a:schemeClr val="tx1"/>
+                      </a:solidFill>
+                      <a:prstDash val="solid"/>
+                      <a:round/>
+                      <a:headEnd type="none" w="med" len="med"/>
+                      <a:tailEnd type="none" w="med" len="med"/>
+                    </a:lnB>
+                  </a:tcPr>
                 </a:tc>
                 <a:tc>
                   <a:txBody>
@@ -18814,7 +18715,44 @@
                       </a:endParaRPr>
                     </a:p>
                   </a:txBody>
-                  <a:tcPr marL="80441" marR="80441" marT="0" marB="0"/>
+                  <a:tcPr marL="80441" marR="80441" marT="0" marB="0">
+                    <a:lnL w="12700" cap="flat" cmpd="sng" algn="ctr">
+                      <a:solidFill>
+                        <a:schemeClr val="tx1"/>
+                      </a:solidFill>
+                      <a:prstDash val="solid"/>
+                      <a:round/>
+                      <a:headEnd type="none" w="med" len="med"/>
+                      <a:tailEnd type="none" w="med" len="med"/>
+                    </a:lnL>
+                    <a:lnR w="12700" cap="flat" cmpd="sng" algn="ctr">
+                      <a:solidFill>
+                        <a:schemeClr val="tx1"/>
+                      </a:solidFill>
+                      <a:prstDash val="solid"/>
+                      <a:round/>
+                      <a:headEnd type="none" w="med" len="med"/>
+                      <a:tailEnd type="none" w="med" len="med"/>
+                    </a:lnR>
+                    <a:lnT w="12700" cap="flat" cmpd="sng" algn="ctr">
+                      <a:solidFill>
+                        <a:schemeClr val="tx1"/>
+                      </a:solidFill>
+                      <a:prstDash val="solid"/>
+                      <a:round/>
+                      <a:headEnd type="none" w="med" len="med"/>
+                      <a:tailEnd type="none" w="med" len="med"/>
+                    </a:lnT>
+                    <a:lnB w="12700" cap="flat" cmpd="sng" algn="ctr">
+                      <a:solidFill>
+                        <a:schemeClr val="tx1"/>
+                      </a:solidFill>
+                      <a:prstDash val="solid"/>
+                      <a:round/>
+                      <a:headEnd type="none" w="med" len="med"/>
+                      <a:tailEnd type="none" w="med" len="med"/>
+                    </a:lnB>
+                  </a:tcPr>
                 </a:tc>
                 <a:extLst>
                   <a:ext uri="{0D108BD9-81ED-4DB2-BD59-A6C34878D82A}">
@@ -19742,13 +19680,13 @@
   <p:clrMapOvr>
     <a:masterClrMapping/>
   </p:clrMapOvr>
-  <mc:AlternateContent xmlns:mc="http://schemas.openxmlformats.org/markup-compatibility/2006">
-    <mc:Choice xmlns:p14="http://schemas.microsoft.com/office/powerpoint/2010/main" Requires="p14">
+  <mc:AlternateContent xmlns:mc="http://schemas.openxmlformats.org/markup-compatibility/2006" xmlns:p14="http://schemas.microsoft.com/office/powerpoint/2010/main">
+    <mc:Choice Requires="p14">
       <p:transition spd="slow" p14:dur="2500">
         <p:checker/>
       </p:transition>
     </mc:Choice>
-    <mc:Fallback>
+    <mc:Fallback xmlns="">
       <p:transition spd="slow">
         <p:checker/>
       </p:transition>
@@ -20091,13 +20029,13 @@
   <p:clrMapOvr>
     <a:masterClrMapping/>
   </p:clrMapOvr>
-  <mc:AlternateContent xmlns:mc="http://schemas.openxmlformats.org/markup-compatibility/2006">
-    <mc:Choice xmlns:p14="http://schemas.microsoft.com/office/powerpoint/2010/main" Requires="p14">
+  <mc:AlternateContent xmlns:mc="http://schemas.openxmlformats.org/markup-compatibility/2006" xmlns:p14="http://schemas.microsoft.com/office/powerpoint/2010/main">
+    <mc:Choice Requires="p14">
       <p:transition spd="slow" p14:dur="800">
         <p:circle/>
       </p:transition>
     </mc:Choice>
-    <mc:Fallback>
+    <mc:Fallback xmlns="">
       <p:transition spd="slow">
         <p:circle/>
       </p:transition>
@@ -20729,13 +20667,13 @@
   <p:clrMapOvr>
     <a:masterClrMapping/>
   </p:clrMapOvr>
-  <mc:AlternateContent xmlns:mc="http://schemas.openxmlformats.org/markup-compatibility/2006">
-    <mc:Choice xmlns:p15="http://schemas.microsoft.com/office/powerpoint/2012/main" Requires="p15">
+  <mc:AlternateContent xmlns:mc="http://schemas.openxmlformats.org/markup-compatibility/2006" xmlns:p15="http://schemas.microsoft.com/office/powerpoint/2012/main">
+    <mc:Choice Requires="p15">
       <p:transition xmlns:p14="http://schemas.microsoft.com/office/powerpoint/2010/main" spd="slow" p14:dur="1250">
         <p15:prstTrans prst="peelOff"/>
       </p:transition>
     </mc:Choice>
-    <mc:Fallback>
+    <mc:Fallback xmlns="">
       <p:transition spd="slow">
         <p:fade/>
       </p:transition>
@@ -22565,13 +22503,13 @@
   <p:clrMapOvr>
     <a:masterClrMapping/>
   </p:clrMapOvr>
-  <mc:AlternateContent xmlns:mc="http://schemas.openxmlformats.org/markup-compatibility/2006">
-    <mc:Choice xmlns:p14="http://schemas.microsoft.com/office/powerpoint/2010/main" Requires="p14">
+  <mc:AlternateContent xmlns:mc="http://schemas.openxmlformats.org/markup-compatibility/2006" xmlns:p14="http://schemas.microsoft.com/office/powerpoint/2010/main">
+    <mc:Choice Requires="p14">
       <p:transition spd="slow" p14:dur="1200">
         <p:dissolve/>
       </p:transition>
     </mc:Choice>
-    <mc:Fallback>
+    <mc:Fallback xmlns="">
       <p:transition spd="slow">
         <p:dissolve/>
       </p:transition>
@@ -22892,13 +22830,13 @@
   <p:clrMapOvr>
     <a:masterClrMapping/>
   </p:clrMapOvr>
-  <mc:AlternateContent xmlns:mc="http://schemas.openxmlformats.org/markup-compatibility/2006">
-    <mc:Choice xmlns:p14="http://schemas.microsoft.com/office/powerpoint/2010/main" Requires="p14">
+  <mc:AlternateContent xmlns:mc="http://schemas.openxmlformats.org/markup-compatibility/2006" xmlns:p14="http://schemas.microsoft.com/office/powerpoint/2010/main">
+    <mc:Choice Requires="p14">
       <p:transition p14:dur="100">
         <p:cut/>
       </p:transition>
     </mc:Choice>
-    <mc:Fallback>
+    <mc:Fallback xmlns="">
       <p:transition>
         <p:cut/>
       </p:transition>

--- a/G04项目组/受控文档/项目计划/PRD2018-G04-需求工程项目计划PPT.pptx
+++ b/G04项目组/受控文档/项目计划/PRD2018-G04-需求工程项目计划PPT.pptx
@@ -5,7 +5,7 @@
     <p:sldMasterId id="2147483648" r:id="rId1"/>
   </p:sldMasterIdLst>
   <p:notesMasterIdLst>
-    <p:notesMasterId r:id="rId35"/>
+    <p:notesMasterId r:id="rId36"/>
   </p:notesMasterIdLst>
   <p:sldIdLst>
     <p:sldId id="256" r:id="rId2"/>
@@ -35,12 +35,13 @@
     <p:sldId id="308" r:id="rId26"/>
     <p:sldId id="309" r:id="rId27"/>
     <p:sldId id="310" r:id="rId28"/>
-    <p:sldId id="313" r:id="rId29"/>
-    <p:sldId id="291" r:id="rId30"/>
-    <p:sldId id="319" r:id="rId31"/>
-    <p:sldId id="320" r:id="rId32"/>
-    <p:sldId id="321" r:id="rId33"/>
-    <p:sldId id="269" r:id="rId34"/>
+    <p:sldId id="322" r:id="rId29"/>
+    <p:sldId id="313" r:id="rId30"/>
+    <p:sldId id="291" r:id="rId31"/>
+    <p:sldId id="319" r:id="rId32"/>
+    <p:sldId id="320" r:id="rId33"/>
+    <p:sldId id="321" r:id="rId34"/>
+    <p:sldId id="269" r:id="rId35"/>
   </p:sldIdLst>
   <p:sldSz cx="12192000" cy="6858000"/>
   <p:notesSz cx="6858000" cy="9144000"/>
@@ -240,7 +241,7 @@
           <a:p>
             <a:fld id="{20D843BC-83E6-4B8F-8E2C-0B3CFF50A3EA}" type="datetimeFigureOut">
               <a:rPr lang="zh-CN" altLang="en-US" smtClean="0"/>
-              <a:t>2018/11/17/Saturday</a:t>
+              <a:t>2018/11/25/Sunday</a:t>
             </a:fld>
             <a:endParaRPr lang="zh-CN" altLang="en-US"/>
           </a:p>
@@ -636,7 +637,7 @@
           <a:p>
             <a:fld id="{03D00C7E-A33F-4117-8001-C76A27DBB0A5}" type="datetimeFigureOut">
               <a:rPr lang="zh-CN" altLang="en-US" smtClean="0"/>
-              <a:t>2018/11/17/Saturday</a:t>
+              <a:t>2018/11/25/Sunday</a:t>
             </a:fld>
             <a:endParaRPr lang="zh-CN" altLang="en-US"/>
           </a:p>
@@ -804,7 +805,7 @@
           <a:p>
             <a:fld id="{03D00C7E-A33F-4117-8001-C76A27DBB0A5}" type="datetimeFigureOut">
               <a:rPr lang="zh-CN" altLang="en-US" smtClean="0"/>
-              <a:t>2018/11/17/Saturday</a:t>
+              <a:t>2018/11/25/Sunday</a:t>
             </a:fld>
             <a:endParaRPr lang="zh-CN" altLang="en-US"/>
           </a:p>
@@ -982,7 +983,7 @@
           <a:p>
             <a:fld id="{03D00C7E-A33F-4117-8001-C76A27DBB0A5}" type="datetimeFigureOut">
               <a:rPr lang="zh-CN" altLang="en-US" smtClean="0"/>
-              <a:t>2018/11/17/Saturday</a:t>
+              <a:t>2018/11/25/Sunday</a:t>
             </a:fld>
             <a:endParaRPr lang="zh-CN" altLang="en-US"/>
           </a:p>
@@ -1150,7 +1151,7 @@
           <a:p>
             <a:fld id="{03D00C7E-A33F-4117-8001-C76A27DBB0A5}" type="datetimeFigureOut">
               <a:rPr lang="zh-CN" altLang="en-US" smtClean="0"/>
-              <a:t>2018/11/17/Saturday</a:t>
+              <a:t>2018/11/25/Sunday</a:t>
             </a:fld>
             <a:endParaRPr lang="zh-CN" altLang="en-US"/>
           </a:p>
@@ -1395,7 +1396,7 @@
           <a:p>
             <a:fld id="{03D00C7E-A33F-4117-8001-C76A27DBB0A5}" type="datetimeFigureOut">
               <a:rPr lang="zh-CN" altLang="en-US" smtClean="0"/>
-              <a:t>2018/11/17/Saturday</a:t>
+              <a:t>2018/11/25/Sunday</a:t>
             </a:fld>
             <a:endParaRPr lang="zh-CN" altLang="en-US"/>
           </a:p>
@@ -1624,7 +1625,7 @@
           <a:p>
             <a:fld id="{03D00C7E-A33F-4117-8001-C76A27DBB0A5}" type="datetimeFigureOut">
               <a:rPr lang="zh-CN" altLang="en-US" smtClean="0"/>
-              <a:t>2018/11/17/Saturday</a:t>
+              <a:t>2018/11/25/Sunday</a:t>
             </a:fld>
             <a:endParaRPr lang="zh-CN" altLang="en-US"/>
           </a:p>
@@ -1988,7 +1989,7 @@
           <a:p>
             <a:fld id="{03D00C7E-A33F-4117-8001-C76A27DBB0A5}" type="datetimeFigureOut">
               <a:rPr lang="zh-CN" altLang="en-US" smtClean="0"/>
-              <a:t>2018/11/17/Saturday</a:t>
+              <a:t>2018/11/25/Sunday</a:t>
             </a:fld>
             <a:endParaRPr lang="zh-CN" altLang="en-US"/>
           </a:p>
@@ -2105,7 +2106,7 @@
           <a:p>
             <a:fld id="{03D00C7E-A33F-4117-8001-C76A27DBB0A5}" type="datetimeFigureOut">
               <a:rPr lang="zh-CN" altLang="en-US" smtClean="0"/>
-              <a:t>2018/11/17/Saturday</a:t>
+              <a:t>2018/11/25/Sunday</a:t>
             </a:fld>
             <a:endParaRPr lang="zh-CN" altLang="en-US"/>
           </a:p>
@@ -2200,7 +2201,7 @@
           <a:p>
             <a:fld id="{03D00C7E-A33F-4117-8001-C76A27DBB0A5}" type="datetimeFigureOut">
               <a:rPr lang="zh-CN" altLang="en-US" smtClean="0"/>
-              <a:t>2018/11/17/Saturday</a:t>
+              <a:t>2018/11/25/Sunday</a:t>
             </a:fld>
             <a:endParaRPr lang="zh-CN" altLang="en-US"/>
           </a:p>
@@ -2475,7 +2476,7 @@
           <a:p>
             <a:fld id="{03D00C7E-A33F-4117-8001-C76A27DBB0A5}" type="datetimeFigureOut">
               <a:rPr lang="zh-CN" altLang="en-US" smtClean="0"/>
-              <a:t>2018/11/17/Saturday</a:t>
+              <a:t>2018/11/25/Sunday</a:t>
             </a:fld>
             <a:endParaRPr lang="zh-CN" altLang="en-US"/>
           </a:p>
@@ -2727,7 +2728,7 @@
           <a:p>
             <a:fld id="{03D00C7E-A33F-4117-8001-C76A27DBB0A5}" type="datetimeFigureOut">
               <a:rPr lang="zh-CN" altLang="en-US" smtClean="0"/>
-              <a:t>2018/11/17/Saturday</a:t>
+              <a:t>2018/11/25/Sunday</a:t>
             </a:fld>
             <a:endParaRPr lang="zh-CN" altLang="en-US"/>
           </a:p>
@@ -2938,7 +2939,7 @@
           <a:p>
             <a:fld id="{03D00C7E-A33F-4117-8001-C76A27DBB0A5}" type="datetimeFigureOut">
               <a:rPr lang="zh-CN" altLang="en-US" smtClean="0"/>
-              <a:t>2018/11/17/Saturday</a:t>
+              <a:t>2018/11/25/Sunday</a:t>
             </a:fld>
             <a:endParaRPr lang="zh-CN" altLang="en-US"/>
           </a:p>
@@ -10181,10 +10182,10 @@
       </p:sp>
       <p:pic>
         <p:nvPicPr>
-          <p:cNvPr id="8" name="图片 7">
+          <p:cNvPr id="2" name="图片 1">
             <a:extLst>
               <a:ext uri="{FF2B5EF4-FFF2-40B4-BE49-F238E27FC236}">
-                <a16:creationId xmlns:a16="http://schemas.microsoft.com/office/drawing/2014/main" id="{97A273BD-74E1-4A59-85F1-7C3A63A71F54}"/>
+                <a16:creationId xmlns:a16="http://schemas.microsoft.com/office/drawing/2014/main" id="{79B87DF7-D4E8-41C7-9CE4-2D1F8BE62DB8}"/>
               </a:ext>
             </a:extLst>
           </p:cNvPr>
@@ -10201,8 +10202,8 @@
         </p:blipFill>
         <p:spPr>
           <a:xfrm>
-            <a:off x="1176864" y="450842"/>
-            <a:ext cx="10635691" cy="5956316"/>
+            <a:off x="993178" y="853217"/>
+            <a:ext cx="11054558" cy="5151566"/>
           </a:xfrm>
           <a:prstGeom prst="rect">
             <a:avLst/>
@@ -10359,41 +10360,6 @@
                                   </p:childTnLst>
                                 </p:cTn>
                               </p:par>
-                              <p:par>
-                                <p:cTn id="14" presetID="10" presetClass="entr" presetSubtype="0" fill="hold" nodeType="withEffect">
-                                  <p:stCondLst>
-                                    <p:cond delay="0"/>
-                                  </p:stCondLst>
-                                  <p:childTnLst>
-                                    <p:set>
-                                      <p:cBhvr>
-                                        <p:cTn id="15" dur="1" fill="hold">
-                                          <p:stCondLst>
-                                            <p:cond delay="0"/>
-                                          </p:stCondLst>
-                                        </p:cTn>
-                                        <p:tgtEl>
-                                          <p:spTgt spid="8"/>
-                                        </p:tgtEl>
-                                        <p:attrNameLst>
-                                          <p:attrName>style.visibility</p:attrName>
-                                        </p:attrNameLst>
-                                      </p:cBhvr>
-                                      <p:to>
-                                        <p:strVal val="visible"/>
-                                      </p:to>
-                                    </p:set>
-                                    <p:animEffect transition="in" filter="fade">
-                                      <p:cBhvr>
-                                        <p:cTn id="16" dur="500"/>
-                                        <p:tgtEl>
-                                          <p:spTgt spid="8"/>
-                                        </p:tgtEl>
-                                      </p:cBhvr>
-                                    </p:animEffect>
-                                  </p:childTnLst>
-                                </p:cTn>
-                              </p:par>
                             </p:childTnLst>
                           </p:cTn>
                         </p:par>
@@ -10552,10 +10518,10 @@
       </p:sp>
       <p:pic>
         <p:nvPicPr>
-          <p:cNvPr id="2" name="图片 1">
+          <p:cNvPr id="3" name="图片 2">
             <a:extLst>
               <a:ext uri="{FF2B5EF4-FFF2-40B4-BE49-F238E27FC236}">
-                <a16:creationId xmlns:a16="http://schemas.microsoft.com/office/drawing/2014/main" id="{2A843A4E-763C-4794-B6AA-6F748D0B8574}"/>
+                <a16:creationId xmlns:a16="http://schemas.microsoft.com/office/drawing/2014/main" id="{3BFAC968-214F-4861-9EFD-0A8A965AA0CD}"/>
               </a:ext>
             </a:extLst>
           </p:cNvPr>
@@ -10572,8 +10538,8 @@
         </p:blipFill>
         <p:spPr>
           <a:xfrm>
-            <a:off x="934814" y="538480"/>
-            <a:ext cx="11257185" cy="5728571"/>
+            <a:off x="881539" y="643549"/>
+            <a:ext cx="11133180" cy="5570902"/>
           </a:xfrm>
           <a:prstGeom prst="rect">
             <a:avLst/>
@@ -10590,145 +10556,6 @@
   <p:clrMapOvr>
     <a:masterClrMapping/>
   </p:clrMapOvr>
-  <p:timing>
-    <p:tnLst>
-      <p:par>
-        <p:cTn id="1" dur="indefinite" restart="never" nodeType="tmRoot">
-          <p:childTnLst>
-            <p:seq concurrent="1" nextAc="seek">
-              <p:cTn id="2" dur="indefinite" nodeType="mainSeq">
-                <p:childTnLst>
-                  <p:par>
-                    <p:cTn id="3" fill="hold">
-                      <p:stCondLst>
-                        <p:cond delay="indefinite"/>
-                        <p:cond evt="onBegin" delay="0">
-                          <p:tn val="2"/>
-                        </p:cond>
-                      </p:stCondLst>
-                      <p:childTnLst>
-                        <p:par>
-                          <p:cTn id="4" fill="hold">
-                            <p:stCondLst>
-                              <p:cond delay="0"/>
-                            </p:stCondLst>
-                            <p:childTnLst>
-                              <p:par>
-                                <p:cTn id="5" presetID="10" presetClass="entr" presetSubtype="0" fill="hold" nodeType="withEffect">
-                                  <p:stCondLst>
-                                    <p:cond delay="0"/>
-                                  </p:stCondLst>
-                                  <p:childTnLst>
-                                    <p:set>
-                                      <p:cBhvr>
-                                        <p:cTn id="6" dur="1" fill="hold">
-                                          <p:stCondLst>
-                                            <p:cond delay="0"/>
-                                          </p:stCondLst>
-                                        </p:cTn>
-                                        <p:tgtEl>
-                                          <p:spTgt spid="2"/>
-                                        </p:tgtEl>
-                                        <p:attrNameLst>
-                                          <p:attrName>style.visibility</p:attrName>
-                                        </p:attrNameLst>
-                                      </p:cBhvr>
-                                      <p:to>
-                                        <p:strVal val="visible"/>
-                                      </p:to>
-                                    </p:set>
-                                    <p:animEffect transition="in" filter="fade">
-                                      <p:cBhvr>
-                                        <p:cTn id="7" dur="500"/>
-                                        <p:tgtEl>
-                                          <p:spTgt spid="2"/>
-                                        </p:tgtEl>
-                                      </p:cBhvr>
-                                    </p:animEffect>
-                                  </p:childTnLst>
-                                </p:cTn>
-                              </p:par>
-                            </p:childTnLst>
-                          </p:cTn>
-                        </p:par>
-                      </p:childTnLst>
-                    </p:cTn>
-                  </p:par>
-                  <p:par>
-                    <p:cTn id="8" fill="hold">
-                      <p:stCondLst>
-                        <p:cond delay="indefinite"/>
-                      </p:stCondLst>
-                      <p:childTnLst>
-                        <p:par>
-                          <p:cTn id="9" fill="hold">
-                            <p:stCondLst>
-                              <p:cond delay="0"/>
-                            </p:stCondLst>
-                            <p:childTnLst>
-                              <p:par>
-                                <p:cTn id="10" presetID="10" presetClass="exit" presetSubtype="0" fill="hold" nodeType="clickEffect">
-                                  <p:stCondLst>
-                                    <p:cond delay="0"/>
-                                  </p:stCondLst>
-                                  <p:childTnLst>
-                                    <p:animEffect transition="out" filter="fade">
-                                      <p:cBhvr>
-                                        <p:cTn id="11" dur="500"/>
-                                        <p:tgtEl>
-                                          <p:spTgt spid="2"/>
-                                        </p:tgtEl>
-                                      </p:cBhvr>
-                                    </p:animEffect>
-                                    <p:set>
-                                      <p:cBhvr>
-                                        <p:cTn id="12" dur="1" fill="hold">
-                                          <p:stCondLst>
-                                            <p:cond delay="499"/>
-                                          </p:stCondLst>
-                                        </p:cTn>
-                                        <p:tgtEl>
-                                          <p:spTgt spid="2"/>
-                                        </p:tgtEl>
-                                        <p:attrNameLst>
-                                          <p:attrName>style.visibility</p:attrName>
-                                        </p:attrNameLst>
-                                      </p:cBhvr>
-                                      <p:to>
-                                        <p:strVal val="hidden"/>
-                                      </p:to>
-                                    </p:set>
-                                  </p:childTnLst>
-                                </p:cTn>
-                              </p:par>
-                            </p:childTnLst>
-                          </p:cTn>
-                        </p:par>
-                      </p:childTnLst>
-                    </p:cTn>
-                  </p:par>
-                </p:childTnLst>
-              </p:cTn>
-              <p:prevCondLst>
-                <p:cond evt="onPrev" delay="0">
-                  <p:tgtEl>
-                    <p:sldTgt/>
-                  </p:tgtEl>
-                </p:cond>
-              </p:prevCondLst>
-              <p:nextCondLst>
-                <p:cond evt="onNext" delay="0">
-                  <p:tgtEl>
-                    <p:sldTgt/>
-                  </p:tgtEl>
-                </p:cond>
-              </p:nextCondLst>
-            </p:seq>
-          </p:childTnLst>
-        </p:cTn>
-      </p:par>
-    </p:tnLst>
-  </p:timing>
 </p:sld>
 </file>
 
@@ -10856,10 +10683,10 @@
       </p:sp>
       <p:pic>
         <p:nvPicPr>
-          <p:cNvPr id="3" name="图片 2">
+          <p:cNvPr id="5" name="图片 4">
             <a:extLst>
               <a:ext uri="{FF2B5EF4-FFF2-40B4-BE49-F238E27FC236}">
-                <a16:creationId xmlns:a16="http://schemas.microsoft.com/office/drawing/2014/main" id="{A05A02AD-92CA-403A-92AA-4718FB082C51}"/>
+                <a16:creationId xmlns:a16="http://schemas.microsoft.com/office/drawing/2014/main" id="{427542A1-7B8B-4232-B5C2-06AE5188DAF9}"/>
               </a:ext>
             </a:extLst>
           </p:cNvPr>
@@ -10876,8 +10703,8 @@
         </p:blipFill>
         <p:spPr>
           <a:xfrm>
-            <a:off x="1507090" y="1818180"/>
-            <a:ext cx="10189208" cy="3421801"/>
+            <a:off x="1194321" y="788441"/>
+            <a:ext cx="10918190" cy="5281118"/>
           </a:xfrm>
           <a:prstGeom prst="rect">
             <a:avLst/>
@@ -10894,92 +10721,6 @@
   <p:clrMapOvr>
     <a:masterClrMapping/>
   </p:clrMapOvr>
-  <p:timing>
-    <p:tnLst>
-      <p:par>
-        <p:cTn id="1" dur="indefinite" restart="never" nodeType="tmRoot">
-          <p:childTnLst>
-            <p:seq concurrent="1" nextAc="seek">
-              <p:cTn id="2" dur="indefinite" nodeType="mainSeq">
-                <p:childTnLst>
-                  <p:par>
-                    <p:cTn id="3" fill="hold">
-                      <p:stCondLst>
-                        <p:cond delay="indefinite"/>
-                        <p:cond evt="onBegin" delay="0">
-                          <p:tn val="2"/>
-                        </p:cond>
-                      </p:stCondLst>
-                      <p:childTnLst>
-                        <p:par>
-                          <p:cTn id="4" fill="hold">
-                            <p:stCondLst>
-                              <p:cond delay="0"/>
-                            </p:stCondLst>
-                            <p:childTnLst>
-                              <p:par>
-                                <p:cTn id="5" presetID="10" presetClass="entr" presetSubtype="0" fill="hold" nodeType="withEffect">
-                                  <p:stCondLst>
-                                    <p:cond delay="0"/>
-                                  </p:stCondLst>
-                                  <p:childTnLst>
-                                    <p:set>
-                                      <p:cBhvr>
-                                        <p:cTn id="6" dur="1" fill="hold">
-                                          <p:stCondLst>
-                                            <p:cond delay="0"/>
-                                          </p:stCondLst>
-                                        </p:cTn>
-                                        <p:tgtEl>
-                                          <p:spTgt spid="3"/>
-                                        </p:tgtEl>
-                                        <p:attrNameLst>
-                                          <p:attrName>style.visibility</p:attrName>
-                                        </p:attrNameLst>
-                                      </p:cBhvr>
-                                      <p:to>
-                                        <p:strVal val="visible"/>
-                                      </p:to>
-                                    </p:set>
-                                    <p:animEffect transition="in" filter="fade">
-                                      <p:cBhvr>
-                                        <p:cTn id="7" dur="500"/>
-                                        <p:tgtEl>
-                                          <p:spTgt spid="3"/>
-                                        </p:tgtEl>
-                                      </p:cBhvr>
-                                    </p:animEffect>
-                                  </p:childTnLst>
-                                </p:cTn>
-                              </p:par>
-                            </p:childTnLst>
-                          </p:cTn>
-                        </p:par>
-                      </p:childTnLst>
-                    </p:cTn>
-                  </p:par>
-                </p:childTnLst>
-              </p:cTn>
-              <p:prevCondLst>
-                <p:cond evt="onPrev" delay="0">
-                  <p:tgtEl>
-                    <p:sldTgt/>
-                  </p:tgtEl>
-                </p:cond>
-              </p:prevCondLst>
-              <p:nextCondLst>
-                <p:cond evt="onNext" delay="0">
-                  <p:tgtEl>
-                    <p:sldTgt/>
-                  </p:tgtEl>
-                </p:cond>
-              </p:nextCondLst>
-            </p:seq>
-          </p:childTnLst>
-        </p:cTn>
-      </p:par>
-    </p:tnLst>
-  </p:timing>
 </p:sld>
 </file>
 
@@ -11107,21 +10848,27 @@
       </p:sp>
       <p:graphicFrame>
         <p:nvGraphicFramePr>
-          <p:cNvPr id="2" name="表格 1"/>
+          <p:cNvPr id="3" name="表格 2">
+            <a:extLst>
+              <a:ext uri="{FF2B5EF4-FFF2-40B4-BE49-F238E27FC236}">
+                <a16:creationId xmlns:a16="http://schemas.microsoft.com/office/drawing/2014/main" id="{A64DA921-1535-44D6-8CEF-867874C4E95B}"/>
+              </a:ext>
+            </a:extLst>
+          </p:cNvPr>
           <p:cNvGraphicFramePr>
             <a:graphicFrameLocks noGrp="1"/>
           </p:cNvGraphicFramePr>
           <p:nvPr>
             <p:extLst>
               <p:ext uri="{D42A27DB-BD31-4B8C-83A1-F6EECF244321}">
-                <p14:modId xmlns:p14="http://schemas.microsoft.com/office/powerpoint/2010/main" val="4126426746"/>
+                <p14:modId xmlns:p14="http://schemas.microsoft.com/office/powerpoint/2010/main" val="1104706966"/>
               </p:ext>
             </p:extLst>
           </p:nvPr>
         </p:nvGraphicFramePr>
         <p:xfrm>
-          <a:off x="1955503" y="340241"/>
-          <a:ext cx="8049733" cy="5710198"/>
+          <a:off x="2631236" y="498180"/>
+          <a:ext cx="7156577" cy="5963986"/>
         </p:xfrm>
         <a:graphic>
           <a:graphicData uri="http://schemas.openxmlformats.org/drawingml/2006/table">
@@ -11130,50 +10877,50 @@
                 <a:tableStyleId>{5C22544A-7EE6-4342-B048-85BDC9FD1C3A}</a:tableStyleId>
               </a:tblPr>
               <a:tblGrid>
-                <a:gridCol w="1345559">
+                <a:gridCol w="1196263">
                   <a:extLst>
                     <a:ext uri="{9D8B030D-6E8A-4147-A177-3AD203B41FA5}">
-                      <a16:colId xmlns:a16="http://schemas.microsoft.com/office/drawing/2014/main" val="20000"/>
+                      <a16:colId xmlns:a16="http://schemas.microsoft.com/office/drawing/2014/main" val="3478437989"/>
                     </a:ext>
                   </a:extLst>
                 </a:gridCol>
-                <a:gridCol w="1346504">
+                <a:gridCol w="1197103">
                   <a:extLst>
                     <a:ext uri="{9D8B030D-6E8A-4147-A177-3AD203B41FA5}">
-                      <a16:colId xmlns:a16="http://schemas.microsoft.com/office/drawing/2014/main" val="20001"/>
+                      <a16:colId xmlns:a16="http://schemas.microsoft.com/office/drawing/2014/main" val="2593457464"/>
                     </a:ext>
                   </a:extLst>
                 </a:gridCol>
-                <a:gridCol w="1346504">
+                <a:gridCol w="1197103">
                   <a:extLst>
                     <a:ext uri="{9D8B030D-6E8A-4147-A177-3AD203B41FA5}">
-                      <a16:colId xmlns:a16="http://schemas.microsoft.com/office/drawing/2014/main" val="20002"/>
+                      <a16:colId xmlns:a16="http://schemas.microsoft.com/office/drawing/2014/main" val="4030205256"/>
                     </a:ext>
                   </a:extLst>
                 </a:gridCol>
-                <a:gridCol w="1345559">
+                <a:gridCol w="1196263">
                   <a:extLst>
                     <a:ext uri="{9D8B030D-6E8A-4147-A177-3AD203B41FA5}">
-                      <a16:colId xmlns:a16="http://schemas.microsoft.com/office/drawing/2014/main" val="20003"/>
+                      <a16:colId xmlns:a16="http://schemas.microsoft.com/office/drawing/2014/main" val="1212651791"/>
                     </a:ext>
                   </a:extLst>
                 </a:gridCol>
-                <a:gridCol w="1339890">
+                <a:gridCol w="1191223">
                   <a:extLst>
                     <a:ext uri="{9D8B030D-6E8A-4147-A177-3AD203B41FA5}">
-                      <a16:colId xmlns:a16="http://schemas.microsoft.com/office/drawing/2014/main" val="20004"/>
+                      <a16:colId xmlns:a16="http://schemas.microsoft.com/office/drawing/2014/main" val="606504390"/>
                     </a:ext>
                   </a:extLst>
                 </a:gridCol>
-                <a:gridCol w="1325717">
+                <a:gridCol w="1178622">
                   <a:extLst>
                     <a:ext uri="{9D8B030D-6E8A-4147-A177-3AD203B41FA5}">
-                      <a16:colId xmlns:a16="http://schemas.microsoft.com/office/drawing/2014/main" val="20005"/>
+                      <a16:colId xmlns:a16="http://schemas.microsoft.com/office/drawing/2014/main" val="2508065827"/>
                     </a:ext>
                   </a:extLst>
                 </a:gridCol>
               </a:tblGrid>
-              <a:tr h="279988">
+              <a:tr h="587080">
                 <a:tc>
                   <a:txBody>
                     <a:bodyPr/>
@@ -11185,25 +10932,26 @@
                         </a:spcAft>
                       </a:pPr>
                       <a:r>
-                        <a:rPr lang="en-US" sz="1600" kern="100">
+                        <a:rPr lang="en-US" sz="1200" kern="100">
                           <a:effectLst/>
                         </a:rPr>
                         <a:t>1.</a:t>
                       </a:r>
                       <a:r>
-                        <a:rPr lang="zh-CN" sz="1600" kern="100">
+                        <a:rPr lang="zh-CN" sz="1200" kern="100">
                           <a:effectLst/>
                         </a:rPr>
                         <a:t>劳动估计</a:t>
                       </a:r>
-                      <a:endParaRPr lang="zh-CN" sz="1600" kern="100">
+                      <a:endParaRPr lang="zh-CN" sz="1200" kern="100">
                         <a:effectLst/>
-                        <a:latin typeface="等线"/>
-                        <a:cs typeface="Times New Roman"/>
+                        <a:latin typeface="等线" panose="02010600030101010101" pitchFamily="2" charset="-122"/>
+                        <a:ea typeface="等线" panose="02010600030101010101" pitchFamily="2" charset="-122"/>
+                        <a:cs typeface="Times New Roman" panose="02020603050405020304" pitchFamily="18" charset="0"/>
                       </a:endParaRPr>
                     </a:p>
                   </a:txBody>
-                  <a:tcPr marL="102039" marR="102039" marT="0" marB="0"/>
+                  <a:tcPr marL="83869" marR="83869" marT="0" marB="0"/>
                 </a:tc>
                 <a:tc>
                   <a:txBody>
@@ -11216,19 +10964,20 @@
                         </a:spcAft>
                       </a:pPr>
                       <a:r>
-                        <a:rPr lang="zh-CN" sz="1600" kern="100">
+                        <a:rPr lang="zh-CN" sz="1200" kern="100">
                           <a:effectLst/>
                         </a:rPr>
                         <a:t>数量或小时数</a:t>
                       </a:r>
-                      <a:endParaRPr lang="zh-CN" sz="1600" kern="100">
+                      <a:endParaRPr lang="zh-CN" sz="1200" kern="100">
                         <a:effectLst/>
-                        <a:latin typeface="等线"/>
-                        <a:cs typeface="Times New Roman"/>
+                        <a:latin typeface="等线" panose="02010600030101010101" pitchFamily="2" charset="-122"/>
+                        <a:ea typeface="等线" panose="02010600030101010101" pitchFamily="2" charset="-122"/>
+                        <a:cs typeface="Times New Roman" panose="02020603050405020304" pitchFamily="18" charset="0"/>
                       </a:endParaRPr>
                     </a:p>
                   </a:txBody>
-                  <a:tcPr marL="102039" marR="102039" marT="0" marB="0"/>
+                  <a:tcPr marL="83869" marR="83869" marT="0" marB="0"/>
                 </a:tc>
                 <a:tc>
                   <a:txBody>
@@ -11241,19 +10990,20 @@
                         </a:spcAft>
                       </a:pPr>
                       <a:r>
-                        <a:rPr lang="zh-CN" sz="1600" kern="100">
-                          <a:effectLst/>
-                        </a:rPr>
-                        <a:t>单位小时成本</a:t>
-                      </a:r>
-                      <a:endParaRPr lang="zh-CN" sz="1600" kern="100">
+                        <a:rPr lang="zh-CN" sz="1200" kern="100">
+                          <a:effectLst/>
+                        </a:rPr>
+                        <a:t>单位小时或数量成本</a:t>
+                      </a:r>
+                      <a:endParaRPr lang="zh-CN" sz="1200" kern="100">
                         <a:effectLst/>
-                        <a:latin typeface="等线"/>
-                        <a:cs typeface="Times New Roman"/>
+                        <a:latin typeface="等线" panose="02010600030101010101" pitchFamily="2" charset="-122"/>
+                        <a:ea typeface="等线" panose="02010600030101010101" pitchFamily="2" charset="-122"/>
+                        <a:cs typeface="Times New Roman" panose="02020603050405020304" pitchFamily="18" charset="0"/>
                       </a:endParaRPr>
                     </a:p>
                   </a:txBody>
-                  <a:tcPr marL="102039" marR="102039" marT="0" marB="0"/>
+                  <a:tcPr marL="83869" marR="83869" marT="0" marB="0"/>
                 </a:tc>
                 <a:tc>
                   <a:txBody>
@@ -11266,19 +11016,20 @@
                         </a:spcAft>
                       </a:pPr>
                       <a:r>
-                        <a:rPr lang="zh-CN" sz="1600" kern="100">
+                        <a:rPr lang="zh-CN" sz="1200" kern="100">
                           <a:effectLst/>
                         </a:rPr>
                         <a:t>子层总和</a:t>
                       </a:r>
-                      <a:endParaRPr lang="zh-CN" sz="1600" kern="100">
+                      <a:endParaRPr lang="zh-CN" sz="1200" kern="100">
                         <a:effectLst/>
-                        <a:latin typeface="等线"/>
-                        <a:cs typeface="Times New Roman"/>
+                        <a:latin typeface="等线" panose="02010600030101010101" pitchFamily="2" charset="-122"/>
+                        <a:ea typeface="等线" panose="02010600030101010101" pitchFamily="2" charset="-122"/>
+                        <a:cs typeface="Times New Roman" panose="02020603050405020304" pitchFamily="18" charset="0"/>
                       </a:endParaRPr>
                     </a:p>
                   </a:txBody>
-                  <a:tcPr marL="102039" marR="102039" marT="0" marB="0"/>
+                  <a:tcPr marL="83869" marR="83869" marT="0" marB="0"/>
                 </a:tc>
                 <a:tc>
                   <a:txBody>
@@ -11291,19 +11042,20 @@
                         </a:spcAft>
                       </a:pPr>
                       <a:r>
-                        <a:rPr lang="zh-CN" sz="1600" kern="100">
+                        <a:rPr lang="zh-CN" sz="1200" kern="100">
                           <a:effectLst/>
                         </a:rPr>
                         <a:t>计算</a:t>
                       </a:r>
-                      <a:endParaRPr lang="zh-CN" sz="1600" kern="100">
+                      <a:endParaRPr lang="zh-CN" sz="1200" kern="100">
                         <a:effectLst/>
-                        <a:latin typeface="等线"/>
-                        <a:cs typeface="Times New Roman"/>
+                        <a:latin typeface="等线" panose="02010600030101010101" pitchFamily="2" charset="-122"/>
+                        <a:ea typeface="等线" panose="02010600030101010101" pitchFamily="2" charset="-122"/>
+                        <a:cs typeface="Times New Roman" panose="02020603050405020304" pitchFamily="18" charset="0"/>
                       </a:endParaRPr>
                     </a:p>
                   </a:txBody>
-                  <a:tcPr marL="102039" marR="102039" marT="0" marB="0"/>
+                  <a:tcPr marL="83869" marR="83869" marT="0" marB="0"/>
                 </a:tc>
                 <a:tc>
                   <a:txBody>
@@ -11316,27 +11068,28 @@
                         </a:spcAft>
                       </a:pPr>
                       <a:r>
-                        <a:rPr lang="zh-CN" sz="1600" kern="100">
+                        <a:rPr lang="zh-CN" sz="1200" kern="100">
                           <a:effectLst/>
                         </a:rPr>
                         <a:t>备注</a:t>
                       </a:r>
-                      <a:endParaRPr lang="zh-CN" sz="1600" kern="100">
+                      <a:endParaRPr lang="zh-CN" sz="1200" kern="100">
                         <a:effectLst/>
-                        <a:latin typeface="等线"/>
-                        <a:cs typeface="Times New Roman"/>
+                        <a:latin typeface="等线" panose="02010600030101010101" pitchFamily="2" charset="-122"/>
+                        <a:ea typeface="等线" panose="02010600030101010101" pitchFamily="2" charset="-122"/>
+                        <a:cs typeface="Times New Roman" panose="02020603050405020304" pitchFamily="18" charset="0"/>
                       </a:endParaRPr>
                     </a:p>
                   </a:txBody>
-                  <a:tcPr marL="102039" marR="102039" marT="0" marB="0"/>
+                  <a:tcPr marL="83869" marR="83869" marT="0" marB="0"/>
                 </a:tc>
                 <a:extLst>
                   <a:ext uri="{0D108BD9-81ED-4DB2-BD59-A6C34878D82A}">
-                    <a16:rowId xmlns:a16="http://schemas.microsoft.com/office/drawing/2014/main" val="10000"/>
+                    <a16:rowId xmlns:a16="http://schemas.microsoft.com/office/drawing/2014/main" val="1174864087"/>
                   </a:ext>
                 </a:extLst>
               </a:tr>
-              <a:tr h="478425">
+              <a:tr h="391387">
                 <a:tc>
                   <a:txBody>
                     <a:bodyPr/>
@@ -11348,19 +11101,20 @@
                         </a:spcAft>
                       </a:pPr>
                       <a:r>
-                        <a:rPr lang="zh-CN" sz="1600" kern="100">
+                        <a:rPr lang="zh-CN" sz="1200" kern="100">
                           <a:effectLst/>
                         </a:rPr>
                         <a:t>项目成员劳动估计</a:t>
                       </a:r>
-                      <a:endParaRPr lang="zh-CN" sz="1600" kern="100">
+                      <a:endParaRPr lang="zh-CN" sz="1200" kern="100">
                         <a:effectLst/>
-                        <a:latin typeface="等线"/>
-                        <a:cs typeface="Times New Roman"/>
+                        <a:latin typeface="等线" panose="02010600030101010101" pitchFamily="2" charset="-122"/>
+                        <a:ea typeface="等线" panose="02010600030101010101" pitchFamily="2" charset="-122"/>
+                        <a:cs typeface="Times New Roman" panose="02020603050405020304" pitchFamily="18" charset="0"/>
                       </a:endParaRPr>
                     </a:p>
                   </a:txBody>
-                  <a:tcPr marL="102039" marR="102039" marT="0" marB="0"/>
+                  <a:tcPr marL="83869" marR="83869" marT="0" marB="0"/>
                 </a:tc>
                 <a:tc>
                   <a:txBody>
@@ -11373,19 +11127,20 @@
                         </a:spcAft>
                       </a:pPr>
                       <a:r>
-                        <a:rPr lang="en-US" sz="1600" kern="100">
-                          <a:effectLst/>
-                        </a:rPr>
-                        <a:t>960h</a:t>
-                      </a:r>
-                      <a:endParaRPr lang="zh-CN" sz="1600" kern="100">
+                        <a:rPr lang="en-US" sz="1200" kern="100">
+                          <a:effectLst/>
+                        </a:rPr>
+                        <a:t>1040h</a:t>
+                      </a:r>
+                      <a:endParaRPr lang="zh-CN" sz="1200" kern="100">
                         <a:effectLst/>
-                        <a:latin typeface="等线"/>
-                        <a:cs typeface="Times New Roman"/>
+                        <a:latin typeface="等线" panose="02010600030101010101" pitchFamily="2" charset="-122"/>
+                        <a:ea typeface="等线" panose="02010600030101010101" pitchFamily="2" charset="-122"/>
+                        <a:cs typeface="Times New Roman" panose="02020603050405020304" pitchFamily="18" charset="0"/>
                       </a:endParaRPr>
                     </a:p>
                   </a:txBody>
-                  <a:tcPr marL="102039" marR="102039" marT="0" marB="0"/>
+                  <a:tcPr marL="83869" marR="83869" marT="0" marB="0"/>
                 </a:tc>
                 <a:tc>
                   <a:txBody>
@@ -11398,31 +11153,32 @@
                         </a:spcAft>
                       </a:pPr>
                       <a:r>
-                        <a:rPr lang="en-US" sz="1600" kern="100">
-                          <a:effectLst/>
-                        </a:rPr>
-                        <a:t>42.75 </a:t>
-                      </a:r>
-                      <a:r>
-                        <a:rPr lang="zh-CN" sz="1600" kern="100">
+                        <a:rPr lang="en-US" sz="1200" kern="100">
+                          <a:effectLst/>
+                        </a:rPr>
+                        <a:t>69.34 </a:t>
+                      </a:r>
+                      <a:r>
+                        <a:rPr lang="zh-CN" sz="1200" kern="100">
                           <a:effectLst/>
                         </a:rPr>
                         <a:t>元</a:t>
                       </a:r>
                       <a:r>
-                        <a:rPr lang="en-US" sz="1600" kern="100">
+                        <a:rPr lang="en-US" sz="1200" kern="100">
                           <a:effectLst/>
                         </a:rPr>
                         <a:t>/h</a:t>
                       </a:r>
-                      <a:endParaRPr lang="zh-CN" sz="1600" kern="100">
+                      <a:endParaRPr lang="zh-CN" sz="1200" kern="100">
                         <a:effectLst/>
-                        <a:latin typeface="等线"/>
-                        <a:cs typeface="Times New Roman"/>
+                        <a:latin typeface="等线" panose="02010600030101010101" pitchFamily="2" charset="-122"/>
+                        <a:ea typeface="等线" panose="02010600030101010101" pitchFamily="2" charset="-122"/>
+                        <a:cs typeface="Times New Roman" panose="02020603050405020304" pitchFamily="18" charset="0"/>
                       </a:endParaRPr>
                     </a:p>
                   </a:txBody>
-                  <a:tcPr marL="102039" marR="102039" marT="0" marB="0"/>
+                  <a:tcPr marL="83869" marR="83869" marT="0" marB="0"/>
                 </a:tc>
                 <a:tc>
                   <a:txBody>
@@ -11435,25 +11191,26 @@
                         </a:spcAft>
                       </a:pPr>
                       <a:r>
-                        <a:rPr lang="en-US" sz="1600" kern="100">
-                          <a:effectLst/>
-                        </a:rPr>
-                        <a:t>41040</a:t>
-                      </a:r>
-                      <a:r>
-                        <a:rPr lang="zh-CN" sz="1600" kern="100">
+                        <a:rPr lang="en-US" sz="1200" kern="100">
+                          <a:effectLst/>
+                        </a:rPr>
+                        <a:t>72113.60</a:t>
+                      </a:r>
+                      <a:r>
+                        <a:rPr lang="zh-CN" sz="1200" kern="100">
                           <a:effectLst/>
                         </a:rPr>
                         <a:t>元</a:t>
                       </a:r>
-                      <a:endParaRPr lang="zh-CN" sz="1600" kern="100">
+                      <a:endParaRPr lang="zh-CN" sz="1200" kern="100">
                         <a:effectLst/>
-                        <a:latin typeface="等线"/>
-                        <a:cs typeface="Times New Roman"/>
+                        <a:latin typeface="等线" panose="02010600030101010101" pitchFamily="2" charset="-122"/>
+                        <a:ea typeface="等线" panose="02010600030101010101" pitchFamily="2" charset="-122"/>
+                        <a:cs typeface="Times New Roman" panose="02020603050405020304" pitchFamily="18" charset="0"/>
                       </a:endParaRPr>
                     </a:p>
                   </a:txBody>
-                  <a:tcPr marL="102039" marR="102039" marT="0" marB="0"/>
+                  <a:tcPr marL="83869" marR="83869" marT="0" marB="0"/>
                 </a:tc>
                 <a:tc>
                   <a:txBody>
@@ -11466,31 +11223,32 @@
                         </a:spcAft>
                       </a:pPr>
                       <a:r>
-                        <a:rPr lang="en-US" sz="1600" kern="100">
-                          <a:effectLst/>
-                        </a:rPr>
-                        <a:t>960*42.75</a:t>
-                      </a:r>
-                      <a:r>
-                        <a:rPr lang="zh-CN" sz="1600" kern="100">
+                        <a:rPr lang="en-US" sz="1200" kern="100">
+                          <a:effectLst/>
+                        </a:rPr>
+                        <a:t>1040*69.34</a:t>
+                      </a:r>
+                      <a:r>
+                        <a:rPr lang="zh-CN" sz="1200" kern="100">
                           <a:effectLst/>
                         </a:rPr>
                         <a:t>元</a:t>
                       </a:r>
                       <a:r>
-                        <a:rPr lang="en-US" sz="1600" kern="100">
+                        <a:rPr lang="en-US" sz="1200" kern="100">
                           <a:effectLst/>
                         </a:rPr>
                         <a:t>/h</a:t>
                       </a:r>
-                      <a:endParaRPr lang="zh-CN" sz="1600" kern="100">
+                      <a:endParaRPr lang="zh-CN" sz="1200" kern="100">
                         <a:effectLst/>
-                        <a:latin typeface="等线"/>
-                        <a:cs typeface="Times New Roman"/>
+                        <a:latin typeface="等线" panose="02010600030101010101" pitchFamily="2" charset="-122"/>
+                        <a:ea typeface="等线" panose="02010600030101010101" pitchFamily="2" charset="-122"/>
+                        <a:cs typeface="Times New Roman" panose="02020603050405020304" pitchFamily="18" charset="0"/>
                       </a:endParaRPr>
                     </a:p>
                   </a:txBody>
-                  <a:tcPr marL="102039" marR="102039" marT="0" marB="0"/>
+                  <a:tcPr marL="83869" marR="83869" marT="0" marB="0"/>
                 </a:tc>
                 <a:tc>
                   <a:txBody>
@@ -11503,27 +11261,28 @@
                         </a:spcAft>
                       </a:pPr>
                       <a:r>
-                        <a:rPr lang="en-US" sz="1600" kern="100">
+                        <a:rPr lang="en-US" sz="1200" kern="100">
                           <a:effectLst/>
                         </a:rPr>
                         <a:t>/</a:t>
                       </a:r>
-                      <a:endParaRPr lang="zh-CN" sz="1600" kern="100">
+                      <a:endParaRPr lang="zh-CN" sz="1200" kern="100">
                         <a:effectLst/>
-                        <a:latin typeface="等线"/>
-                        <a:cs typeface="Times New Roman"/>
+                        <a:latin typeface="等线" panose="02010600030101010101" pitchFamily="2" charset="-122"/>
+                        <a:ea typeface="等线" panose="02010600030101010101" pitchFamily="2" charset="-122"/>
+                        <a:cs typeface="Times New Roman" panose="02020603050405020304" pitchFamily="18" charset="0"/>
                       </a:endParaRPr>
                     </a:p>
                   </a:txBody>
-                  <a:tcPr marL="102039" marR="102039" marT="0" marB="0"/>
+                  <a:tcPr marL="83869" marR="83869" marT="0" marB="0"/>
                 </a:tc>
                 <a:extLst>
                   <a:ext uri="{0D108BD9-81ED-4DB2-BD59-A6C34878D82A}">
-                    <a16:rowId xmlns:a16="http://schemas.microsoft.com/office/drawing/2014/main" val="10001"/>
+                    <a16:rowId xmlns:a16="http://schemas.microsoft.com/office/drawing/2014/main" val="3296080289"/>
                   </a:ext>
                 </a:extLst>
               </a:tr>
-              <a:tr h="589558">
+              <a:tr h="484573">
                 <a:tc>
                   <a:txBody>
                     <a:bodyPr/>
@@ -11535,19 +11294,20 @@
                         </a:spcAft>
                       </a:pPr>
                       <a:r>
-                        <a:rPr lang="zh-CN" sz="1600" kern="100">
+                        <a:rPr lang="zh-CN" sz="1200" kern="100">
                           <a:effectLst/>
                         </a:rPr>
                         <a:t>项目成员团建估计</a:t>
                       </a:r>
-                      <a:endParaRPr lang="zh-CN" sz="1600" kern="100">
+                      <a:endParaRPr lang="zh-CN" sz="1200" kern="100">
                         <a:effectLst/>
-                        <a:latin typeface="等线"/>
-                        <a:cs typeface="Times New Roman"/>
+                        <a:latin typeface="等线" panose="02010600030101010101" pitchFamily="2" charset="-122"/>
+                        <a:ea typeface="等线" panose="02010600030101010101" pitchFamily="2" charset="-122"/>
+                        <a:cs typeface="Times New Roman" panose="02020603050405020304" pitchFamily="18" charset="0"/>
                       </a:endParaRPr>
                     </a:p>
                   </a:txBody>
-                  <a:tcPr marL="102039" marR="102039" marT="0" marB="0"/>
+                  <a:tcPr marL="83869" marR="83869" marT="0" marB="0"/>
                 </a:tc>
                 <a:tc>
                   <a:txBody>
@@ -11560,19 +11320,26 @@
                         </a:spcAft>
                       </a:pPr>
                       <a:r>
-                        <a:rPr lang="en-US" sz="1600" kern="100">
-                          <a:effectLst/>
-                        </a:rPr>
-                        <a:t>2T</a:t>
-                      </a:r>
-                      <a:endParaRPr lang="zh-CN" sz="1600" kern="100">
+                        <a:rPr lang="en-US" sz="1200" kern="100">
+                          <a:effectLst/>
+                        </a:rPr>
+                        <a:t>2</a:t>
+                      </a:r>
+                      <a:r>
+                        <a:rPr lang="zh-CN" sz="1200" kern="100">
+                          <a:effectLst/>
+                        </a:rPr>
+                        <a:t>次</a:t>
+                      </a:r>
+                      <a:endParaRPr lang="zh-CN" sz="1200" kern="100">
                         <a:effectLst/>
-                        <a:latin typeface="等线"/>
-                        <a:cs typeface="Times New Roman"/>
+                        <a:latin typeface="等线" panose="02010600030101010101" pitchFamily="2" charset="-122"/>
+                        <a:ea typeface="等线" panose="02010600030101010101" pitchFamily="2" charset="-122"/>
+                        <a:cs typeface="Times New Roman" panose="02020603050405020304" pitchFamily="18" charset="0"/>
                       </a:endParaRPr>
                     </a:p>
                   </a:txBody>
-                  <a:tcPr marL="102039" marR="102039" marT="0" marB="0"/>
+                  <a:tcPr marL="83869" marR="83869" marT="0" marB="0"/>
                 </a:tc>
                 <a:tc>
                   <a:txBody>
@@ -11585,31 +11352,38 @@
                         </a:spcAft>
                       </a:pPr>
                       <a:r>
-                        <a:rPr lang="en-US" sz="1600" kern="100">
+                        <a:rPr lang="en-US" sz="1200" kern="100">
                           <a:effectLst/>
                         </a:rPr>
                         <a:t>500</a:t>
                       </a:r>
                       <a:r>
-                        <a:rPr lang="zh-CN" sz="1600" kern="100">
+                        <a:rPr lang="zh-CN" sz="1200" kern="100">
                           <a:effectLst/>
                         </a:rPr>
                         <a:t>元</a:t>
                       </a:r>
                       <a:r>
-                        <a:rPr lang="en-US" sz="1600" kern="100">
-                          <a:effectLst/>
-                        </a:rPr>
-                        <a:t>/T</a:t>
-                      </a:r>
-                      <a:endParaRPr lang="zh-CN" sz="1600" kern="100">
+                        <a:rPr lang="en-US" sz="1200" kern="100">
+                          <a:effectLst/>
+                        </a:rPr>
+                        <a:t>/</a:t>
+                      </a:r>
+                      <a:r>
+                        <a:rPr lang="zh-CN" sz="1200" kern="100">
+                          <a:effectLst/>
+                        </a:rPr>
+                        <a:t>次</a:t>
+                      </a:r>
+                      <a:endParaRPr lang="zh-CN" sz="1200" kern="100">
                         <a:effectLst/>
-                        <a:latin typeface="等线"/>
-                        <a:cs typeface="Times New Roman"/>
+                        <a:latin typeface="等线" panose="02010600030101010101" pitchFamily="2" charset="-122"/>
+                        <a:ea typeface="等线" panose="02010600030101010101" pitchFamily="2" charset="-122"/>
+                        <a:cs typeface="Times New Roman" panose="02020603050405020304" pitchFamily="18" charset="0"/>
                       </a:endParaRPr>
                     </a:p>
                   </a:txBody>
-                  <a:tcPr marL="102039" marR="102039" marT="0" marB="0"/>
+                  <a:tcPr marL="83869" marR="83869" marT="0" marB="0"/>
                 </a:tc>
                 <a:tc>
                   <a:txBody>
@@ -11622,25 +11396,26 @@
                         </a:spcAft>
                       </a:pPr>
                       <a:r>
-                        <a:rPr lang="en-US" sz="1600" kern="100">
+                        <a:rPr lang="en-US" sz="1200" kern="100">
                           <a:effectLst/>
                         </a:rPr>
                         <a:t>1000</a:t>
                       </a:r>
                       <a:r>
-                        <a:rPr lang="zh-CN" sz="1600" kern="100">
+                        <a:rPr lang="zh-CN" sz="1200" kern="100">
                           <a:effectLst/>
                         </a:rPr>
                         <a:t>元</a:t>
                       </a:r>
-                      <a:endParaRPr lang="zh-CN" sz="1600" kern="100">
+                      <a:endParaRPr lang="zh-CN" sz="1200" kern="100">
                         <a:effectLst/>
-                        <a:latin typeface="等线"/>
-                        <a:cs typeface="Times New Roman"/>
+                        <a:latin typeface="等线" panose="02010600030101010101" pitchFamily="2" charset="-122"/>
+                        <a:ea typeface="等线" panose="02010600030101010101" pitchFamily="2" charset="-122"/>
+                        <a:cs typeface="Times New Roman" panose="02020603050405020304" pitchFamily="18" charset="0"/>
                       </a:endParaRPr>
                     </a:p>
                   </a:txBody>
-                  <a:tcPr marL="102039" marR="102039" marT="0" marB="0"/>
+                  <a:tcPr marL="83869" marR="83869" marT="0" marB="0"/>
                 </a:tc>
                 <a:tc>
                   <a:txBody>
@@ -11653,31 +11428,38 @@
                         </a:spcAft>
                       </a:pPr>
                       <a:r>
-                        <a:rPr lang="en-US" sz="1600" kern="100">
+                        <a:rPr lang="en-US" sz="1200" kern="100">
                           <a:effectLst/>
                         </a:rPr>
                         <a:t>2*500</a:t>
                       </a:r>
                       <a:r>
-                        <a:rPr lang="zh-CN" sz="1600" kern="100">
+                        <a:rPr lang="zh-CN" sz="1200" kern="100">
                           <a:effectLst/>
                         </a:rPr>
                         <a:t>元</a:t>
                       </a:r>
                       <a:r>
-                        <a:rPr lang="en-US" sz="1600" kern="100">
-                          <a:effectLst/>
-                        </a:rPr>
-                        <a:t>/T</a:t>
-                      </a:r>
-                      <a:endParaRPr lang="zh-CN" sz="1600" kern="100">
+                        <a:rPr lang="en-US" sz="1200" kern="100">
+                          <a:effectLst/>
+                        </a:rPr>
+                        <a:t>/</a:t>
+                      </a:r>
+                      <a:r>
+                        <a:rPr lang="zh-CN" sz="1200" kern="100">
+                          <a:effectLst/>
+                        </a:rPr>
+                        <a:t>次</a:t>
+                      </a:r>
+                      <a:endParaRPr lang="zh-CN" sz="1200" kern="100">
                         <a:effectLst/>
-                        <a:latin typeface="等线"/>
-                        <a:cs typeface="Times New Roman"/>
+                        <a:latin typeface="等线" panose="02010600030101010101" pitchFamily="2" charset="-122"/>
+                        <a:ea typeface="等线" panose="02010600030101010101" pitchFamily="2" charset="-122"/>
+                        <a:cs typeface="Times New Roman" panose="02020603050405020304" pitchFamily="18" charset="0"/>
                       </a:endParaRPr>
                     </a:p>
                   </a:txBody>
-                  <a:tcPr marL="102039" marR="102039" marT="0" marB="0"/>
+                  <a:tcPr marL="83869" marR="83869" marT="0" marB="0"/>
                 </a:tc>
                 <a:tc>
                   <a:txBody>
@@ -11690,27 +11472,28 @@
                         </a:spcAft>
                       </a:pPr>
                       <a:r>
-                        <a:rPr lang="en-US" sz="1600" kern="100">
+                        <a:rPr lang="en-US" sz="1200" kern="100">
                           <a:effectLst/>
                         </a:rPr>
                         <a:t>/</a:t>
                       </a:r>
-                      <a:endParaRPr lang="zh-CN" sz="1600" kern="100">
+                      <a:endParaRPr lang="zh-CN" sz="1200" kern="100">
                         <a:effectLst/>
-                        <a:latin typeface="等线"/>
-                        <a:cs typeface="Times New Roman"/>
+                        <a:latin typeface="等线" panose="02010600030101010101" pitchFamily="2" charset="-122"/>
+                        <a:ea typeface="等线" panose="02010600030101010101" pitchFamily="2" charset="-122"/>
+                        <a:cs typeface="Times New Roman" panose="02020603050405020304" pitchFamily="18" charset="0"/>
                       </a:endParaRPr>
                     </a:p>
                   </a:txBody>
-                  <a:tcPr marL="102039" marR="102039" marT="0" marB="0"/>
+                  <a:tcPr marL="83869" marR="83869" marT="0" marB="0"/>
                 </a:tc>
                 <a:extLst>
                   <a:ext uri="{0D108BD9-81ED-4DB2-BD59-A6C34878D82A}">
-                    <a16:rowId xmlns:a16="http://schemas.microsoft.com/office/drawing/2014/main" val="10002"/>
+                    <a16:rowId xmlns:a16="http://schemas.microsoft.com/office/drawing/2014/main" val="1737579374"/>
                   </a:ext>
                 </a:extLst>
               </a:tr>
-              <a:tr h="717637">
+              <a:tr h="587080">
                 <a:tc>
                   <a:txBody>
                     <a:bodyPr/>
@@ -11722,19 +11505,20 @@
                         </a:spcAft>
                       </a:pPr>
                       <a:r>
-                        <a:rPr lang="zh-CN" sz="1600" kern="100">
+                        <a:rPr lang="zh-CN" sz="1200" kern="100">
                           <a:effectLst/>
                         </a:rPr>
                         <a:t>其他劳动成本</a:t>
                       </a:r>
-                      <a:endParaRPr lang="zh-CN" sz="1600" kern="100">
+                      <a:endParaRPr lang="zh-CN" sz="1200" kern="100">
                         <a:effectLst/>
-                        <a:latin typeface="等线"/>
-                        <a:cs typeface="Times New Roman"/>
+                        <a:latin typeface="等线" panose="02010600030101010101" pitchFamily="2" charset="-122"/>
+                        <a:ea typeface="等线" panose="02010600030101010101" pitchFamily="2" charset="-122"/>
+                        <a:cs typeface="Times New Roman" panose="02020603050405020304" pitchFamily="18" charset="0"/>
                       </a:endParaRPr>
                     </a:p>
                   </a:txBody>
-                  <a:tcPr marL="102039" marR="102039" marT="0" marB="0"/>
+                  <a:tcPr marL="83869" marR="83869" marT="0" marB="0"/>
                 </a:tc>
                 <a:tc>
                   <a:txBody>
@@ -11747,19 +11531,20 @@
                         </a:spcAft>
                       </a:pPr>
                       <a:r>
-                        <a:rPr lang="en-US" sz="1600" kern="100">
+                        <a:rPr lang="en-US" sz="1200" kern="100">
                           <a:effectLst/>
                         </a:rPr>
                         <a:t>/</a:t>
                       </a:r>
-                      <a:endParaRPr lang="zh-CN" sz="1600" kern="100">
+                      <a:endParaRPr lang="zh-CN" sz="1200" kern="100">
                         <a:effectLst/>
-                        <a:latin typeface="等线"/>
-                        <a:cs typeface="Times New Roman"/>
+                        <a:latin typeface="等线" panose="02010600030101010101" pitchFamily="2" charset="-122"/>
+                        <a:ea typeface="等线" panose="02010600030101010101" pitchFamily="2" charset="-122"/>
+                        <a:cs typeface="Times New Roman" panose="02020603050405020304" pitchFamily="18" charset="0"/>
                       </a:endParaRPr>
                     </a:p>
                   </a:txBody>
-                  <a:tcPr marL="102039" marR="102039" marT="0" marB="0"/>
+                  <a:tcPr marL="83869" marR="83869" marT="0" marB="0"/>
                 </a:tc>
                 <a:tc>
                   <a:txBody>
@@ -11772,19 +11557,20 @@
                         </a:spcAft>
                       </a:pPr>
                       <a:r>
-                        <a:rPr lang="en-US" sz="1600" kern="100">
+                        <a:rPr lang="en-US" sz="1200" kern="100">
                           <a:effectLst/>
                         </a:rPr>
                         <a:t>/</a:t>
                       </a:r>
-                      <a:endParaRPr lang="zh-CN" sz="1600" kern="100">
+                      <a:endParaRPr lang="zh-CN" sz="1200" kern="100">
                         <a:effectLst/>
-                        <a:latin typeface="等线"/>
-                        <a:cs typeface="Times New Roman"/>
+                        <a:latin typeface="等线" panose="02010600030101010101" pitchFamily="2" charset="-122"/>
+                        <a:ea typeface="等线" panose="02010600030101010101" pitchFamily="2" charset="-122"/>
+                        <a:cs typeface="Times New Roman" panose="02020603050405020304" pitchFamily="18" charset="0"/>
                       </a:endParaRPr>
                     </a:p>
                   </a:txBody>
-                  <a:tcPr marL="102039" marR="102039" marT="0" marB="0"/>
+                  <a:tcPr marL="83869" marR="83869" marT="0" marB="0"/>
                 </a:tc>
                 <a:tc>
                   <a:txBody>
@@ -11797,19 +11583,20 @@
                         </a:spcAft>
                       </a:pPr>
                       <a:r>
-                        <a:rPr lang="en-US" sz="1600" kern="100">
+                        <a:rPr lang="en-US" sz="1200" kern="100">
                           <a:effectLst/>
                         </a:rPr>
                         <a:t>/</a:t>
                       </a:r>
-                      <a:endParaRPr lang="zh-CN" sz="1600" kern="100">
+                      <a:endParaRPr lang="zh-CN" sz="1200" kern="100">
                         <a:effectLst/>
-                        <a:latin typeface="等线"/>
-                        <a:cs typeface="Times New Roman"/>
+                        <a:latin typeface="等线" panose="02010600030101010101" pitchFamily="2" charset="-122"/>
+                        <a:ea typeface="等线" panose="02010600030101010101" pitchFamily="2" charset="-122"/>
+                        <a:cs typeface="Times New Roman" panose="02020603050405020304" pitchFamily="18" charset="0"/>
                       </a:endParaRPr>
                     </a:p>
                   </a:txBody>
-                  <a:tcPr marL="102039" marR="102039" marT="0" marB="0"/>
+                  <a:tcPr marL="83869" marR="83869" marT="0" marB="0"/>
                 </a:tc>
                 <a:tc>
                   <a:txBody>
@@ -11822,19 +11609,20 @@
                         </a:spcAft>
                       </a:pPr>
                       <a:r>
-                        <a:rPr lang="en-US" sz="1600" kern="100">
+                        <a:rPr lang="en-US" sz="1200" kern="100" dirty="0">
                           <a:effectLst/>
                         </a:rPr>
                         <a:t>/</a:t>
                       </a:r>
-                      <a:endParaRPr lang="zh-CN" sz="1600" kern="100">
+                      <a:endParaRPr lang="zh-CN" sz="1200" kern="100" dirty="0">
                         <a:effectLst/>
-                        <a:latin typeface="等线"/>
-                        <a:cs typeface="Times New Roman"/>
+                        <a:latin typeface="等线" panose="02010600030101010101" pitchFamily="2" charset="-122"/>
+                        <a:ea typeface="等线" panose="02010600030101010101" pitchFamily="2" charset="-122"/>
+                        <a:cs typeface="Times New Roman" panose="02020603050405020304" pitchFamily="18" charset="0"/>
                       </a:endParaRPr>
                     </a:p>
                   </a:txBody>
-                  <a:tcPr marL="102039" marR="102039" marT="0" marB="0"/>
+                  <a:tcPr marL="83869" marR="83869" marT="0" marB="0"/>
                 </a:tc>
                 <a:tc>
                   <a:txBody>
@@ -11847,27 +11635,28 @@
                         </a:spcAft>
                       </a:pPr>
                       <a:r>
-                        <a:rPr lang="zh-CN" sz="1600" kern="100">
+                        <a:rPr lang="zh-CN" sz="1200" kern="100">
                           <a:effectLst/>
                         </a:rPr>
                         <a:t>（例如保险费等不做计算）</a:t>
                       </a:r>
-                      <a:endParaRPr lang="zh-CN" sz="1600" kern="100">
+                      <a:endParaRPr lang="zh-CN" sz="1200" kern="100">
                         <a:effectLst/>
-                        <a:latin typeface="等线"/>
-                        <a:cs typeface="Times New Roman"/>
+                        <a:latin typeface="等线" panose="02010600030101010101" pitchFamily="2" charset="-122"/>
+                        <a:ea typeface="等线" panose="02010600030101010101" pitchFamily="2" charset="-122"/>
+                        <a:cs typeface="Times New Roman" panose="02020603050405020304" pitchFamily="18" charset="0"/>
                       </a:endParaRPr>
                     </a:p>
                   </a:txBody>
-                  <a:tcPr marL="102039" marR="102039" marT="0" marB="0"/>
+                  <a:tcPr marL="83869" marR="83869" marT="0" marB="0"/>
                 </a:tc>
                 <a:extLst>
                   <a:ext uri="{0D108BD9-81ED-4DB2-BD59-A6C34878D82A}">
-                    <a16:rowId xmlns:a16="http://schemas.microsoft.com/office/drawing/2014/main" val="10003"/>
+                    <a16:rowId xmlns:a16="http://schemas.microsoft.com/office/drawing/2014/main" val="3027802819"/>
                   </a:ext>
                 </a:extLst>
               </a:tr>
-              <a:tr h="478425">
+              <a:tr h="391387">
                 <a:tc>
                   <a:txBody>
                     <a:bodyPr/>
@@ -11879,19 +11668,20 @@
                         </a:spcAft>
                       </a:pPr>
                       <a:r>
-                        <a:rPr lang="zh-CN" sz="1600" kern="100">
+                        <a:rPr lang="zh-CN" sz="1200" kern="100">
                           <a:effectLst/>
                         </a:rPr>
                         <a:t>总劳动成本估计</a:t>
                       </a:r>
-                      <a:endParaRPr lang="zh-CN" sz="1600" kern="100">
+                      <a:endParaRPr lang="zh-CN" sz="1200" kern="100">
                         <a:effectLst/>
-                        <a:latin typeface="等线"/>
-                        <a:cs typeface="Times New Roman"/>
+                        <a:latin typeface="等线" panose="02010600030101010101" pitchFamily="2" charset="-122"/>
+                        <a:ea typeface="等线" panose="02010600030101010101" pitchFamily="2" charset="-122"/>
+                        <a:cs typeface="Times New Roman" panose="02020603050405020304" pitchFamily="18" charset="0"/>
                       </a:endParaRPr>
                     </a:p>
                   </a:txBody>
-                  <a:tcPr marL="102039" marR="102039" marT="0" marB="0"/>
+                  <a:tcPr marL="83869" marR="83869" marT="0" marB="0"/>
                 </a:tc>
                 <a:tc>
                   <a:txBody>
@@ -11904,19 +11694,20 @@
                         </a:spcAft>
                       </a:pPr>
                       <a:r>
-                        <a:rPr lang="en-US" sz="1600" kern="100">
+                        <a:rPr lang="en-US" sz="1200" kern="100">
                           <a:effectLst/>
                         </a:rPr>
                         <a:t> </a:t>
                       </a:r>
-                      <a:endParaRPr lang="zh-CN" sz="1600" kern="100">
+                      <a:endParaRPr lang="zh-CN" sz="1200" kern="100">
                         <a:effectLst/>
-                        <a:latin typeface="等线"/>
-                        <a:cs typeface="Times New Roman"/>
+                        <a:latin typeface="等线" panose="02010600030101010101" pitchFamily="2" charset="-122"/>
+                        <a:ea typeface="等线" panose="02010600030101010101" pitchFamily="2" charset="-122"/>
+                        <a:cs typeface="Times New Roman" panose="02020603050405020304" pitchFamily="18" charset="0"/>
                       </a:endParaRPr>
                     </a:p>
                   </a:txBody>
-                  <a:tcPr marL="102039" marR="102039" marT="0" marB="0"/>
+                  <a:tcPr marL="83869" marR="83869" marT="0" marB="0"/>
                 </a:tc>
                 <a:tc>
                   <a:txBody>
@@ -11929,19 +11720,20 @@
                         </a:spcAft>
                       </a:pPr>
                       <a:r>
-                        <a:rPr lang="en-US" sz="1600" kern="100">
+                        <a:rPr lang="en-US" sz="1200" kern="100">
                           <a:effectLst/>
                         </a:rPr>
                         <a:t> </a:t>
                       </a:r>
-                      <a:endParaRPr lang="zh-CN" sz="1600" kern="100">
+                      <a:endParaRPr lang="zh-CN" sz="1200" kern="100">
                         <a:effectLst/>
-                        <a:latin typeface="等线"/>
-                        <a:cs typeface="Times New Roman"/>
+                        <a:latin typeface="等线" panose="02010600030101010101" pitchFamily="2" charset="-122"/>
+                        <a:ea typeface="等线" panose="02010600030101010101" pitchFamily="2" charset="-122"/>
+                        <a:cs typeface="Times New Roman" panose="02020603050405020304" pitchFamily="18" charset="0"/>
                       </a:endParaRPr>
                     </a:p>
                   </a:txBody>
-                  <a:tcPr marL="102039" marR="102039" marT="0" marB="0"/>
+                  <a:tcPr marL="83869" marR="83869" marT="0" marB="0"/>
                 </a:tc>
                 <a:tc>
                   <a:txBody>
@@ -11954,25 +11746,26 @@
                         </a:spcAft>
                       </a:pPr>
                       <a:r>
-                        <a:rPr lang="en-US" sz="1600" kern="100">
-                          <a:effectLst/>
-                        </a:rPr>
-                        <a:t>42040</a:t>
-                      </a:r>
-                      <a:r>
-                        <a:rPr lang="zh-CN" sz="1600" kern="100">
+                        <a:rPr lang="en-US" sz="1200" kern="100">
+                          <a:effectLst/>
+                        </a:rPr>
+                        <a:t>73113.60</a:t>
+                      </a:r>
+                      <a:r>
+                        <a:rPr lang="zh-CN" sz="1200" kern="100">
                           <a:effectLst/>
                         </a:rPr>
                         <a:t>元</a:t>
                       </a:r>
-                      <a:endParaRPr lang="zh-CN" sz="1600" kern="100">
+                      <a:endParaRPr lang="zh-CN" sz="1200" kern="100">
                         <a:effectLst/>
-                        <a:latin typeface="等线"/>
-                        <a:cs typeface="Times New Roman"/>
+                        <a:latin typeface="等线" panose="02010600030101010101" pitchFamily="2" charset="-122"/>
+                        <a:ea typeface="等线" panose="02010600030101010101" pitchFamily="2" charset="-122"/>
+                        <a:cs typeface="Times New Roman" panose="02020603050405020304" pitchFamily="18" charset="0"/>
                       </a:endParaRPr>
                     </a:p>
                   </a:txBody>
-                  <a:tcPr marL="102039" marR="102039" marT="0" marB="0"/>
+                  <a:tcPr marL="83869" marR="83869" marT="0" marB="0"/>
                 </a:tc>
                 <a:tc>
                   <a:txBody>
@@ -11985,19 +11778,20 @@
                         </a:spcAft>
                       </a:pPr>
                       <a:r>
-                        <a:rPr lang="zh-CN" sz="1600" kern="100">
+                        <a:rPr lang="zh-CN" sz="1200" kern="100">
                           <a:effectLst/>
                         </a:rPr>
                         <a:t>以上数值相加</a:t>
                       </a:r>
-                      <a:endParaRPr lang="zh-CN" sz="1600" kern="100">
+                      <a:endParaRPr lang="zh-CN" sz="1200" kern="100">
                         <a:effectLst/>
-                        <a:latin typeface="等线"/>
-                        <a:cs typeface="Times New Roman"/>
+                        <a:latin typeface="等线" panose="02010600030101010101" pitchFamily="2" charset="-122"/>
+                        <a:ea typeface="等线" panose="02010600030101010101" pitchFamily="2" charset="-122"/>
+                        <a:cs typeface="Times New Roman" panose="02020603050405020304" pitchFamily="18" charset="0"/>
                       </a:endParaRPr>
                     </a:p>
                   </a:txBody>
-                  <a:tcPr marL="102039" marR="102039" marT="0" marB="0"/>
+                  <a:tcPr marL="83869" marR="83869" marT="0" marB="0"/>
                 </a:tc>
                 <a:tc>
                   <a:txBody>
@@ -12010,27 +11804,28 @@
                         </a:spcAft>
                       </a:pPr>
                       <a:r>
-                        <a:rPr lang="en-US" sz="1600" kern="100">
+                        <a:rPr lang="en-US" sz="1200" kern="100">
                           <a:effectLst/>
                         </a:rPr>
                         <a:t>/</a:t>
                       </a:r>
-                      <a:endParaRPr lang="zh-CN" sz="1600" kern="100">
+                      <a:endParaRPr lang="zh-CN" sz="1200" kern="100">
                         <a:effectLst/>
-                        <a:latin typeface="等线"/>
-                        <a:cs typeface="Times New Roman"/>
+                        <a:latin typeface="等线" panose="02010600030101010101" pitchFamily="2" charset="-122"/>
+                        <a:ea typeface="等线" panose="02010600030101010101" pitchFamily="2" charset="-122"/>
+                        <a:cs typeface="Times New Roman" panose="02020603050405020304" pitchFamily="18" charset="0"/>
                       </a:endParaRPr>
                     </a:p>
                   </a:txBody>
-                  <a:tcPr marL="102039" marR="102039" marT="0" marB="0"/>
+                  <a:tcPr marL="83869" marR="83869" marT="0" marB="0"/>
                 </a:tc>
                 <a:extLst>
                   <a:ext uri="{0D108BD9-81ED-4DB2-BD59-A6C34878D82A}">
-                    <a16:rowId xmlns:a16="http://schemas.microsoft.com/office/drawing/2014/main" val="10004"/>
+                    <a16:rowId xmlns:a16="http://schemas.microsoft.com/office/drawing/2014/main" val="2529277820"/>
                   </a:ext>
                 </a:extLst>
               </a:tr>
-              <a:tr h="239212">
+              <a:tr h="391387">
                 <a:tc>
                   <a:txBody>
                     <a:bodyPr/>
@@ -12042,25 +11837,26 @@
                         </a:spcAft>
                       </a:pPr>
                       <a:r>
-                        <a:rPr lang="en-US" sz="1600" kern="100">
+                        <a:rPr lang="en-US" sz="1200" kern="100">
                           <a:effectLst/>
                         </a:rPr>
                         <a:t>2.</a:t>
                       </a:r>
                       <a:r>
-                        <a:rPr lang="zh-CN" sz="1600" kern="100">
+                        <a:rPr lang="zh-CN" sz="1200" kern="100">
                           <a:effectLst/>
                         </a:rPr>
                         <a:t>其他估计</a:t>
                       </a:r>
-                      <a:endParaRPr lang="zh-CN" sz="1600" kern="100">
+                      <a:endParaRPr lang="zh-CN" sz="1200" kern="100">
                         <a:effectLst/>
-                        <a:latin typeface="等线"/>
-                        <a:cs typeface="Times New Roman"/>
+                        <a:latin typeface="等线" panose="02010600030101010101" pitchFamily="2" charset="-122"/>
+                        <a:ea typeface="等线" panose="02010600030101010101" pitchFamily="2" charset="-122"/>
+                        <a:cs typeface="Times New Roman" panose="02020603050405020304" pitchFamily="18" charset="0"/>
                       </a:endParaRPr>
                     </a:p>
                   </a:txBody>
-                  <a:tcPr marL="102039" marR="102039" marT="0" marB="0"/>
+                  <a:tcPr marL="83869" marR="83869" marT="0" marB="0"/>
                 </a:tc>
                 <a:tc>
                   <a:txBody>
@@ -12073,19 +11869,20 @@
                         </a:spcAft>
                       </a:pPr>
                       <a:r>
-                        <a:rPr lang="en-US" sz="1600" kern="100">
+                        <a:rPr lang="en-US" sz="1200" kern="100">
                           <a:effectLst/>
                         </a:rPr>
                         <a:t> </a:t>
                       </a:r>
-                      <a:endParaRPr lang="zh-CN" sz="1600" kern="100">
+                      <a:endParaRPr lang="zh-CN" sz="1200" kern="100">
                         <a:effectLst/>
-                        <a:latin typeface="等线"/>
-                        <a:cs typeface="Times New Roman"/>
+                        <a:latin typeface="等线" panose="02010600030101010101" pitchFamily="2" charset="-122"/>
+                        <a:ea typeface="等线" panose="02010600030101010101" pitchFamily="2" charset="-122"/>
+                        <a:cs typeface="Times New Roman" panose="02020603050405020304" pitchFamily="18" charset="0"/>
                       </a:endParaRPr>
                     </a:p>
                   </a:txBody>
-                  <a:tcPr marL="102039" marR="102039" marT="0" marB="0"/>
+                  <a:tcPr marL="83869" marR="83869" marT="0" marB="0"/>
                 </a:tc>
                 <a:tc>
                   <a:txBody>
@@ -12098,19 +11895,20 @@
                         </a:spcAft>
                       </a:pPr>
                       <a:r>
-                        <a:rPr lang="en-US" sz="1600" kern="100">
+                        <a:rPr lang="en-US" sz="1200" kern="100">
                           <a:effectLst/>
                         </a:rPr>
                         <a:t> </a:t>
                       </a:r>
-                      <a:endParaRPr lang="zh-CN" sz="1600" kern="100">
+                      <a:endParaRPr lang="zh-CN" sz="1200" kern="100">
                         <a:effectLst/>
-                        <a:latin typeface="等线"/>
-                        <a:cs typeface="Times New Roman"/>
+                        <a:latin typeface="等线" panose="02010600030101010101" pitchFamily="2" charset="-122"/>
+                        <a:ea typeface="等线" panose="02010600030101010101" pitchFamily="2" charset="-122"/>
+                        <a:cs typeface="Times New Roman" panose="02020603050405020304" pitchFamily="18" charset="0"/>
                       </a:endParaRPr>
                     </a:p>
                   </a:txBody>
-                  <a:tcPr marL="102039" marR="102039" marT="0" marB="0"/>
+                  <a:tcPr marL="83869" marR="83869" marT="0" marB="0"/>
                 </a:tc>
                 <a:tc>
                   <a:txBody>
@@ -12123,19 +11921,20 @@
                         </a:spcAft>
                       </a:pPr>
                       <a:r>
-                        <a:rPr lang="en-US" sz="1600" kern="100">
+                        <a:rPr lang="en-US" sz="1200" kern="100">
                           <a:effectLst/>
                         </a:rPr>
                         <a:t> </a:t>
                       </a:r>
-                      <a:endParaRPr lang="zh-CN" sz="1600" kern="100">
+                      <a:endParaRPr lang="zh-CN" sz="1200" kern="100">
                         <a:effectLst/>
-                        <a:latin typeface="等线"/>
-                        <a:cs typeface="Times New Roman"/>
+                        <a:latin typeface="等线" panose="02010600030101010101" pitchFamily="2" charset="-122"/>
+                        <a:ea typeface="等线" panose="02010600030101010101" pitchFamily="2" charset="-122"/>
+                        <a:cs typeface="Times New Roman" panose="02020603050405020304" pitchFamily="18" charset="0"/>
                       </a:endParaRPr>
                     </a:p>
                   </a:txBody>
-                  <a:tcPr marL="102039" marR="102039" marT="0" marB="0"/>
+                  <a:tcPr marL="83869" marR="83869" marT="0" marB="0"/>
                 </a:tc>
                 <a:tc>
                   <a:txBody>
@@ -12148,19 +11947,20 @@
                         </a:spcAft>
                       </a:pPr>
                       <a:r>
-                        <a:rPr lang="en-US" sz="1600" kern="100">
+                        <a:rPr lang="en-US" sz="1200" kern="100">
                           <a:effectLst/>
                         </a:rPr>
                         <a:t> </a:t>
                       </a:r>
-                      <a:endParaRPr lang="zh-CN" sz="1600" kern="100">
+                      <a:endParaRPr lang="zh-CN" sz="1200" kern="100">
                         <a:effectLst/>
-                        <a:latin typeface="等线"/>
-                        <a:cs typeface="Times New Roman"/>
+                        <a:latin typeface="等线" panose="02010600030101010101" pitchFamily="2" charset="-122"/>
+                        <a:ea typeface="等线" panose="02010600030101010101" pitchFamily="2" charset="-122"/>
+                        <a:cs typeface="Times New Roman" panose="02020603050405020304" pitchFamily="18" charset="0"/>
                       </a:endParaRPr>
                     </a:p>
                   </a:txBody>
-                  <a:tcPr marL="102039" marR="102039" marT="0" marB="0"/>
+                  <a:tcPr marL="83869" marR="83869" marT="0" marB="0"/>
                 </a:tc>
                 <a:tc>
                   <a:txBody>
@@ -12173,27 +11973,28 @@
                         </a:spcAft>
                       </a:pPr>
                       <a:r>
-                        <a:rPr lang="en-US" sz="1600" kern="100">
+                        <a:rPr lang="en-US" sz="1200" kern="100">
                           <a:effectLst/>
                         </a:rPr>
                         <a:t> </a:t>
                       </a:r>
-                      <a:endParaRPr lang="zh-CN" sz="1600" kern="100">
+                      <a:endParaRPr lang="zh-CN" sz="1200" kern="100">
                         <a:effectLst/>
-                        <a:latin typeface="等线"/>
-                        <a:cs typeface="Times New Roman"/>
+                        <a:latin typeface="等线" panose="02010600030101010101" pitchFamily="2" charset="-122"/>
+                        <a:ea typeface="等线" panose="02010600030101010101" pitchFamily="2" charset="-122"/>
+                        <a:cs typeface="Times New Roman" panose="02020603050405020304" pitchFamily="18" charset="0"/>
                       </a:endParaRPr>
                     </a:p>
                   </a:txBody>
-                  <a:tcPr marL="102039" marR="102039" marT="0" marB="0"/>
+                  <a:tcPr marL="83869" marR="83869" marT="0" marB="0"/>
                 </a:tc>
                 <a:extLst>
                   <a:ext uri="{0D108BD9-81ED-4DB2-BD59-A6C34878D82A}">
-                    <a16:rowId xmlns:a16="http://schemas.microsoft.com/office/drawing/2014/main" val="10005"/>
+                    <a16:rowId xmlns:a16="http://schemas.microsoft.com/office/drawing/2014/main" val="3263869330"/>
                   </a:ext>
                 </a:extLst>
               </a:tr>
-              <a:tr h="1674486">
+              <a:tr h="1761238">
                 <a:tc>
                   <a:txBody>
                     <a:bodyPr/>
@@ -12205,30 +12006,30 @@
                         </a:spcAft>
                       </a:pPr>
                       <a:r>
-                        <a:rPr lang="zh-CN" sz="1600" kern="100">
+                        <a:rPr lang="zh-CN" sz="1200" kern="100">
                           <a:effectLst/>
                         </a:rPr>
                         <a:t>软件（本次所有的使用的软件，包括</a:t>
                       </a:r>
                       <a:r>
-                        <a:rPr lang="en-US" sz="1600" kern="100">
+                        <a:rPr lang="en-US" sz="1200" kern="100">
                           <a:effectLst/>
                         </a:rPr>
                         <a:t>WPS</a:t>
                       </a:r>
                       <a:r>
-                        <a:rPr lang="zh-CN" sz="1600" kern="100">
+                        <a:rPr lang="zh-CN" sz="1200" kern="100">
                           <a:effectLst/>
                         </a:rPr>
                         <a:t>，</a:t>
                       </a:r>
                       <a:r>
-                        <a:rPr lang="en-US" sz="1600" kern="100">
+                        <a:rPr lang="en-US" sz="1200" kern="100">
                           <a:effectLst/>
                         </a:rPr>
                         <a:t>Github</a:t>
                       </a:r>
-                      <a:endParaRPr lang="zh-CN" sz="1600" kern="100">
+                      <a:endParaRPr lang="zh-CN" sz="1200" kern="100">
                         <a:effectLst/>
                       </a:endParaRPr>
                     </a:p>
@@ -12239,43 +12040,44 @@
                         </a:spcAft>
                       </a:pPr>
                       <a:r>
-                        <a:rPr lang="en-US" sz="1600" kern="100">
+                        <a:rPr lang="en-US" sz="1200" kern="100">
                           <a:effectLst/>
                         </a:rPr>
                         <a:t>Desktop</a:t>
                       </a:r>
                       <a:r>
-                        <a:rPr lang="zh-CN" sz="1600" kern="100">
+                        <a:rPr lang="zh-CN" sz="1200" kern="100">
                           <a:effectLst/>
                         </a:rPr>
                         <a:t>，</a:t>
                       </a:r>
                       <a:r>
-                        <a:rPr lang="en-US" sz="1600" kern="100">
+                        <a:rPr lang="en-US" sz="1200" kern="100">
                           <a:effectLst/>
                         </a:rPr>
                         <a:t>x Mind</a:t>
                       </a:r>
                       <a:r>
-                        <a:rPr lang="zh-CN" sz="1600" kern="100">
+                        <a:rPr lang="zh-CN" sz="1200" kern="100">
                           <a:effectLst/>
                         </a:rPr>
                         <a:t>等等）</a:t>
                       </a:r>
                       <a:r>
-                        <a:rPr lang="en-US" sz="1600" kern="100">
+                        <a:rPr lang="en-US" sz="1200" kern="100">
                           <a:effectLst/>
                         </a:rPr>
                         <a:t>   </a:t>
                       </a:r>
-                      <a:endParaRPr lang="zh-CN" sz="1600" kern="100">
+                      <a:endParaRPr lang="zh-CN" sz="1200" kern="100">
                         <a:effectLst/>
-                        <a:latin typeface="等线"/>
-                        <a:cs typeface="Times New Roman"/>
+                        <a:latin typeface="等线" panose="02010600030101010101" pitchFamily="2" charset="-122"/>
+                        <a:ea typeface="等线" panose="02010600030101010101" pitchFamily="2" charset="-122"/>
+                        <a:cs typeface="Times New Roman" panose="02020603050405020304" pitchFamily="18" charset="0"/>
                       </a:endParaRPr>
                     </a:p>
                   </a:txBody>
-                  <a:tcPr marL="102039" marR="102039" marT="0" marB="0"/>
+                  <a:tcPr marL="83869" marR="83869" marT="0" marB="0"/>
                 </a:tc>
                 <a:tc>
                   <a:txBody>
@@ -12288,19 +12090,20 @@
                         </a:spcAft>
                       </a:pPr>
                       <a:r>
-                        <a:rPr lang="en-US" sz="1600" kern="100">
+                        <a:rPr lang="en-US" sz="1200" kern="100">
                           <a:effectLst/>
                         </a:rPr>
                         <a:t>/</a:t>
                       </a:r>
-                      <a:endParaRPr lang="zh-CN" sz="1600" kern="100">
+                      <a:endParaRPr lang="zh-CN" sz="1200" kern="100">
                         <a:effectLst/>
-                        <a:latin typeface="等线"/>
-                        <a:cs typeface="Times New Roman"/>
+                        <a:latin typeface="等线" panose="02010600030101010101" pitchFamily="2" charset="-122"/>
+                        <a:ea typeface="等线" panose="02010600030101010101" pitchFamily="2" charset="-122"/>
+                        <a:cs typeface="Times New Roman" panose="02020603050405020304" pitchFamily="18" charset="0"/>
                       </a:endParaRPr>
                     </a:p>
                   </a:txBody>
-                  <a:tcPr marL="102039" marR="102039" marT="0" marB="0"/>
+                  <a:tcPr marL="83869" marR="83869" marT="0" marB="0"/>
                 </a:tc>
                 <a:tc>
                   <a:txBody>
@@ -12313,19 +12116,20 @@
                         </a:spcAft>
                       </a:pPr>
                       <a:r>
-                        <a:rPr lang="en-US" sz="1600" kern="100">
+                        <a:rPr lang="en-US" sz="1200" kern="100">
                           <a:effectLst/>
                         </a:rPr>
                         <a:t>/</a:t>
                       </a:r>
-                      <a:endParaRPr lang="zh-CN" sz="1600" kern="100">
+                      <a:endParaRPr lang="zh-CN" sz="1200" kern="100">
                         <a:effectLst/>
-                        <a:latin typeface="等线"/>
-                        <a:cs typeface="Times New Roman"/>
+                        <a:latin typeface="等线" panose="02010600030101010101" pitchFamily="2" charset="-122"/>
+                        <a:ea typeface="等线" panose="02010600030101010101" pitchFamily="2" charset="-122"/>
+                        <a:cs typeface="Times New Roman" panose="02020603050405020304" pitchFamily="18" charset="0"/>
                       </a:endParaRPr>
                     </a:p>
                   </a:txBody>
-                  <a:tcPr marL="102039" marR="102039" marT="0" marB="0"/>
+                  <a:tcPr marL="83869" marR="83869" marT="0" marB="0"/>
                 </a:tc>
                 <a:tc>
                   <a:txBody>
@@ -12338,19 +12142,20 @@
                         </a:spcAft>
                       </a:pPr>
                       <a:r>
-                        <a:rPr lang="en-US" sz="1600" kern="100">
+                        <a:rPr lang="en-US" sz="1200" kern="100">
                           <a:effectLst/>
                         </a:rPr>
                         <a:t>/</a:t>
                       </a:r>
-                      <a:endParaRPr lang="zh-CN" sz="1600" kern="100">
+                      <a:endParaRPr lang="zh-CN" sz="1200" kern="100">
                         <a:effectLst/>
-                        <a:latin typeface="等线"/>
-                        <a:cs typeface="Times New Roman"/>
+                        <a:latin typeface="等线" panose="02010600030101010101" pitchFamily="2" charset="-122"/>
+                        <a:ea typeface="等线" panose="02010600030101010101" pitchFamily="2" charset="-122"/>
+                        <a:cs typeface="Times New Roman" panose="02020603050405020304" pitchFamily="18" charset="0"/>
                       </a:endParaRPr>
                     </a:p>
                   </a:txBody>
-                  <a:tcPr marL="102039" marR="102039" marT="0" marB="0"/>
+                  <a:tcPr marL="83869" marR="83869" marT="0" marB="0"/>
                 </a:tc>
                 <a:tc>
                   <a:txBody>
@@ -12363,19 +12168,20 @@
                         </a:spcAft>
                       </a:pPr>
                       <a:r>
-                        <a:rPr lang="en-US" sz="1600" kern="100">
+                        <a:rPr lang="en-US" sz="1200" kern="100">
                           <a:effectLst/>
                         </a:rPr>
                         <a:t>/</a:t>
                       </a:r>
-                      <a:endParaRPr lang="zh-CN" sz="1600" kern="100">
+                      <a:endParaRPr lang="zh-CN" sz="1200" kern="100">
                         <a:effectLst/>
-                        <a:latin typeface="等线"/>
-                        <a:cs typeface="Times New Roman"/>
+                        <a:latin typeface="等线" panose="02010600030101010101" pitchFamily="2" charset="-122"/>
+                        <a:ea typeface="等线" panose="02010600030101010101" pitchFamily="2" charset="-122"/>
+                        <a:cs typeface="Times New Roman" panose="02020603050405020304" pitchFamily="18" charset="0"/>
                       </a:endParaRPr>
                     </a:p>
                   </a:txBody>
-                  <a:tcPr marL="102039" marR="102039" marT="0" marB="0"/>
+                  <a:tcPr marL="83869" marR="83869" marT="0" marB="0"/>
                 </a:tc>
                 <a:tc>
                   <a:txBody>
@@ -12388,33 +12194,34 @@
                         </a:spcAft>
                       </a:pPr>
                       <a:r>
-                        <a:rPr lang="zh-CN" sz="1600" kern="100">
+                        <a:rPr lang="zh-CN" sz="1200" kern="100">
                           <a:effectLst/>
                         </a:rPr>
                         <a:t>本次软件的花费用为</a:t>
                       </a:r>
                       <a:r>
-                        <a:rPr lang="en-US" sz="1600" kern="100">
+                        <a:rPr lang="en-US" sz="1200" kern="100">
                           <a:effectLst/>
                         </a:rPr>
                         <a:t>0</a:t>
                       </a:r>
-                      <a:endParaRPr lang="zh-CN" sz="1600" kern="100">
+                      <a:endParaRPr lang="zh-CN" sz="1200" kern="100">
                         <a:effectLst/>
-                        <a:latin typeface="等线"/>
-                        <a:cs typeface="Times New Roman"/>
+                        <a:latin typeface="等线" panose="02010600030101010101" pitchFamily="2" charset="-122"/>
+                        <a:ea typeface="等线" panose="02010600030101010101" pitchFamily="2" charset="-122"/>
+                        <a:cs typeface="Times New Roman" panose="02020603050405020304" pitchFamily="18" charset="0"/>
                       </a:endParaRPr>
                     </a:p>
                   </a:txBody>
-                  <a:tcPr marL="102039" marR="102039" marT="0" marB="0"/>
+                  <a:tcPr marL="83869" marR="83869" marT="0" marB="0"/>
                 </a:tc>
                 <a:extLst>
                   <a:ext uri="{0D108BD9-81ED-4DB2-BD59-A6C34878D82A}">
-                    <a16:rowId xmlns:a16="http://schemas.microsoft.com/office/drawing/2014/main" val="10006"/>
+                    <a16:rowId xmlns:a16="http://schemas.microsoft.com/office/drawing/2014/main" val="3764267512"/>
                   </a:ext>
                 </a:extLst>
               </a:tr>
-              <a:tr h="717637">
+              <a:tr h="587080">
                 <a:tc>
                   <a:txBody>
                     <a:bodyPr/>
@@ -12426,19 +12233,20 @@
                         </a:spcAft>
                       </a:pPr>
                       <a:r>
-                        <a:rPr lang="zh-CN" sz="1600" kern="100">
+                        <a:rPr lang="zh-CN" sz="1200" kern="100">
                           <a:effectLst/>
                         </a:rPr>
                         <a:t>书籍</a:t>
                       </a:r>
-                      <a:endParaRPr lang="zh-CN" sz="1600" kern="100">
+                      <a:endParaRPr lang="zh-CN" sz="1200" kern="100">
                         <a:effectLst/>
-                        <a:latin typeface="等线"/>
-                        <a:cs typeface="Times New Roman"/>
+                        <a:latin typeface="等线" panose="02010600030101010101" pitchFamily="2" charset="-122"/>
+                        <a:ea typeface="等线" panose="02010600030101010101" pitchFamily="2" charset="-122"/>
+                        <a:cs typeface="Times New Roman" panose="02020603050405020304" pitchFamily="18" charset="0"/>
                       </a:endParaRPr>
                     </a:p>
                   </a:txBody>
-                  <a:tcPr marL="102039" marR="102039" marT="0" marB="0"/>
+                  <a:tcPr marL="83869" marR="83869" marT="0" marB="0"/>
                 </a:tc>
                 <a:tc>
                   <a:txBody>
@@ -12451,19 +12259,20 @@
                         </a:spcAft>
                       </a:pPr>
                       <a:r>
-                        <a:rPr lang="en-US" sz="1600" kern="100">
+                        <a:rPr lang="en-US" sz="1200" kern="100">
                           <a:effectLst/>
                         </a:rPr>
                         <a:t>/</a:t>
                       </a:r>
-                      <a:endParaRPr lang="zh-CN" sz="1600" kern="100">
+                      <a:endParaRPr lang="zh-CN" sz="1200" kern="100">
                         <a:effectLst/>
-                        <a:latin typeface="等线"/>
-                        <a:cs typeface="Times New Roman"/>
+                        <a:latin typeface="等线" panose="02010600030101010101" pitchFamily="2" charset="-122"/>
+                        <a:ea typeface="等线" panose="02010600030101010101" pitchFamily="2" charset="-122"/>
+                        <a:cs typeface="Times New Roman" panose="02020603050405020304" pitchFamily="18" charset="0"/>
                       </a:endParaRPr>
                     </a:p>
                   </a:txBody>
-                  <a:tcPr marL="102039" marR="102039" marT="0" marB="0"/>
+                  <a:tcPr marL="83869" marR="83869" marT="0" marB="0"/>
                 </a:tc>
                 <a:tc>
                   <a:txBody>
@@ -12476,19 +12285,20 @@
                         </a:spcAft>
                       </a:pPr>
                       <a:r>
-                        <a:rPr lang="en-US" sz="1600" kern="100">
+                        <a:rPr lang="en-US" sz="1200" kern="100">
                           <a:effectLst/>
                         </a:rPr>
                         <a:t>/</a:t>
                       </a:r>
-                      <a:endParaRPr lang="zh-CN" sz="1600" kern="100">
+                      <a:endParaRPr lang="zh-CN" sz="1200" kern="100">
                         <a:effectLst/>
-                        <a:latin typeface="等线"/>
-                        <a:cs typeface="Times New Roman"/>
+                        <a:latin typeface="等线" panose="02010600030101010101" pitchFamily="2" charset="-122"/>
+                        <a:ea typeface="等线" panose="02010600030101010101" pitchFamily="2" charset="-122"/>
+                        <a:cs typeface="Times New Roman" panose="02020603050405020304" pitchFamily="18" charset="0"/>
                       </a:endParaRPr>
                     </a:p>
                   </a:txBody>
-                  <a:tcPr marL="102039" marR="102039" marT="0" marB="0"/>
+                  <a:tcPr marL="83869" marR="83869" marT="0" marB="0"/>
                 </a:tc>
                 <a:tc>
                   <a:txBody>
@@ -12501,19 +12311,20 @@
                         </a:spcAft>
                       </a:pPr>
                       <a:r>
-                        <a:rPr lang="en-US" sz="1600" kern="100">
+                        <a:rPr lang="en-US" sz="1200" kern="100">
                           <a:effectLst/>
                         </a:rPr>
                         <a:t>/</a:t>
                       </a:r>
-                      <a:endParaRPr lang="zh-CN" sz="1600" kern="100">
+                      <a:endParaRPr lang="zh-CN" sz="1200" kern="100">
                         <a:effectLst/>
-                        <a:latin typeface="等线"/>
-                        <a:cs typeface="Times New Roman"/>
+                        <a:latin typeface="等线" panose="02010600030101010101" pitchFamily="2" charset="-122"/>
+                        <a:ea typeface="等线" panose="02010600030101010101" pitchFamily="2" charset="-122"/>
+                        <a:cs typeface="Times New Roman" panose="02020603050405020304" pitchFamily="18" charset="0"/>
                       </a:endParaRPr>
                     </a:p>
                   </a:txBody>
-                  <a:tcPr marL="102039" marR="102039" marT="0" marB="0"/>
+                  <a:tcPr marL="83869" marR="83869" marT="0" marB="0"/>
                 </a:tc>
                 <a:tc>
                   <a:txBody>
@@ -12526,19 +12337,20 @@
                         </a:spcAft>
                       </a:pPr>
                       <a:r>
-                        <a:rPr lang="en-US" sz="1600" kern="100">
+                        <a:rPr lang="en-US" sz="1200" kern="100">
                           <a:effectLst/>
                         </a:rPr>
                         <a:t>/</a:t>
                       </a:r>
-                      <a:endParaRPr lang="zh-CN" sz="1600" kern="100">
+                      <a:endParaRPr lang="zh-CN" sz="1200" kern="100">
                         <a:effectLst/>
-                        <a:latin typeface="等线"/>
-                        <a:cs typeface="Times New Roman"/>
+                        <a:latin typeface="等线" panose="02010600030101010101" pitchFamily="2" charset="-122"/>
+                        <a:ea typeface="等线" panose="02010600030101010101" pitchFamily="2" charset="-122"/>
+                        <a:cs typeface="Times New Roman" panose="02020603050405020304" pitchFamily="18" charset="0"/>
                       </a:endParaRPr>
                     </a:p>
                   </a:txBody>
-                  <a:tcPr marL="102039" marR="102039" marT="0" marB="0"/>
+                  <a:tcPr marL="83869" marR="83869" marT="0" marB="0"/>
                 </a:tc>
                 <a:tc>
                   <a:txBody>
@@ -12551,39 +12363,40 @@
                         </a:spcAft>
                       </a:pPr>
                       <a:r>
-                        <a:rPr lang="zh-CN" sz="1600" kern="100">
+                        <a:rPr lang="zh-CN" sz="1200" kern="100">
                           <a:effectLst/>
                         </a:rPr>
                         <a:t>书籍参考网页</a:t>
                       </a:r>
                       <a:r>
-                        <a:rPr lang="en-US" sz="1600" kern="100">
+                        <a:rPr lang="en-US" sz="1200" kern="100">
                           <a:effectLst/>
                         </a:rPr>
                         <a:t>PDF</a:t>
                       </a:r>
                       <a:r>
-                        <a:rPr lang="zh-CN" sz="1600" kern="100">
+                        <a:rPr lang="zh-CN" sz="1200" kern="100">
                           <a:effectLst/>
                         </a:rPr>
                         <a:t>，无需花费。</a:t>
                       </a:r>
-                      <a:endParaRPr lang="zh-CN" sz="1600" kern="100">
+                      <a:endParaRPr lang="zh-CN" sz="1200" kern="100">
                         <a:effectLst/>
-                        <a:latin typeface="等线"/>
-                        <a:cs typeface="Times New Roman"/>
+                        <a:latin typeface="等线" panose="02010600030101010101" pitchFamily="2" charset="-122"/>
+                        <a:ea typeface="等线" panose="02010600030101010101" pitchFamily="2" charset="-122"/>
+                        <a:cs typeface="Times New Roman" panose="02020603050405020304" pitchFamily="18" charset="0"/>
                       </a:endParaRPr>
                     </a:p>
                   </a:txBody>
-                  <a:tcPr marL="102039" marR="102039" marT="0" marB="0"/>
+                  <a:tcPr marL="83869" marR="83869" marT="0" marB="0"/>
                 </a:tc>
                 <a:extLst>
                   <a:ext uri="{0D108BD9-81ED-4DB2-BD59-A6C34878D82A}">
-                    <a16:rowId xmlns:a16="http://schemas.microsoft.com/office/drawing/2014/main" val="10007"/>
+                    <a16:rowId xmlns:a16="http://schemas.microsoft.com/office/drawing/2014/main" val="2064045466"/>
                   </a:ext>
                 </a:extLst>
               </a:tr>
-              <a:tr h="239212">
+              <a:tr h="391387">
                 <a:tc>
                   <a:txBody>
                     <a:bodyPr/>
@@ -12595,19 +12408,20 @@
                         </a:spcAft>
                       </a:pPr>
                       <a:r>
-                        <a:rPr lang="zh-CN" sz="1600" kern="100">
+                        <a:rPr lang="zh-CN" sz="1200" kern="100">
                           <a:effectLst/>
                         </a:rPr>
                         <a:t>其他的花费</a:t>
                       </a:r>
-                      <a:endParaRPr lang="zh-CN" sz="1600" kern="100">
+                      <a:endParaRPr lang="zh-CN" sz="1200" kern="100">
                         <a:effectLst/>
-                        <a:latin typeface="等线"/>
-                        <a:cs typeface="Times New Roman"/>
+                        <a:latin typeface="等线" panose="02010600030101010101" pitchFamily="2" charset="-122"/>
+                        <a:ea typeface="等线" panose="02010600030101010101" pitchFamily="2" charset="-122"/>
+                        <a:cs typeface="Times New Roman" panose="02020603050405020304" pitchFamily="18" charset="0"/>
                       </a:endParaRPr>
                     </a:p>
                   </a:txBody>
-                  <a:tcPr marL="102039" marR="102039" marT="0" marB="0"/>
+                  <a:tcPr marL="83869" marR="83869" marT="0" marB="0"/>
                 </a:tc>
                 <a:tc>
                   <a:txBody>
@@ -12620,19 +12434,20 @@
                         </a:spcAft>
                       </a:pPr>
                       <a:r>
-                        <a:rPr lang="en-US" sz="1600" kern="100">
+                        <a:rPr lang="en-US" sz="1200" kern="100">
                           <a:effectLst/>
                         </a:rPr>
                         <a:t>/</a:t>
                       </a:r>
-                      <a:endParaRPr lang="zh-CN" sz="1600" kern="100">
+                      <a:endParaRPr lang="zh-CN" sz="1200" kern="100">
                         <a:effectLst/>
-                        <a:latin typeface="等线"/>
-                        <a:cs typeface="Times New Roman"/>
+                        <a:latin typeface="等线" panose="02010600030101010101" pitchFamily="2" charset="-122"/>
+                        <a:ea typeface="等线" panose="02010600030101010101" pitchFamily="2" charset="-122"/>
+                        <a:cs typeface="Times New Roman" panose="02020603050405020304" pitchFamily="18" charset="0"/>
                       </a:endParaRPr>
                     </a:p>
                   </a:txBody>
-                  <a:tcPr marL="102039" marR="102039" marT="0" marB="0"/>
+                  <a:tcPr marL="83869" marR="83869" marT="0" marB="0"/>
                 </a:tc>
                 <a:tc>
                   <a:txBody>
@@ -12645,19 +12460,20 @@
                         </a:spcAft>
                       </a:pPr>
                       <a:r>
-                        <a:rPr lang="en-US" sz="1600" kern="100">
+                        <a:rPr lang="en-US" sz="1200" kern="100">
                           <a:effectLst/>
                         </a:rPr>
                         <a:t>/</a:t>
                       </a:r>
-                      <a:endParaRPr lang="zh-CN" sz="1600" kern="100">
+                      <a:endParaRPr lang="zh-CN" sz="1200" kern="100">
                         <a:effectLst/>
-                        <a:latin typeface="等线"/>
-                        <a:cs typeface="Times New Roman"/>
+                        <a:latin typeface="等线" panose="02010600030101010101" pitchFamily="2" charset="-122"/>
+                        <a:ea typeface="等线" panose="02010600030101010101" pitchFamily="2" charset="-122"/>
+                        <a:cs typeface="Times New Roman" panose="02020603050405020304" pitchFamily="18" charset="0"/>
                       </a:endParaRPr>
                     </a:p>
                   </a:txBody>
-                  <a:tcPr marL="102039" marR="102039" marT="0" marB="0"/>
+                  <a:tcPr marL="83869" marR="83869" marT="0" marB="0"/>
                 </a:tc>
                 <a:tc>
                   <a:txBody>
@@ -12670,19 +12486,20 @@
                         </a:spcAft>
                       </a:pPr>
                       <a:r>
-                        <a:rPr lang="en-US" sz="1600" kern="100">
+                        <a:rPr lang="en-US" sz="1200" kern="100">
                           <a:effectLst/>
                         </a:rPr>
                         <a:t>/</a:t>
                       </a:r>
-                      <a:endParaRPr lang="zh-CN" sz="1600" kern="100">
+                      <a:endParaRPr lang="zh-CN" sz="1200" kern="100">
                         <a:effectLst/>
-                        <a:latin typeface="等线"/>
-                        <a:cs typeface="Times New Roman"/>
+                        <a:latin typeface="等线" panose="02010600030101010101" pitchFamily="2" charset="-122"/>
+                        <a:ea typeface="等线" panose="02010600030101010101" pitchFamily="2" charset="-122"/>
+                        <a:cs typeface="Times New Roman" panose="02020603050405020304" pitchFamily="18" charset="0"/>
                       </a:endParaRPr>
                     </a:p>
                   </a:txBody>
-                  <a:tcPr marL="102039" marR="102039" marT="0" marB="0"/>
+                  <a:tcPr marL="83869" marR="83869" marT="0" marB="0"/>
                 </a:tc>
                 <a:tc>
                   <a:txBody>
@@ -12695,19 +12512,20 @@
                         </a:spcAft>
                       </a:pPr>
                       <a:r>
-                        <a:rPr lang="en-US" sz="1600" kern="100">
+                        <a:rPr lang="en-US" sz="1200" kern="100">
                           <a:effectLst/>
                         </a:rPr>
                         <a:t>/</a:t>
                       </a:r>
-                      <a:endParaRPr lang="zh-CN" sz="1600" kern="100">
+                      <a:endParaRPr lang="zh-CN" sz="1200" kern="100">
                         <a:effectLst/>
-                        <a:latin typeface="等线"/>
-                        <a:cs typeface="Times New Roman"/>
+                        <a:latin typeface="等线" panose="02010600030101010101" pitchFamily="2" charset="-122"/>
+                        <a:ea typeface="等线" panose="02010600030101010101" pitchFamily="2" charset="-122"/>
+                        <a:cs typeface="Times New Roman" panose="02020603050405020304" pitchFamily="18" charset="0"/>
                       </a:endParaRPr>
                     </a:p>
                   </a:txBody>
-                  <a:tcPr marL="102039" marR="102039" marT="0" marB="0"/>
+                  <a:tcPr marL="83869" marR="83869" marT="0" marB="0"/>
                 </a:tc>
                 <a:tc>
                   <a:txBody>
@@ -12720,23 +12538,187 @@
                         </a:spcAft>
                       </a:pPr>
                       <a:r>
-                        <a:rPr lang="zh-CN" sz="1600" kern="100" dirty="0">
+                        <a:rPr lang="zh-CN" sz="1200" kern="100">
                           <a:effectLst/>
                         </a:rPr>
                         <a:t>暂无。</a:t>
                       </a:r>
-                      <a:endParaRPr lang="zh-CN" sz="1600" kern="100" dirty="0">
+                      <a:endParaRPr lang="zh-CN" sz="1200" kern="100">
                         <a:effectLst/>
-                        <a:latin typeface="等线"/>
-                        <a:cs typeface="Times New Roman"/>
+                        <a:latin typeface="等线" panose="02010600030101010101" pitchFamily="2" charset="-122"/>
+                        <a:ea typeface="等线" panose="02010600030101010101" pitchFamily="2" charset="-122"/>
+                        <a:cs typeface="Times New Roman" panose="02020603050405020304" pitchFamily="18" charset="0"/>
                       </a:endParaRPr>
                     </a:p>
                   </a:txBody>
-                  <a:tcPr marL="102039" marR="102039" marT="0" marB="0"/>
+                  <a:tcPr marL="83869" marR="83869" marT="0" marB="0"/>
                 </a:tc>
                 <a:extLst>
                   <a:ext uri="{0D108BD9-81ED-4DB2-BD59-A6C34878D82A}">
-                    <a16:rowId xmlns:a16="http://schemas.microsoft.com/office/drawing/2014/main" val="10008"/>
+                    <a16:rowId xmlns:a16="http://schemas.microsoft.com/office/drawing/2014/main" val="1974896722"/>
+                  </a:ext>
+                </a:extLst>
+              </a:tr>
+              <a:tr h="391387">
+                <a:tc>
+                  <a:txBody>
+                    <a:bodyPr/>
+                    <a:lstStyle/>
+                    <a:p>
+                      <a:pPr algn="just">
+                        <a:spcAft>
+                          <a:spcPts val="0"/>
+                        </a:spcAft>
+                      </a:pPr>
+                      <a:r>
+                        <a:rPr lang="zh-CN" sz="1200" kern="100">
+                          <a:effectLst/>
+                        </a:rPr>
+                        <a:t>总其他花费估计</a:t>
+                      </a:r>
+                      <a:endParaRPr lang="zh-CN" sz="1200" kern="100">
+                        <a:effectLst/>
+                        <a:latin typeface="等线" panose="02010600030101010101" pitchFamily="2" charset="-122"/>
+                        <a:ea typeface="等线" panose="02010600030101010101" pitchFamily="2" charset="-122"/>
+                        <a:cs typeface="Times New Roman" panose="02020603050405020304" pitchFamily="18" charset="0"/>
+                      </a:endParaRPr>
+                    </a:p>
+                  </a:txBody>
+                  <a:tcPr marL="83869" marR="83869" marT="0" marB="0"/>
+                </a:tc>
+                <a:tc>
+                  <a:txBody>
+                    <a:bodyPr/>
+                    <a:lstStyle/>
+                    <a:p>
+                      <a:pPr algn="just">
+                        <a:spcAft>
+                          <a:spcPts val="0"/>
+                        </a:spcAft>
+                      </a:pPr>
+                      <a:r>
+                        <a:rPr lang="en-US" sz="1200" kern="100">
+                          <a:effectLst/>
+                        </a:rPr>
+                        <a:t> </a:t>
+                      </a:r>
+                      <a:endParaRPr lang="zh-CN" sz="1200" kern="100">
+                        <a:effectLst/>
+                        <a:latin typeface="等线" panose="02010600030101010101" pitchFamily="2" charset="-122"/>
+                        <a:ea typeface="等线" panose="02010600030101010101" pitchFamily="2" charset="-122"/>
+                        <a:cs typeface="Times New Roman" panose="02020603050405020304" pitchFamily="18" charset="0"/>
+                      </a:endParaRPr>
+                    </a:p>
+                  </a:txBody>
+                  <a:tcPr marL="83869" marR="83869" marT="0" marB="0"/>
+                </a:tc>
+                <a:tc>
+                  <a:txBody>
+                    <a:bodyPr/>
+                    <a:lstStyle/>
+                    <a:p>
+                      <a:pPr indent="400050" algn="just">
+                        <a:spcAft>
+                          <a:spcPts val="0"/>
+                        </a:spcAft>
+                      </a:pPr>
+                      <a:r>
+                        <a:rPr lang="en-US" sz="1200" kern="100">
+                          <a:effectLst/>
+                        </a:rPr>
+                        <a:t> </a:t>
+                      </a:r>
+                      <a:endParaRPr lang="zh-CN" sz="1200" kern="100">
+                        <a:effectLst/>
+                        <a:latin typeface="等线" panose="02010600030101010101" pitchFamily="2" charset="-122"/>
+                        <a:ea typeface="等线" panose="02010600030101010101" pitchFamily="2" charset="-122"/>
+                        <a:cs typeface="Times New Roman" panose="02020603050405020304" pitchFamily="18" charset="0"/>
+                      </a:endParaRPr>
+                    </a:p>
+                  </a:txBody>
+                  <a:tcPr marL="83869" marR="83869" marT="0" marB="0"/>
+                </a:tc>
+                <a:tc>
+                  <a:txBody>
+                    <a:bodyPr/>
+                    <a:lstStyle/>
+                    <a:p>
+                      <a:pPr indent="400050" algn="just">
+                        <a:spcAft>
+                          <a:spcPts val="0"/>
+                        </a:spcAft>
+                      </a:pPr>
+                      <a:r>
+                        <a:rPr lang="en-US" sz="1200" kern="100">
+                          <a:effectLst/>
+                        </a:rPr>
+                        <a:t> </a:t>
+                      </a:r>
+                      <a:endParaRPr lang="zh-CN" sz="1200" kern="100">
+                        <a:effectLst/>
+                        <a:latin typeface="等线" panose="02010600030101010101" pitchFamily="2" charset="-122"/>
+                        <a:ea typeface="等线" panose="02010600030101010101" pitchFamily="2" charset="-122"/>
+                        <a:cs typeface="Times New Roman" panose="02020603050405020304" pitchFamily="18" charset="0"/>
+                      </a:endParaRPr>
+                    </a:p>
+                  </a:txBody>
+                  <a:tcPr marL="83869" marR="83869" marT="0" marB="0"/>
+                </a:tc>
+                <a:tc>
+                  <a:txBody>
+                    <a:bodyPr/>
+                    <a:lstStyle/>
+                    <a:p>
+                      <a:pPr algn="just">
+                        <a:spcAft>
+                          <a:spcPts val="0"/>
+                        </a:spcAft>
+                      </a:pPr>
+                      <a:r>
+                        <a:rPr lang="zh-CN" sz="1200" kern="100">
+                          <a:effectLst/>
+                        </a:rPr>
+                        <a:t>以上数值相加</a:t>
+                      </a:r>
+                      <a:endParaRPr lang="zh-CN" sz="1200" kern="100">
+                        <a:effectLst/>
+                        <a:latin typeface="等线" panose="02010600030101010101" pitchFamily="2" charset="-122"/>
+                        <a:ea typeface="等线" panose="02010600030101010101" pitchFamily="2" charset="-122"/>
+                        <a:cs typeface="Times New Roman" panose="02020603050405020304" pitchFamily="18" charset="0"/>
+                      </a:endParaRPr>
+                    </a:p>
+                  </a:txBody>
+                  <a:tcPr marL="83869" marR="83869" marT="0" marB="0"/>
+                </a:tc>
+                <a:tc>
+                  <a:txBody>
+                    <a:bodyPr/>
+                    <a:lstStyle/>
+                    <a:p>
+                      <a:pPr algn="just">
+                        <a:spcAft>
+                          <a:spcPts val="0"/>
+                        </a:spcAft>
+                      </a:pPr>
+                      <a:r>
+                        <a:rPr lang="en-US" sz="1200" kern="100" dirty="0">
+                          <a:effectLst/>
+                        </a:rPr>
+                        <a:t>/</a:t>
+                      </a:r>
+                      <a:endParaRPr lang="zh-CN" sz="1200" kern="100" dirty="0">
+                        <a:effectLst/>
+                        <a:latin typeface="等线" panose="02010600030101010101" pitchFamily="2" charset="-122"/>
+                        <a:ea typeface="等线" panose="02010600030101010101" pitchFamily="2" charset="-122"/>
+                        <a:cs typeface="Times New Roman" panose="02020603050405020304" pitchFamily="18" charset="0"/>
+                      </a:endParaRPr>
+                    </a:p>
+                  </a:txBody>
+                  <a:tcPr marL="83869" marR="83869" marT="0" marB="0"/>
+                </a:tc>
+                <a:extLst>
+                  <a:ext uri="{0D108BD9-81ED-4DB2-BD59-A6C34878D82A}">
+                    <a16:rowId xmlns:a16="http://schemas.microsoft.com/office/drawing/2014/main" val="3989027890"/>
                   </a:ext>
                 </a:extLst>
               </a:tr>
@@ -19863,21 +19845,27 @@
       </p:sp>
       <p:graphicFrame>
         <p:nvGraphicFramePr>
-          <p:cNvPr id="3" name="表格 2"/>
+          <p:cNvPr id="2" name="表格 1">
+            <a:extLst>
+              <a:ext uri="{FF2B5EF4-FFF2-40B4-BE49-F238E27FC236}">
+                <a16:creationId xmlns:a16="http://schemas.microsoft.com/office/drawing/2014/main" id="{C5A2DFF4-D6C8-45B9-B77B-D3F396F16933}"/>
+              </a:ext>
+            </a:extLst>
+          </p:cNvPr>
           <p:cNvGraphicFramePr>
             <a:graphicFrameLocks noGrp="1"/>
           </p:cNvGraphicFramePr>
           <p:nvPr>
             <p:extLst>
               <p:ext uri="{D42A27DB-BD31-4B8C-83A1-F6EECF244321}">
-                <p14:modId xmlns:p14="http://schemas.microsoft.com/office/powerpoint/2010/main" val="4070348918"/>
+                <p14:modId xmlns:p14="http://schemas.microsoft.com/office/powerpoint/2010/main" val="1874476445"/>
               </p:ext>
             </p:extLst>
           </p:nvPr>
         </p:nvGraphicFramePr>
         <p:xfrm>
-          <a:off x="2334968" y="2334784"/>
-          <a:ext cx="6885326" cy="2784112"/>
+          <a:off x="1700773" y="2219129"/>
+          <a:ext cx="7748112" cy="2926080"/>
         </p:xfrm>
         <a:graphic>
           <a:graphicData uri="http://schemas.openxmlformats.org/drawingml/2006/table">
@@ -19886,29 +19874,29 @@
                 <a:tableStyleId>{5C22544A-7EE6-4342-B048-85BDC9FD1C3A}</a:tableStyleId>
               </a:tblPr>
               <a:tblGrid>
-                <a:gridCol w="2294832">
+                <a:gridCol w="2582393">
                   <a:extLst>
                     <a:ext uri="{9D8B030D-6E8A-4147-A177-3AD203B41FA5}">
-                      <a16:colId xmlns:a16="http://schemas.microsoft.com/office/drawing/2014/main" val="20000"/>
+                      <a16:colId xmlns:a16="http://schemas.microsoft.com/office/drawing/2014/main" val="3564153489"/>
                     </a:ext>
                   </a:extLst>
                 </a:gridCol>
-                <a:gridCol w="2294832">
+                <a:gridCol w="2582393">
                   <a:extLst>
                     <a:ext uri="{9D8B030D-6E8A-4147-A177-3AD203B41FA5}">
-                      <a16:colId xmlns:a16="http://schemas.microsoft.com/office/drawing/2014/main" val="20001"/>
+                      <a16:colId xmlns:a16="http://schemas.microsoft.com/office/drawing/2014/main" val="376613391"/>
                     </a:ext>
                   </a:extLst>
                 </a:gridCol>
-                <a:gridCol w="2295662">
+                <a:gridCol w="2583326">
                   <a:extLst>
                     <a:ext uri="{9D8B030D-6E8A-4147-A177-3AD203B41FA5}">
-                      <a16:colId xmlns:a16="http://schemas.microsoft.com/office/drawing/2014/main" val="20002"/>
+                      <a16:colId xmlns:a16="http://schemas.microsoft.com/office/drawing/2014/main" val="2304026057"/>
                     </a:ext>
                   </a:extLst>
                 </a:gridCol>
               </a:tblGrid>
-              <a:tr h="209149">
+              <a:tr h="238527">
                 <a:tc>
                   <a:txBody>
                     <a:bodyPr/>
@@ -19920,19 +19908,20 @@
                         </a:spcAft>
                       </a:pPr>
                       <a:r>
-                        <a:rPr lang="zh-CN" sz="1800" kern="100" dirty="0">
+                        <a:rPr lang="zh-CN" sz="1600" kern="100">
                           <a:effectLst/>
                         </a:rPr>
                         <a:t>序号</a:t>
                       </a:r>
-                      <a:endParaRPr lang="zh-CN" sz="1800" kern="100" dirty="0">
+                      <a:endParaRPr lang="zh-CN" sz="1600" kern="100">
                         <a:effectLst/>
-                        <a:latin typeface="等线"/>
-                        <a:cs typeface="Times New Roman"/>
+                        <a:latin typeface="等线" panose="02010600030101010101" pitchFamily="2" charset="-122"/>
+                        <a:ea typeface="等线" panose="02010600030101010101" pitchFamily="2" charset="-122"/>
+                        <a:cs typeface="Times New Roman" panose="02020603050405020304" pitchFamily="18" charset="0"/>
                       </a:endParaRPr>
                     </a:p>
                   </a:txBody>
-                  <a:tcPr marL="89635" marR="89635" marT="0" marB="0"/>
+                  <a:tcPr marL="100867" marR="100867" marT="0" marB="0"/>
                 </a:tc>
                 <a:tc>
                   <a:txBody>
@@ -19945,19 +19934,20 @@
                         </a:spcAft>
                       </a:pPr>
                       <a:r>
-                        <a:rPr lang="zh-CN" sz="1800" kern="100" dirty="0">
+                        <a:rPr lang="zh-CN" sz="1600" kern="100">
                           <a:effectLst/>
                         </a:rPr>
                         <a:t>工具</a:t>
                       </a:r>
-                      <a:endParaRPr lang="zh-CN" sz="1800" kern="100" dirty="0">
+                      <a:endParaRPr lang="zh-CN" sz="1600" kern="100">
                         <a:effectLst/>
-                        <a:latin typeface="等线"/>
-                        <a:cs typeface="Times New Roman"/>
+                        <a:latin typeface="等线" panose="02010600030101010101" pitchFamily="2" charset="-122"/>
+                        <a:ea typeface="等线" panose="02010600030101010101" pitchFamily="2" charset="-122"/>
+                        <a:cs typeface="Times New Roman" panose="02020603050405020304" pitchFamily="18" charset="0"/>
                       </a:endParaRPr>
                     </a:p>
                   </a:txBody>
-                  <a:tcPr marL="89635" marR="89635" marT="0" marB="0"/>
+                  <a:tcPr marL="100867" marR="100867" marT="0" marB="0"/>
                 </a:tc>
                 <a:tc>
                   <a:txBody>
@@ -19970,27 +19960,28 @@
                         </a:spcAft>
                       </a:pPr>
                       <a:r>
-                        <a:rPr lang="zh-CN" sz="1800" kern="100">
+                        <a:rPr lang="zh-CN" sz="1600" kern="100">
                           <a:effectLst/>
                         </a:rPr>
                         <a:t>目的</a:t>
                       </a:r>
-                      <a:endParaRPr lang="zh-CN" sz="1800" kern="100">
+                      <a:endParaRPr lang="zh-CN" sz="1600" kern="100">
                         <a:effectLst/>
-                        <a:latin typeface="等线"/>
-                        <a:cs typeface="Times New Roman"/>
+                        <a:latin typeface="等线" panose="02010600030101010101" pitchFamily="2" charset="-122"/>
+                        <a:ea typeface="等线" panose="02010600030101010101" pitchFamily="2" charset="-122"/>
+                        <a:cs typeface="Times New Roman" panose="02020603050405020304" pitchFamily="18" charset="0"/>
                       </a:endParaRPr>
                     </a:p>
                   </a:txBody>
-                  <a:tcPr marL="89635" marR="89635" marT="0" marB="0"/>
+                  <a:tcPr marL="100867" marR="100867" marT="0" marB="0"/>
                 </a:tc>
                 <a:extLst>
                   <a:ext uri="{0D108BD9-81ED-4DB2-BD59-A6C34878D82A}">
-                    <a16:rowId xmlns:a16="http://schemas.microsoft.com/office/drawing/2014/main" val="10000"/>
+                    <a16:rowId xmlns:a16="http://schemas.microsoft.com/office/drawing/2014/main" val="3547302552"/>
                   </a:ext>
                 </a:extLst>
               </a:tr>
-              <a:tr h="1254896">
+              <a:tr h="715580">
                 <a:tc>
                   <a:txBody>
                     <a:bodyPr/>
@@ -20002,23 +19993,20 @@
                         </a:spcAft>
                       </a:pPr>
                       <a:r>
-                        <a:rPr lang="en-US" sz="1800" kern="100" dirty="0">
-                          <a:effectLst/>
-                          <a:latin typeface="+mn-ea"/>
-                          <a:ea typeface="+mn-ea"/>
-                          <a:cs typeface="Times New Roman"/>
+                        <a:rPr lang="en-US" sz="1600" kern="100">
+                          <a:effectLst/>
                         </a:rPr>
                         <a:t>1</a:t>
                       </a:r>
-                      <a:endParaRPr lang="zh-CN" sz="1800" kern="100" dirty="0">
+                      <a:endParaRPr lang="zh-CN" sz="1600" kern="100">
                         <a:effectLst/>
-                        <a:latin typeface="+mn-ea"/>
-                        <a:ea typeface="+mn-ea"/>
-                        <a:cs typeface="Times New Roman"/>
+                        <a:latin typeface="等线" panose="02010600030101010101" pitchFamily="2" charset="-122"/>
+                        <a:ea typeface="等线" panose="02010600030101010101" pitchFamily="2" charset="-122"/>
+                        <a:cs typeface="Times New Roman" panose="02020603050405020304" pitchFamily="18" charset="0"/>
                       </a:endParaRPr>
                     </a:p>
                   </a:txBody>
-                  <a:tcPr marL="68580" marR="68580" marT="0" marB="0"/>
+                  <a:tcPr marL="100867" marR="100867" marT="0" marB="0"/>
                 </a:tc>
                 <a:tc>
                   <a:txBody>
@@ -20031,17 +20019,20 @@
                         </a:spcAft>
                       </a:pPr>
                       <a:r>
-                        <a:rPr lang="zh-CN" sz="1800" kern="100">
-                          <a:effectLst/>
-                          <a:latin typeface="+mn-ea"/>
-                          <a:ea typeface="+mn-ea"/>
-                          <a:cs typeface="Times New Roman"/>
+                        <a:rPr lang="zh-CN" sz="1600" kern="100">
+                          <a:effectLst/>
                         </a:rPr>
                         <a:t>微信</a:t>
                       </a:r>
+                      <a:endParaRPr lang="zh-CN" sz="1600" kern="100">
+                        <a:effectLst/>
+                        <a:latin typeface="等线" panose="02010600030101010101" pitchFamily="2" charset="-122"/>
+                        <a:ea typeface="等线" panose="02010600030101010101" pitchFamily="2" charset="-122"/>
+                        <a:cs typeface="Times New Roman" panose="02020603050405020304" pitchFamily="18" charset="0"/>
+                      </a:endParaRPr>
                     </a:p>
                   </a:txBody>
-                  <a:tcPr marL="68580" marR="68580" marT="0" marB="0"/>
+                  <a:tcPr marL="100867" marR="100867" marT="0" marB="0"/>
                 </a:tc>
                 <a:tc>
                   <a:txBody>
@@ -20054,25 +20045,28 @@
                         </a:spcAft>
                       </a:pPr>
                       <a:r>
-                        <a:rPr lang="zh-CN" sz="1800" kern="100">
-                          <a:effectLst/>
-                          <a:latin typeface="+mn-ea"/>
-                          <a:ea typeface="+mn-ea"/>
-                          <a:cs typeface="Times New Roman"/>
+                        <a:rPr lang="zh-CN" sz="1600" kern="100">
+                          <a:effectLst/>
                         </a:rPr>
                         <a:t>用于和杨枨老师，侯宏仑老师进行访谈的预约和问题的询问</a:t>
                       </a:r>
+                      <a:endParaRPr lang="zh-CN" sz="1600" kern="100">
+                        <a:effectLst/>
+                        <a:latin typeface="等线" panose="02010600030101010101" pitchFamily="2" charset="-122"/>
+                        <a:ea typeface="等线" panose="02010600030101010101" pitchFamily="2" charset="-122"/>
+                        <a:cs typeface="Times New Roman" panose="02020603050405020304" pitchFamily="18" charset="0"/>
+                      </a:endParaRPr>
                     </a:p>
                   </a:txBody>
-                  <a:tcPr marL="68580" marR="68580" marT="0" marB="0"/>
+                  <a:tcPr marL="100867" marR="100867" marT="0" marB="0"/>
                 </a:tc>
                 <a:extLst>
                   <a:ext uri="{0D108BD9-81ED-4DB2-BD59-A6C34878D82A}">
-                    <a16:rowId xmlns:a16="http://schemas.microsoft.com/office/drawing/2014/main" val="10001"/>
+                    <a16:rowId xmlns:a16="http://schemas.microsoft.com/office/drawing/2014/main" val="3873779265"/>
                   </a:ext>
                 </a:extLst>
               </a:tr>
-              <a:tr h="1254896">
+              <a:tr h="477054">
                 <a:tc>
                   <a:txBody>
                     <a:bodyPr/>
@@ -20084,23 +20078,20 @@
                         </a:spcAft>
                       </a:pPr>
                       <a:r>
-                        <a:rPr lang="en-US" sz="1800" kern="100">
-                          <a:effectLst/>
-                          <a:latin typeface="+mn-ea"/>
-                          <a:ea typeface="+mn-ea"/>
-                          <a:cs typeface="Times New Roman"/>
+                        <a:rPr lang="en-US" sz="1600" kern="100">
+                          <a:effectLst/>
                         </a:rPr>
                         <a:t>2</a:t>
                       </a:r>
-                      <a:endParaRPr lang="zh-CN" sz="1800" kern="100">
+                      <a:endParaRPr lang="zh-CN" sz="1600" kern="100">
                         <a:effectLst/>
-                        <a:latin typeface="+mn-ea"/>
-                        <a:ea typeface="+mn-ea"/>
-                        <a:cs typeface="Times New Roman"/>
+                        <a:latin typeface="等线" panose="02010600030101010101" pitchFamily="2" charset="-122"/>
+                        <a:ea typeface="等线" panose="02010600030101010101" pitchFamily="2" charset="-122"/>
+                        <a:cs typeface="Times New Roman" panose="02020603050405020304" pitchFamily="18" charset="0"/>
                       </a:endParaRPr>
                     </a:p>
                   </a:txBody>
-                  <a:tcPr marL="68580" marR="68580" marT="0" marB="0"/>
+                  <a:tcPr marL="100867" marR="100867" marT="0" marB="0"/>
                 </a:tc>
                 <a:tc>
                   <a:txBody>
@@ -20113,17 +20104,20 @@
                         </a:spcAft>
                       </a:pPr>
                       <a:r>
-                        <a:rPr lang="zh-CN" sz="1800" kern="100">
-                          <a:effectLst/>
-                          <a:latin typeface="+mn-ea"/>
-                          <a:ea typeface="+mn-ea"/>
-                          <a:cs typeface="Times New Roman"/>
+                        <a:rPr lang="zh-CN" sz="1600" kern="100">
+                          <a:effectLst/>
                         </a:rPr>
                         <a:t>邮箱</a:t>
                       </a:r>
+                      <a:endParaRPr lang="zh-CN" sz="1600" kern="100">
+                        <a:effectLst/>
+                        <a:latin typeface="等线" panose="02010600030101010101" pitchFamily="2" charset="-122"/>
+                        <a:ea typeface="等线" panose="02010600030101010101" pitchFamily="2" charset="-122"/>
+                        <a:cs typeface="Times New Roman" panose="02020603050405020304" pitchFamily="18" charset="0"/>
+                      </a:endParaRPr>
                     </a:p>
                   </a:txBody>
-                  <a:tcPr marL="68580" marR="68580" marT="0" marB="0"/>
+                  <a:tcPr marL="100867" marR="100867" marT="0" marB="0"/>
                 </a:tc>
                 <a:tc>
                   <a:txBody>
@@ -20136,21 +20130,194 @@
                         </a:spcAft>
                       </a:pPr>
                       <a:r>
-                        <a:rPr lang="zh-CN" sz="1800" kern="100" dirty="0">
-                          <a:effectLst/>
-                          <a:latin typeface="+mn-ea"/>
-                          <a:ea typeface="+mn-ea"/>
-                          <a:cs typeface="Times New Roman"/>
+                        <a:rPr lang="zh-CN" sz="1600" kern="100">
+                          <a:effectLst/>
                         </a:rPr>
                         <a:t>用于向杨枨老师，侯宏仑老师提交交付物</a:t>
                       </a:r>
+                      <a:endParaRPr lang="zh-CN" sz="1600" kern="100">
+                        <a:effectLst/>
+                        <a:latin typeface="等线" panose="02010600030101010101" pitchFamily="2" charset="-122"/>
+                        <a:ea typeface="等线" panose="02010600030101010101" pitchFamily="2" charset="-122"/>
+                        <a:cs typeface="Times New Roman" panose="02020603050405020304" pitchFamily="18" charset="0"/>
+                      </a:endParaRPr>
                     </a:p>
                   </a:txBody>
-                  <a:tcPr marL="68580" marR="68580" marT="0" marB="0"/>
+                  <a:tcPr marL="100867" marR="100867" marT="0" marB="0"/>
                 </a:tc>
                 <a:extLst>
                   <a:ext uri="{0D108BD9-81ED-4DB2-BD59-A6C34878D82A}">
-                    <a16:rowId xmlns:a16="http://schemas.microsoft.com/office/drawing/2014/main" val="10002"/>
+                    <a16:rowId xmlns:a16="http://schemas.microsoft.com/office/drawing/2014/main" val="1454755884"/>
+                  </a:ext>
+                </a:extLst>
+              </a:tr>
+              <a:tr h="715580">
+                <a:tc>
+                  <a:txBody>
+                    <a:bodyPr/>
+                    <a:lstStyle/>
+                    <a:p>
+                      <a:pPr algn="just">
+                        <a:spcAft>
+                          <a:spcPts val="0"/>
+                        </a:spcAft>
+                      </a:pPr>
+                      <a:r>
+                        <a:rPr lang="en-US" sz="1600" kern="100">
+                          <a:effectLst/>
+                        </a:rPr>
+                        <a:t>3</a:t>
+                      </a:r>
+                      <a:endParaRPr lang="zh-CN" sz="1600" kern="100">
+                        <a:effectLst/>
+                        <a:latin typeface="等线" panose="02010600030101010101" pitchFamily="2" charset="-122"/>
+                        <a:ea typeface="等线" panose="02010600030101010101" pitchFamily="2" charset="-122"/>
+                        <a:cs typeface="Times New Roman" panose="02020603050405020304" pitchFamily="18" charset="0"/>
+                      </a:endParaRPr>
+                    </a:p>
+                  </a:txBody>
+                  <a:tcPr marL="100867" marR="100867" marT="0" marB="0"/>
+                </a:tc>
+                <a:tc>
+                  <a:txBody>
+                    <a:bodyPr/>
+                    <a:lstStyle/>
+                    <a:p>
+                      <a:pPr algn="just">
+                        <a:spcAft>
+                          <a:spcPts val="0"/>
+                        </a:spcAft>
+                      </a:pPr>
+                      <a:r>
+                        <a:rPr lang="zh-CN" sz="1600" kern="100">
+                          <a:effectLst/>
+                        </a:rPr>
+                        <a:t>面对面</a:t>
+                      </a:r>
+                      <a:endParaRPr lang="zh-CN" sz="1600" kern="100">
+                        <a:effectLst/>
+                        <a:latin typeface="等线" panose="02010600030101010101" pitchFamily="2" charset="-122"/>
+                        <a:ea typeface="等线" panose="02010600030101010101" pitchFamily="2" charset="-122"/>
+                        <a:cs typeface="Times New Roman" panose="02020603050405020304" pitchFamily="18" charset="0"/>
+                      </a:endParaRPr>
+                    </a:p>
+                  </a:txBody>
+                  <a:tcPr marL="100867" marR="100867" marT="0" marB="0"/>
+                </a:tc>
+                <a:tc>
+                  <a:txBody>
+                    <a:bodyPr/>
+                    <a:lstStyle/>
+                    <a:p>
+                      <a:pPr algn="just">
+                        <a:spcAft>
+                          <a:spcPts val="0"/>
+                        </a:spcAft>
+                      </a:pPr>
+                      <a:r>
+                        <a:rPr lang="zh-CN" sz="1600" kern="100">
+                          <a:effectLst/>
+                        </a:rPr>
+                        <a:t>用于和杨枨老师，侯宏仑老师进行面对面交谈具体细节问题</a:t>
+                      </a:r>
+                      <a:endParaRPr lang="zh-CN" sz="1600" kern="100">
+                        <a:effectLst/>
+                        <a:latin typeface="等线" panose="02010600030101010101" pitchFamily="2" charset="-122"/>
+                        <a:ea typeface="等线" panose="02010600030101010101" pitchFamily="2" charset="-122"/>
+                        <a:cs typeface="Times New Roman" panose="02020603050405020304" pitchFamily="18" charset="0"/>
+                      </a:endParaRPr>
+                    </a:p>
+                  </a:txBody>
+                  <a:tcPr marL="100867" marR="100867" marT="0" marB="0"/>
+                </a:tc>
+                <a:extLst>
+                  <a:ext uri="{0D108BD9-81ED-4DB2-BD59-A6C34878D82A}">
+                    <a16:rowId xmlns:a16="http://schemas.microsoft.com/office/drawing/2014/main" val="321292592"/>
+                  </a:ext>
+                </a:extLst>
+              </a:tr>
+              <a:tr h="715580">
+                <a:tc>
+                  <a:txBody>
+                    <a:bodyPr/>
+                    <a:lstStyle/>
+                    <a:p>
+                      <a:pPr algn="just">
+                        <a:spcAft>
+                          <a:spcPts val="0"/>
+                        </a:spcAft>
+                      </a:pPr>
+                      <a:r>
+                        <a:rPr lang="en-US" sz="1600" kern="100">
+                          <a:effectLst/>
+                        </a:rPr>
+                        <a:t>4</a:t>
+                      </a:r>
+                      <a:endParaRPr lang="zh-CN" sz="1600" kern="100">
+                        <a:effectLst/>
+                        <a:latin typeface="等线" panose="02010600030101010101" pitchFamily="2" charset="-122"/>
+                        <a:ea typeface="等线" panose="02010600030101010101" pitchFamily="2" charset="-122"/>
+                        <a:cs typeface="Times New Roman" panose="02020603050405020304" pitchFamily="18" charset="0"/>
+                      </a:endParaRPr>
+                    </a:p>
+                  </a:txBody>
+                  <a:tcPr marL="100867" marR="100867" marT="0" marB="0"/>
+                </a:tc>
+                <a:tc>
+                  <a:txBody>
+                    <a:bodyPr/>
+                    <a:lstStyle/>
+                    <a:p>
+                      <a:pPr algn="just">
+                        <a:spcAft>
+                          <a:spcPts val="0"/>
+                        </a:spcAft>
+                      </a:pPr>
+                      <a:r>
+                        <a:rPr lang="zh-CN" sz="1600" kern="100">
+                          <a:effectLst/>
+                        </a:rPr>
+                        <a:t>电话</a:t>
+                      </a:r>
+                      <a:endParaRPr lang="zh-CN" sz="1600" kern="100">
+                        <a:effectLst/>
+                        <a:latin typeface="等线" panose="02010600030101010101" pitchFamily="2" charset="-122"/>
+                        <a:ea typeface="等线" panose="02010600030101010101" pitchFamily="2" charset="-122"/>
+                        <a:cs typeface="Times New Roman" panose="02020603050405020304" pitchFamily="18" charset="0"/>
+                      </a:endParaRPr>
+                    </a:p>
+                  </a:txBody>
+                  <a:tcPr marL="100867" marR="100867" marT="0" marB="0"/>
+                </a:tc>
+                <a:tc>
+                  <a:txBody>
+                    <a:bodyPr/>
+                    <a:lstStyle/>
+                    <a:p>
+                      <a:pPr algn="just">
+                        <a:spcAft>
+                          <a:spcPts val="0"/>
+                        </a:spcAft>
+                      </a:pPr>
+                      <a:r>
+                        <a:rPr lang="zh-CN" sz="1600" kern="100" dirty="0">
+                          <a:effectLst/>
+                        </a:rPr>
+                        <a:t>用于和杨枨老师，侯宏仑老师进行面对面交谈具体细节问题</a:t>
+                      </a:r>
+                      <a:endParaRPr lang="zh-CN" sz="1600" kern="100" dirty="0">
+                        <a:effectLst/>
+                        <a:latin typeface="等线" panose="02010600030101010101" pitchFamily="2" charset="-122"/>
+                        <a:ea typeface="等线" panose="02010600030101010101" pitchFamily="2" charset="-122"/>
+                        <a:cs typeface="Times New Roman" panose="02020603050405020304" pitchFamily="18" charset="0"/>
+                      </a:endParaRPr>
+                    </a:p>
+                  </a:txBody>
+                  <a:tcPr marL="100867" marR="100867" marT="0" marB="0"/>
+                </a:tc>
+                <a:extLst>
+                  <a:ext uri="{0D108BD9-81ED-4DB2-BD59-A6C34878D82A}">
+                    <a16:rowId xmlns:a16="http://schemas.microsoft.com/office/drawing/2014/main" val="373460020"/>
                   </a:ext>
                 </a:extLst>
               </a:tr>
@@ -20226,41 +20393,6 @@
                                   </p:childTnLst>
                                 </p:cTn>
                               </p:par>
-                              <p:par>
-                                <p:cTn id="8" presetID="10" presetClass="entr" presetSubtype="0" fill="hold" nodeType="withEffect">
-                                  <p:stCondLst>
-                                    <p:cond delay="0"/>
-                                  </p:stCondLst>
-                                  <p:childTnLst>
-                                    <p:set>
-                                      <p:cBhvr>
-                                        <p:cTn id="9" dur="1" fill="hold">
-                                          <p:stCondLst>
-                                            <p:cond delay="0"/>
-                                          </p:stCondLst>
-                                        </p:cTn>
-                                        <p:tgtEl>
-                                          <p:spTgt spid="3"/>
-                                        </p:tgtEl>
-                                        <p:attrNameLst>
-                                          <p:attrName>style.visibility</p:attrName>
-                                        </p:attrNameLst>
-                                      </p:cBhvr>
-                                      <p:to>
-                                        <p:strVal val="visible"/>
-                                      </p:to>
-                                    </p:set>
-                                    <p:animEffect transition="in" filter="fade">
-                                      <p:cBhvr>
-                                        <p:cTn id="10" dur="500"/>
-                                        <p:tgtEl>
-                                          <p:spTgt spid="3"/>
-                                        </p:tgtEl>
-                                      </p:cBhvr>
-                                    </p:animEffect>
-                                  </p:childTnLst>
-                                </p:cTn>
-                              </p:par>
                             </p:childTnLst>
                           </p:cTn>
                         </p:par>
@@ -20268,26 +20400,26 @@
                     </p:cTn>
                   </p:par>
                   <p:par>
-                    <p:cTn id="11" fill="hold">
+                    <p:cTn id="8" fill="hold">
                       <p:stCondLst>
                         <p:cond delay="indefinite"/>
                       </p:stCondLst>
                       <p:childTnLst>
                         <p:par>
-                          <p:cTn id="12" fill="hold">
+                          <p:cTn id="9" fill="hold">
                             <p:stCondLst>
                               <p:cond delay="0"/>
                             </p:stCondLst>
                             <p:childTnLst>
                               <p:par>
-                                <p:cTn id="13" presetID="10" presetClass="exit" presetSubtype="0" fill="hold" grpId="1" nodeType="clickEffect">
+                                <p:cTn id="10" presetID="10" presetClass="exit" presetSubtype="0" fill="hold" grpId="1" nodeType="clickEffect">
                                   <p:stCondLst>
                                     <p:cond delay="0"/>
                                   </p:stCondLst>
                                   <p:childTnLst>
                                     <p:animEffect transition="out" filter="fade">
                                       <p:cBhvr>
-                                        <p:cTn id="14" dur="500"/>
+                                        <p:cTn id="11" dur="500"/>
                                         <p:tgtEl>
                                           <p:spTgt spid="27"/>
                                         </p:tgtEl>
@@ -20295,48 +20427,13 @@
                                     </p:animEffect>
                                     <p:set>
                                       <p:cBhvr>
-                                        <p:cTn id="15" dur="1" fill="hold">
+                                        <p:cTn id="12" dur="1" fill="hold">
                                           <p:stCondLst>
                                             <p:cond delay="499"/>
                                           </p:stCondLst>
                                         </p:cTn>
                                         <p:tgtEl>
                                           <p:spTgt spid="27"/>
-                                        </p:tgtEl>
-                                        <p:attrNameLst>
-                                          <p:attrName>style.visibility</p:attrName>
-                                        </p:attrNameLst>
-                                      </p:cBhvr>
-                                      <p:to>
-                                        <p:strVal val="hidden"/>
-                                      </p:to>
-                                    </p:set>
-                                  </p:childTnLst>
-                                </p:cTn>
-                              </p:par>
-                              <p:par>
-                                <p:cTn id="16" presetID="10" presetClass="exit" presetSubtype="0" fill="hold" nodeType="withEffect">
-                                  <p:stCondLst>
-                                    <p:cond delay="0"/>
-                                  </p:stCondLst>
-                                  <p:childTnLst>
-                                    <p:animEffect transition="out" filter="fade">
-                                      <p:cBhvr>
-                                        <p:cTn id="17" dur="500"/>
-                                        <p:tgtEl>
-                                          <p:spTgt spid="3"/>
-                                        </p:tgtEl>
-                                      </p:cBhvr>
-                                    </p:animEffect>
-                                    <p:set>
-                                      <p:cBhvr>
-                                        <p:cTn id="18" dur="1" fill="hold">
-                                          <p:stCondLst>
-                                            <p:cond delay="499"/>
-                                          </p:stCondLst>
-                                        </p:cTn>
-                                        <p:tgtEl>
-                                          <p:spTgt spid="3"/>
                                         </p:tgtEl>
                                         <p:attrNameLst>
                                           <p:attrName>style.visibility</p:attrName>
@@ -21732,14 +21829,14 @@
           <p:nvPr>
             <p:extLst>
               <p:ext uri="{D42A27DB-BD31-4B8C-83A1-F6EECF244321}">
-                <p14:modId xmlns:p14="http://schemas.microsoft.com/office/powerpoint/2010/main" val="3419191175"/>
+                <p14:modId xmlns:p14="http://schemas.microsoft.com/office/powerpoint/2010/main" val="2607673941"/>
               </p:ext>
             </p:extLst>
           </p:nvPr>
         </p:nvGraphicFramePr>
         <p:xfrm>
-          <a:off x="3934475" y="1129240"/>
-          <a:ext cx="6634026" cy="5343975"/>
+          <a:off x="4027781" y="1857901"/>
+          <a:ext cx="6634026" cy="3984846"/>
         </p:xfrm>
         <a:graphic>
           <a:graphicData uri="http://schemas.openxmlformats.org/drawingml/2006/table">
@@ -21770,7 +21867,7 @@
                   </a:extLst>
                 </a:gridCol>
               </a:tblGrid>
-              <a:tr h="890662">
+              <a:tr h="569425">
                 <a:tc rowSpan="3">
                   <a:txBody>
                     <a:bodyPr/>
@@ -21894,7 +21991,7 @@
                   </a:ext>
                 </a:extLst>
               </a:tr>
-              <a:tr h="667997">
+              <a:tr h="427069">
                 <a:tc vMerge="1">
                   <a:txBody>
                     <a:bodyPr/>
@@ -21985,7 +22082,7 @@
                   </a:ext>
                 </a:extLst>
               </a:tr>
-              <a:tr h="667997">
+              <a:tr h="427069">
                 <a:tc vMerge="1">
                   <a:txBody>
                     <a:bodyPr/>
@@ -22076,8 +22173,8 @@
                   </a:ext>
                 </a:extLst>
               </a:tr>
-              <a:tr h="2226657">
-                <a:tc rowSpan="2">
+              <a:tr h="1851246">
+                <a:tc>
                   <a:txBody>
                     <a:bodyPr/>
                     <a:lstStyle/>
@@ -22113,98 +22210,6 @@
                         </a:spcAft>
                       </a:pPr>
                       <a:r>
-                        <a:rPr lang="zh-CN" sz="1400" kern="100">
-                          <a:effectLst/>
-                        </a:rPr>
-                        <a:t>当小组存在不能及时完成个人工作的时候</a:t>
-                      </a:r>
-                      <a:endParaRPr lang="zh-CN" sz="1400" kern="100">
-                        <a:effectLst/>
-                        <a:latin typeface="等线"/>
-                        <a:cs typeface="Times New Roman"/>
-                      </a:endParaRPr>
-                    </a:p>
-                  </a:txBody>
-                  <a:tcPr marL="95428" marR="95428" marT="0" marB="0"/>
-                </a:tc>
-                <a:tc>
-                  <a:txBody>
-                    <a:bodyPr/>
-                    <a:lstStyle/>
-                    <a:p>
-                      <a:pPr algn="just">
-                        <a:spcAft>
-                          <a:spcPts val="0"/>
-                        </a:spcAft>
-                      </a:pPr>
-                      <a:r>
-                        <a:rPr lang="zh-CN" sz="1400" kern="100">
-                          <a:effectLst/>
-                        </a:rPr>
-                        <a:t>当下达任务后，进行每日总结，由</a:t>
-                      </a:r>
-                      <a:r>
-                        <a:rPr lang="en-US" sz="1400" kern="100">
-                          <a:effectLst/>
-                        </a:rPr>
-                        <a:t>PM</a:t>
-                      </a:r>
-                      <a:r>
-                        <a:rPr lang="zh-CN" sz="1400" kern="100">
-                          <a:effectLst/>
-                        </a:rPr>
-                        <a:t>审核，提出修改意见并评估是否能完成，如果不行，则需要将任务继续拆分或者增加工作时间（熬夜）。</a:t>
-                      </a:r>
-                    </a:p>
-                    <a:p>
-                      <a:pPr algn="just">
-                        <a:spcAft>
-                          <a:spcPts val="0"/>
-                        </a:spcAft>
-                      </a:pPr>
-                      <a:r>
-                        <a:rPr lang="zh-CN" sz="1400" kern="100">
-                          <a:effectLst/>
-                        </a:rPr>
-                        <a:t>此外小组任务下达，尽量会提前，并且提交作业时间会提前，以备留有一定的缓冲时间</a:t>
-                      </a:r>
-                      <a:endParaRPr lang="zh-CN" sz="1400" kern="100">
-                        <a:effectLst/>
-                        <a:latin typeface="等线"/>
-                        <a:cs typeface="Times New Roman"/>
-                      </a:endParaRPr>
-                    </a:p>
-                  </a:txBody>
-                  <a:tcPr marL="95428" marR="95428" marT="0" marB="0"/>
-                </a:tc>
-                <a:extLst>
-                  <a:ext uri="{0D108BD9-81ED-4DB2-BD59-A6C34878D82A}">
-                    <a16:rowId xmlns:a16="http://schemas.microsoft.com/office/drawing/2014/main" val="10003"/>
-                  </a:ext>
-                </a:extLst>
-              </a:tr>
-              <a:tr h="890662">
-                <a:tc vMerge="1">
-                  <a:txBody>
-                    <a:bodyPr/>
-                    <a:lstStyle/>
-                    <a:p>
-                      <a:endParaRPr lang="zh-CN" altLang="en-US"/>
-                    </a:p>
-                  </a:txBody>
-                  <a:tcPr/>
-                </a:tc>
-                <a:tc>
-                  <a:txBody>
-                    <a:bodyPr/>
-                    <a:lstStyle/>
-                    <a:p>
-                      <a:pPr algn="just">
-                        <a:spcAft>
-                          <a:spcPts val="0"/>
-                        </a:spcAft>
-                      </a:pPr>
-                      <a:r>
                         <a:rPr lang="zh-CN" sz="1400" kern="100" dirty="0">
                           <a:effectLst/>
                         </a:rPr>
@@ -22246,7 +22251,7 @@
                 </a:tc>
                 <a:extLst>
                   <a:ext uri="{0D108BD9-81ED-4DB2-BD59-A6C34878D82A}">
-                    <a16:rowId xmlns:a16="http://schemas.microsoft.com/office/drawing/2014/main" val="10004"/>
+                    <a16:rowId xmlns:a16="http://schemas.microsoft.com/office/drawing/2014/main" val="10003"/>
                   </a:ext>
                 </a:extLst>
               </a:tr>
@@ -24518,6 +24523,180 @@
           <a:chExt cx="0" cy="0"/>
         </a:xfrm>
       </p:grpSpPr>
+      <p:cxnSp>
+        <p:nvCxnSpPr>
+          <p:cNvPr id="4" name="直接连接符 3"/>
+          <p:cNvCxnSpPr/>
+          <p:nvPr/>
+        </p:nvCxnSpPr>
+        <p:spPr>
+          <a:xfrm>
+            <a:off x="635374" y="-121024"/>
+            <a:ext cx="0" cy="2030506"/>
+          </a:xfrm>
+          <a:prstGeom prst="line">
+            <a:avLst/>
+          </a:prstGeom>
+          <a:ln>
+            <a:solidFill>
+              <a:schemeClr val="bg1"/>
+            </a:solidFill>
+          </a:ln>
+        </p:spPr>
+        <p:style>
+          <a:lnRef idx="1">
+            <a:schemeClr val="accent1"/>
+          </a:lnRef>
+          <a:fillRef idx="0">
+            <a:schemeClr val="accent1"/>
+          </a:fillRef>
+          <a:effectRef idx="0">
+            <a:schemeClr val="accent1"/>
+          </a:effectRef>
+          <a:fontRef idx="minor">
+            <a:schemeClr val="tx1"/>
+          </a:fontRef>
+        </p:style>
+      </p:cxnSp>
+      <p:cxnSp>
+        <p:nvCxnSpPr>
+          <p:cNvPr id="6" name="直接连接符 5"/>
+          <p:cNvCxnSpPr/>
+          <p:nvPr/>
+        </p:nvCxnSpPr>
+        <p:spPr>
+          <a:xfrm>
+            <a:off x="656666" y="4827494"/>
+            <a:ext cx="0" cy="2030506"/>
+          </a:xfrm>
+          <a:prstGeom prst="line">
+            <a:avLst/>
+          </a:prstGeom>
+          <a:ln>
+            <a:solidFill>
+              <a:schemeClr val="bg1"/>
+            </a:solidFill>
+          </a:ln>
+        </p:spPr>
+        <p:style>
+          <a:lnRef idx="1">
+            <a:schemeClr val="accent1"/>
+          </a:lnRef>
+          <a:fillRef idx="0">
+            <a:schemeClr val="accent1"/>
+          </a:fillRef>
+          <a:effectRef idx="0">
+            <a:schemeClr val="accent1"/>
+          </a:effectRef>
+          <a:fontRef idx="minor">
+            <a:schemeClr val="tx1"/>
+          </a:fontRef>
+        </p:style>
+      </p:cxnSp>
+      <p:sp>
+        <p:nvSpPr>
+          <p:cNvPr id="7" name="文本框 6"/>
+          <p:cNvSpPr txBox="1"/>
+          <p:nvPr/>
+        </p:nvSpPr>
+        <p:spPr>
+          <a:xfrm>
+            <a:off x="266042" y="1909482"/>
+            <a:ext cx="738664" cy="2862322"/>
+          </a:xfrm>
+          <a:prstGeom prst="rect">
+            <a:avLst/>
+          </a:prstGeom>
+          <a:noFill/>
+        </p:spPr>
+        <p:txBody>
+          <a:bodyPr vert="eaVert" wrap="none" rtlCol="0">
+            <a:spAutoFit/>
+          </a:bodyPr>
+          <a:lstStyle/>
+          <a:p>
+            <a:r>
+              <a:rPr lang="zh-CN" altLang="en-US" sz="3600" dirty="0">
+                <a:solidFill>
+                  <a:schemeClr val="bg1"/>
+                </a:solidFill>
+                <a:latin typeface="楷体" panose="02010609060101010101" pitchFamily="49" charset="-122"/>
+                <a:ea typeface="楷体" panose="02010609060101010101" pitchFamily="49" charset="-122"/>
+              </a:rPr>
+              <a:t>人力资源计划</a:t>
+            </a:r>
+          </a:p>
+        </p:txBody>
+      </p:sp>
+      <p:pic>
+        <p:nvPicPr>
+          <p:cNvPr id="9" name="图片 8" descr="C:\Users\mr.liu\Documents\Tencent Files\1943247891\Image\Group\S[DCB1@OLIU(S_GRI}(LLRU.png">
+            <a:extLst>
+              <a:ext uri="{FF2B5EF4-FFF2-40B4-BE49-F238E27FC236}">
+                <a16:creationId xmlns:a16="http://schemas.microsoft.com/office/drawing/2014/main" id="{5D6B9129-937A-4333-81E1-89A8DD709354}"/>
+              </a:ext>
+            </a:extLst>
+          </p:cNvPr>
+          <p:cNvPicPr/>
+          <p:nvPr/>
+        </p:nvPicPr>
+        <p:blipFill>
+          <a:blip r:embed="rId2">
+            <a:extLst>
+              <a:ext uri="{28A0092B-C50C-407E-A947-70E740481C1C}">
+                <a14:useLocalDpi xmlns:a14="http://schemas.microsoft.com/office/drawing/2010/main" val="0"/>
+              </a:ext>
+            </a:extLst>
+          </a:blip>
+          <a:srcRect/>
+          <a:stretch>
+            <a:fillRect/>
+          </a:stretch>
+        </p:blipFill>
+        <p:spPr bwMode="auto">
+          <a:xfrm>
+            <a:off x="2948475" y="1061650"/>
+            <a:ext cx="6129913" cy="4826587"/>
+          </a:xfrm>
+          <a:prstGeom prst="rect">
+            <a:avLst/>
+          </a:prstGeom>
+          <a:noFill/>
+          <a:ln>
+            <a:noFill/>
+          </a:ln>
+        </p:spPr>
+      </p:pic>
+    </p:spTree>
+    <p:extLst>
+      <p:ext uri="{BB962C8B-B14F-4D97-AF65-F5344CB8AC3E}">
+        <p14:creationId xmlns:p14="http://schemas.microsoft.com/office/powerpoint/2010/main" val="929819371"/>
+      </p:ext>
+    </p:extLst>
+  </p:cSld>
+  <p:clrMapOvr>
+    <a:masterClrMapping/>
+  </p:clrMapOvr>
+</p:sld>
+</file>
+
+<file path=ppt/slides/slide29.xml><?xml version="1.0" encoding="utf-8"?>
+<p:sld xmlns:a="http://schemas.openxmlformats.org/drawingml/2006/main" xmlns:r="http://schemas.openxmlformats.org/officeDocument/2006/relationships" xmlns:p="http://schemas.openxmlformats.org/presentationml/2006/main">
+  <p:cSld>
+    <p:spTree>
+      <p:nvGrpSpPr>
+        <p:cNvPr id="1" name=""/>
+        <p:cNvGrpSpPr/>
+        <p:nvPr/>
+      </p:nvGrpSpPr>
+      <p:grpSpPr>
+        <a:xfrm>
+          <a:off x="0" y="0"/>
+          <a:ext cx="0" cy="0"/>
+          <a:chOff x="0" y="0"/>
+          <a:chExt cx="0" cy="0"/>
+        </a:xfrm>
+      </p:grpSpPr>
       <p:sp>
         <p:nvSpPr>
           <p:cNvPr id="7" name="椭圆 6"/>
@@ -24720,355 +24899,6 @@
 </p:sld>
 </file>
 
-<file path=ppt/slides/slide29.xml><?xml version="1.0" encoding="utf-8"?>
-<p:sld xmlns:a="http://schemas.openxmlformats.org/drawingml/2006/main" xmlns:r="http://schemas.openxmlformats.org/officeDocument/2006/relationships" xmlns:p="http://schemas.openxmlformats.org/presentationml/2006/main">
-  <p:cSld>
-    <p:spTree>
-      <p:nvGrpSpPr>
-        <p:cNvPr id="1" name=""/>
-        <p:cNvGrpSpPr/>
-        <p:nvPr/>
-      </p:nvGrpSpPr>
-      <p:grpSpPr>
-        <a:xfrm>
-          <a:off x="0" y="0"/>
-          <a:ext cx="0" cy="0"/>
-          <a:chOff x="0" y="0"/>
-          <a:chExt cx="0" cy="0"/>
-        </a:xfrm>
-      </p:grpSpPr>
-      <p:sp>
-        <p:nvSpPr>
-          <p:cNvPr id="5" name="矩形 4"/>
-          <p:cNvSpPr/>
-          <p:nvPr/>
-        </p:nvSpPr>
-        <p:spPr>
-          <a:xfrm>
-            <a:off x="0" y="2259106"/>
-            <a:ext cx="12192000" cy="2635623"/>
-          </a:xfrm>
-          <a:prstGeom prst="rect">
-            <a:avLst/>
-          </a:prstGeom>
-          <a:solidFill>
-            <a:srgbClr val="FFFFFF">
-              <a:alpha val="40000"/>
-            </a:srgbClr>
-          </a:solidFill>
-          <a:ln>
-            <a:noFill/>
-          </a:ln>
-        </p:spPr>
-        <p:style>
-          <a:lnRef idx="2">
-            <a:schemeClr val="accent1">
-              <a:shade val="50000"/>
-            </a:schemeClr>
-          </a:lnRef>
-          <a:fillRef idx="1">
-            <a:schemeClr val="accent1"/>
-          </a:fillRef>
-          <a:effectRef idx="0">
-            <a:schemeClr val="accent1"/>
-          </a:effectRef>
-          <a:fontRef idx="minor">
-            <a:schemeClr val="lt1"/>
-          </a:fontRef>
-        </p:style>
-        <p:txBody>
-          <a:bodyPr rtlCol="0" anchor="ctr"/>
-          <a:lstStyle/>
-          <a:p>
-            <a:pPr algn="ctr"/>
-            <a:endParaRPr lang="zh-CN" altLang="en-US" dirty="0"/>
-          </a:p>
-        </p:txBody>
-      </p:sp>
-      <p:sp>
-        <p:nvSpPr>
-          <p:cNvPr id="4" name="文本框 3"/>
-          <p:cNvSpPr txBox="1"/>
-          <p:nvPr/>
-        </p:nvSpPr>
-        <p:spPr>
-          <a:xfrm>
-            <a:off x="772757" y="2561254"/>
-            <a:ext cx="10219765" cy="2031325"/>
-          </a:xfrm>
-          <a:prstGeom prst="rect">
-            <a:avLst/>
-          </a:prstGeom>
-          <a:noFill/>
-        </p:spPr>
-        <p:txBody>
-          <a:bodyPr wrap="square" rtlCol="0">
-            <a:spAutoFit/>
-          </a:bodyPr>
-          <a:lstStyle/>
-          <a:p>
-            <a:r>
-              <a:rPr lang="zh-CN" altLang="en-US" dirty="0">
-                <a:solidFill>
-                  <a:schemeClr val="bg1"/>
-                </a:solidFill>
-              </a:rPr>
-              <a:t>组员绩效：</a:t>
-            </a:r>
-            <a:endParaRPr lang="en-US" altLang="zh-CN" dirty="0">
-              <a:solidFill>
-                <a:schemeClr val="bg1"/>
-              </a:solidFill>
-            </a:endParaRPr>
-          </a:p>
-          <a:p>
-            <a:r>
-              <a:rPr lang="en-US" altLang="zh-CN" dirty="0">
-                <a:solidFill>
-                  <a:schemeClr val="bg1"/>
-                </a:solidFill>
-              </a:rPr>
-              <a:t>100</a:t>
-            </a:r>
-            <a:r>
-              <a:rPr lang="zh-CN" altLang="en-US" dirty="0">
-                <a:solidFill>
-                  <a:schemeClr val="bg1"/>
-                </a:solidFill>
-              </a:rPr>
-              <a:t>分制</a:t>
-            </a:r>
-            <a:endParaRPr lang="en-US" altLang="zh-CN" dirty="0">
-              <a:solidFill>
-                <a:schemeClr val="bg1"/>
-              </a:solidFill>
-            </a:endParaRPr>
-          </a:p>
-          <a:p>
-            <a:r>
-              <a:rPr lang="zh-CN" altLang="en-US" dirty="0">
-                <a:solidFill>
-                  <a:schemeClr val="bg1"/>
-                </a:solidFill>
-              </a:rPr>
-              <a:t>郦哲聪：</a:t>
-            </a:r>
-            <a:r>
-              <a:rPr lang="en-US" altLang="zh-CN" dirty="0">
-                <a:solidFill>
-                  <a:schemeClr val="bg1"/>
-                </a:solidFill>
-              </a:rPr>
-              <a:t>PPT</a:t>
-            </a:r>
-            <a:r>
-              <a:rPr lang="zh-CN" altLang="en-US" dirty="0">
-                <a:solidFill>
-                  <a:schemeClr val="bg1"/>
-                </a:solidFill>
-              </a:rPr>
-              <a:t>制作、甘特图、</a:t>
-            </a:r>
-            <a:r>
-              <a:rPr lang="en-US" altLang="zh-CN" dirty="0">
-                <a:solidFill>
-                  <a:schemeClr val="bg1"/>
-                </a:solidFill>
-              </a:rPr>
-              <a:t>WBS</a:t>
-            </a:r>
-            <a:r>
-              <a:rPr lang="zh-CN" altLang="en-US" dirty="0">
-                <a:solidFill>
-                  <a:schemeClr val="bg1"/>
-                </a:solidFill>
-              </a:rPr>
-              <a:t>、文档审核                                                                                                  </a:t>
-            </a:r>
-            <a:r>
-              <a:rPr lang="en-US" altLang="zh-CN" dirty="0">
-                <a:solidFill>
-                  <a:schemeClr val="bg1"/>
-                </a:solidFill>
-              </a:rPr>
-              <a:t>89</a:t>
-            </a:r>
-            <a:r>
-              <a:rPr lang="zh-CN" altLang="en-US" dirty="0">
-                <a:solidFill>
-                  <a:schemeClr val="bg1"/>
-                </a:solidFill>
-              </a:rPr>
-              <a:t>分                               </a:t>
-            </a:r>
-            <a:endParaRPr lang="en-US" altLang="zh-CN" dirty="0">
-              <a:solidFill>
-                <a:schemeClr val="bg1"/>
-              </a:solidFill>
-            </a:endParaRPr>
-          </a:p>
-          <a:p>
-            <a:r>
-              <a:rPr lang="zh-CN" altLang="en-US" dirty="0">
-                <a:solidFill>
-                  <a:schemeClr val="bg1"/>
-                </a:solidFill>
-              </a:rPr>
-              <a:t>刘乐威：文档整理、文档修改、文档补充、版本控制                                                                                  </a:t>
-            </a:r>
-            <a:r>
-              <a:rPr lang="en-US" altLang="zh-CN" dirty="0">
-                <a:solidFill>
-                  <a:schemeClr val="bg1"/>
-                </a:solidFill>
-              </a:rPr>
-              <a:t>86</a:t>
-            </a:r>
-            <a:r>
-              <a:rPr lang="zh-CN" altLang="en-US" dirty="0">
-                <a:solidFill>
-                  <a:schemeClr val="bg1"/>
-                </a:solidFill>
-              </a:rPr>
-              <a:t>分</a:t>
-            </a:r>
-            <a:endParaRPr lang="en-US" altLang="zh-CN" dirty="0">
-              <a:solidFill>
-                <a:schemeClr val="bg1"/>
-              </a:solidFill>
-            </a:endParaRPr>
-          </a:p>
-          <a:p>
-            <a:r>
-              <a:rPr lang="zh-CN" altLang="en-US" dirty="0">
-                <a:solidFill>
-                  <a:schemeClr val="bg1"/>
-                </a:solidFill>
-              </a:rPr>
-              <a:t>王飞钢：风险管理计划、人力资源计划                                                                                                            </a:t>
-            </a:r>
-            <a:r>
-              <a:rPr lang="en-US" altLang="zh-CN" dirty="0">
-                <a:solidFill>
-                  <a:schemeClr val="bg1"/>
-                </a:solidFill>
-              </a:rPr>
-              <a:t>85</a:t>
-            </a:r>
-            <a:r>
-              <a:rPr lang="zh-CN" altLang="en-US" dirty="0">
-                <a:solidFill>
-                  <a:schemeClr val="bg1"/>
-                </a:solidFill>
-              </a:rPr>
-              <a:t>分</a:t>
-            </a:r>
-            <a:endParaRPr lang="en-US" altLang="zh-CN" dirty="0">
-              <a:solidFill>
-                <a:schemeClr val="bg1"/>
-              </a:solidFill>
-            </a:endParaRPr>
-          </a:p>
-          <a:p>
-            <a:r>
-              <a:rPr lang="zh-CN" altLang="en-US" dirty="0">
-                <a:solidFill>
-                  <a:schemeClr val="bg1"/>
-                </a:solidFill>
-              </a:rPr>
-              <a:t>冯一鸣：质量管理计划、沟通管理计划、</a:t>
-            </a:r>
-            <a:r>
-              <a:rPr lang="en-US" altLang="zh-CN" dirty="0">
-                <a:solidFill>
-                  <a:schemeClr val="bg1"/>
-                </a:solidFill>
-              </a:rPr>
-              <a:t>WBS</a:t>
-            </a:r>
-            <a:r>
-              <a:rPr lang="zh-CN" altLang="en-US" dirty="0">
-                <a:solidFill>
-                  <a:schemeClr val="bg1"/>
-                </a:solidFill>
-              </a:rPr>
-              <a:t>图修改、会议记录                                                             </a:t>
-            </a:r>
-            <a:r>
-              <a:rPr lang="en-US" altLang="zh-CN" dirty="0">
-                <a:solidFill>
-                  <a:schemeClr val="bg1"/>
-                </a:solidFill>
-              </a:rPr>
-              <a:t>88</a:t>
-            </a:r>
-            <a:r>
-              <a:rPr lang="zh-CN" altLang="en-US" dirty="0">
-                <a:solidFill>
-                  <a:schemeClr val="bg1"/>
-                </a:solidFill>
-              </a:rPr>
-              <a:t>分</a:t>
-            </a:r>
-            <a:endParaRPr lang="en-US" altLang="zh-CN" dirty="0">
-              <a:solidFill>
-                <a:schemeClr val="bg1"/>
-              </a:solidFill>
-            </a:endParaRPr>
-          </a:p>
-          <a:p>
-            <a:r>
-              <a:rPr lang="zh-CN" altLang="en-US" dirty="0">
-                <a:solidFill>
-                  <a:schemeClr val="bg1"/>
-                </a:solidFill>
-              </a:rPr>
-              <a:t>周德阳：成本管理计划、甘特图修改、配置管理                                                                                           </a:t>
-            </a:r>
-            <a:r>
-              <a:rPr lang="en-US" altLang="zh-CN" dirty="0">
-                <a:solidFill>
-                  <a:schemeClr val="bg1"/>
-                </a:solidFill>
-              </a:rPr>
-              <a:t>87</a:t>
-            </a:r>
-            <a:r>
-              <a:rPr lang="zh-CN" altLang="en-US" dirty="0">
-                <a:solidFill>
-                  <a:schemeClr val="bg1"/>
-                </a:solidFill>
-              </a:rPr>
-              <a:t>分</a:t>
-            </a:r>
-          </a:p>
-        </p:txBody>
-      </p:sp>
-    </p:spTree>
-    <p:extLst>
-      <p:ext uri="{BB962C8B-B14F-4D97-AF65-F5344CB8AC3E}">
-        <p14:creationId xmlns:p14="http://schemas.microsoft.com/office/powerpoint/2010/main" val="1890292307"/>
-      </p:ext>
-    </p:extLst>
-  </p:cSld>
-  <p:clrMapOvr>
-    <a:masterClrMapping/>
-  </p:clrMapOvr>
-  <mc:AlternateContent xmlns:mc="http://schemas.openxmlformats.org/markup-compatibility/2006" xmlns:p14="http://schemas.microsoft.com/office/powerpoint/2010/main">
-    <mc:Choice Requires="p14">
-      <p:transition spd="slow" p14:dur="800">
-        <p:circle/>
-      </p:transition>
-    </mc:Choice>
-    <mc:Fallback xmlns="">
-      <p:transition spd="slow">
-        <p:circle/>
-      </p:transition>
-    </mc:Fallback>
-  </mc:AlternateContent>
-</p:sld>
-</file>
-
 <file path=ppt/slides/slide3.xml><?xml version="1.0" encoding="utf-8"?>
 <p:sld xmlns:a="http://schemas.openxmlformats.org/drawingml/2006/main" xmlns:r="http://schemas.openxmlformats.org/officeDocument/2006/relationships" xmlns:p="http://schemas.openxmlformats.org/presentationml/2006/main">
   <p:cSld>
@@ -25296,6 +25126,355 @@
           <a:chExt cx="0" cy="0"/>
         </a:xfrm>
       </p:grpSpPr>
+      <p:sp>
+        <p:nvSpPr>
+          <p:cNvPr id="5" name="矩形 4"/>
+          <p:cNvSpPr/>
+          <p:nvPr/>
+        </p:nvSpPr>
+        <p:spPr>
+          <a:xfrm>
+            <a:off x="0" y="2259106"/>
+            <a:ext cx="12192000" cy="2635623"/>
+          </a:xfrm>
+          <a:prstGeom prst="rect">
+            <a:avLst/>
+          </a:prstGeom>
+          <a:solidFill>
+            <a:srgbClr val="FFFFFF">
+              <a:alpha val="40000"/>
+            </a:srgbClr>
+          </a:solidFill>
+          <a:ln>
+            <a:noFill/>
+          </a:ln>
+        </p:spPr>
+        <p:style>
+          <a:lnRef idx="2">
+            <a:schemeClr val="accent1">
+              <a:shade val="50000"/>
+            </a:schemeClr>
+          </a:lnRef>
+          <a:fillRef idx="1">
+            <a:schemeClr val="accent1"/>
+          </a:fillRef>
+          <a:effectRef idx="0">
+            <a:schemeClr val="accent1"/>
+          </a:effectRef>
+          <a:fontRef idx="minor">
+            <a:schemeClr val="lt1"/>
+          </a:fontRef>
+        </p:style>
+        <p:txBody>
+          <a:bodyPr rtlCol="0" anchor="ctr"/>
+          <a:lstStyle/>
+          <a:p>
+            <a:pPr algn="ctr"/>
+            <a:endParaRPr lang="zh-CN" altLang="en-US" dirty="0"/>
+          </a:p>
+        </p:txBody>
+      </p:sp>
+      <p:sp>
+        <p:nvSpPr>
+          <p:cNvPr id="4" name="文本框 3"/>
+          <p:cNvSpPr txBox="1"/>
+          <p:nvPr/>
+        </p:nvSpPr>
+        <p:spPr>
+          <a:xfrm>
+            <a:off x="772757" y="2561254"/>
+            <a:ext cx="10219765" cy="2031325"/>
+          </a:xfrm>
+          <a:prstGeom prst="rect">
+            <a:avLst/>
+          </a:prstGeom>
+          <a:noFill/>
+        </p:spPr>
+        <p:txBody>
+          <a:bodyPr wrap="square" rtlCol="0">
+            <a:spAutoFit/>
+          </a:bodyPr>
+          <a:lstStyle/>
+          <a:p>
+            <a:r>
+              <a:rPr lang="zh-CN" altLang="en-US" dirty="0">
+                <a:solidFill>
+                  <a:schemeClr val="bg1"/>
+                </a:solidFill>
+              </a:rPr>
+              <a:t>组员绩效：</a:t>
+            </a:r>
+            <a:endParaRPr lang="en-US" altLang="zh-CN" dirty="0">
+              <a:solidFill>
+                <a:schemeClr val="bg1"/>
+              </a:solidFill>
+            </a:endParaRPr>
+          </a:p>
+          <a:p>
+            <a:r>
+              <a:rPr lang="en-US" altLang="zh-CN" dirty="0">
+                <a:solidFill>
+                  <a:schemeClr val="bg1"/>
+                </a:solidFill>
+              </a:rPr>
+              <a:t>100</a:t>
+            </a:r>
+            <a:r>
+              <a:rPr lang="zh-CN" altLang="en-US" dirty="0">
+                <a:solidFill>
+                  <a:schemeClr val="bg1"/>
+                </a:solidFill>
+              </a:rPr>
+              <a:t>分制</a:t>
+            </a:r>
+            <a:endParaRPr lang="en-US" altLang="zh-CN" dirty="0">
+              <a:solidFill>
+                <a:schemeClr val="bg1"/>
+              </a:solidFill>
+            </a:endParaRPr>
+          </a:p>
+          <a:p>
+            <a:r>
+              <a:rPr lang="zh-CN" altLang="en-US" dirty="0">
+                <a:solidFill>
+                  <a:schemeClr val="bg1"/>
+                </a:solidFill>
+              </a:rPr>
+              <a:t>郦哲聪：</a:t>
+            </a:r>
+            <a:r>
+              <a:rPr lang="en-US" altLang="zh-CN" dirty="0">
+                <a:solidFill>
+                  <a:schemeClr val="bg1"/>
+                </a:solidFill>
+              </a:rPr>
+              <a:t>PPT</a:t>
+            </a:r>
+            <a:r>
+              <a:rPr lang="zh-CN" altLang="en-US" dirty="0">
+                <a:solidFill>
+                  <a:schemeClr val="bg1"/>
+                </a:solidFill>
+              </a:rPr>
+              <a:t>制作、甘特图、</a:t>
+            </a:r>
+            <a:r>
+              <a:rPr lang="en-US" altLang="zh-CN" dirty="0">
+                <a:solidFill>
+                  <a:schemeClr val="bg1"/>
+                </a:solidFill>
+              </a:rPr>
+              <a:t>WBS</a:t>
+            </a:r>
+            <a:r>
+              <a:rPr lang="zh-CN" altLang="en-US" dirty="0">
+                <a:solidFill>
+                  <a:schemeClr val="bg1"/>
+                </a:solidFill>
+              </a:rPr>
+              <a:t>、文档审核                                                                                                  </a:t>
+            </a:r>
+            <a:r>
+              <a:rPr lang="en-US" altLang="zh-CN" dirty="0">
+                <a:solidFill>
+                  <a:schemeClr val="bg1"/>
+                </a:solidFill>
+              </a:rPr>
+              <a:t>89</a:t>
+            </a:r>
+            <a:r>
+              <a:rPr lang="zh-CN" altLang="en-US" dirty="0">
+                <a:solidFill>
+                  <a:schemeClr val="bg1"/>
+                </a:solidFill>
+              </a:rPr>
+              <a:t>分                               </a:t>
+            </a:r>
+            <a:endParaRPr lang="en-US" altLang="zh-CN" dirty="0">
+              <a:solidFill>
+                <a:schemeClr val="bg1"/>
+              </a:solidFill>
+            </a:endParaRPr>
+          </a:p>
+          <a:p>
+            <a:r>
+              <a:rPr lang="zh-CN" altLang="en-US" dirty="0">
+                <a:solidFill>
+                  <a:schemeClr val="bg1"/>
+                </a:solidFill>
+              </a:rPr>
+              <a:t>刘乐威：文档整理、文档修改、文档补充、版本控制                                                                                  </a:t>
+            </a:r>
+            <a:r>
+              <a:rPr lang="en-US" altLang="zh-CN" dirty="0">
+                <a:solidFill>
+                  <a:schemeClr val="bg1"/>
+                </a:solidFill>
+              </a:rPr>
+              <a:t>86</a:t>
+            </a:r>
+            <a:r>
+              <a:rPr lang="zh-CN" altLang="en-US" dirty="0">
+                <a:solidFill>
+                  <a:schemeClr val="bg1"/>
+                </a:solidFill>
+              </a:rPr>
+              <a:t>分</a:t>
+            </a:r>
+            <a:endParaRPr lang="en-US" altLang="zh-CN" dirty="0">
+              <a:solidFill>
+                <a:schemeClr val="bg1"/>
+              </a:solidFill>
+            </a:endParaRPr>
+          </a:p>
+          <a:p>
+            <a:r>
+              <a:rPr lang="zh-CN" altLang="en-US" dirty="0">
+                <a:solidFill>
+                  <a:schemeClr val="bg1"/>
+                </a:solidFill>
+              </a:rPr>
+              <a:t>王飞钢：风险管理计划、人力资源计划                                                                                                            </a:t>
+            </a:r>
+            <a:r>
+              <a:rPr lang="en-US" altLang="zh-CN" dirty="0">
+                <a:solidFill>
+                  <a:schemeClr val="bg1"/>
+                </a:solidFill>
+              </a:rPr>
+              <a:t>85</a:t>
+            </a:r>
+            <a:r>
+              <a:rPr lang="zh-CN" altLang="en-US" dirty="0">
+                <a:solidFill>
+                  <a:schemeClr val="bg1"/>
+                </a:solidFill>
+              </a:rPr>
+              <a:t>分</a:t>
+            </a:r>
+            <a:endParaRPr lang="en-US" altLang="zh-CN" dirty="0">
+              <a:solidFill>
+                <a:schemeClr val="bg1"/>
+              </a:solidFill>
+            </a:endParaRPr>
+          </a:p>
+          <a:p>
+            <a:r>
+              <a:rPr lang="zh-CN" altLang="en-US" dirty="0">
+                <a:solidFill>
+                  <a:schemeClr val="bg1"/>
+                </a:solidFill>
+              </a:rPr>
+              <a:t>冯一鸣：质量管理计划、沟通管理计划、</a:t>
+            </a:r>
+            <a:r>
+              <a:rPr lang="en-US" altLang="zh-CN" dirty="0">
+                <a:solidFill>
+                  <a:schemeClr val="bg1"/>
+                </a:solidFill>
+              </a:rPr>
+              <a:t>WBS</a:t>
+            </a:r>
+            <a:r>
+              <a:rPr lang="zh-CN" altLang="en-US" dirty="0">
+                <a:solidFill>
+                  <a:schemeClr val="bg1"/>
+                </a:solidFill>
+              </a:rPr>
+              <a:t>图修改、会议记录                                                             </a:t>
+            </a:r>
+            <a:r>
+              <a:rPr lang="en-US" altLang="zh-CN" dirty="0">
+                <a:solidFill>
+                  <a:schemeClr val="bg1"/>
+                </a:solidFill>
+              </a:rPr>
+              <a:t>88</a:t>
+            </a:r>
+            <a:r>
+              <a:rPr lang="zh-CN" altLang="en-US" dirty="0">
+                <a:solidFill>
+                  <a:schemeClr val="bg1"/>
+                </a:solidFill>
+              </a:rPr>
+              <a:t>分</a:t>
+            </a:r>
+            <a:endParaRPr lang="en-US" altLang="zh-CN" dirty="0">
+              <a:solidFill>
+                <a:schemeClr val="bg1"/>
+              </a:solidFill>
+            </a:endParaRPr>
+          </a:p>
+          <a:p>
+            <a:r>
+              <a:rPr lang="zh-CN" altLang="en-US" dirty="0">
+                <a:solidFill>
+                  <a:schemeClr val="bg1"/>
+                </a:solidFill>
+              </a:rPr>
+              <a:t>周德阳：成本管理计划、甘特图修改、配置管理                                                                                           </a:t>
+            </a:r>
+            <a:r>
+              <a:rPr lang="en-US" altLang="zh-CN" dirty="0">
+                <a:solidFill>
+                  <a:schemeClr val="bg1"/>
+                </a:solidFill>
+              </a:rPr>
+              <a:t>87</a:t>
+            </a:r>
+            <a:r>
+              <a:rPr lang="zh-CN" altLang="en-US" dirty="0">
+                <a:solidFill>
+                  <a:schemeClr val="bg1"/>
+                </a:solidFill>
+              </a:rPr>
+              <a:t>分</a:t>
+            </a:r>
+          </a:p>
+        </p:txBody>
+      </p:sp>
+    </p:spTree>
+    <p:extLst>
+      <p:ext uri="{BB962C8B-B14F-4D97-AF65-F5344CB8AC3E}">
+        <p14:creationId xmlns:p14="http://schemas.microsoft.com/office/powerpoint/2010/main" val="1890292307"/>
+      </p:ext>
+    </p:extLst>
+  </p:cSld>
+  <p:clrMapOvr>
+    <a:masterClrMapping/>
+  </p:clrMapOvr>
+  <mc:AlternateContent xmlns:mc="http://schemas.openxmlformats.org/markup-compatibility/2006" xmlns:p14="http://schemas.microsoft.com/office/powerpoint/2010/main">
+    <mc:Choice Requires="p14">
+      <p:transition spd="slow" p14:dur="800">
+        <p:circle/>
+      </p:transition>
+    </mc:Choice>
+    <mc:Fallback xmlns="">
+      <p:transition spd="slow">
+        <p:circle/>
+      </p:transition>
+    </mc:Fallback>
+  </mc:AlternateContent>
+</p:sld>
+</file>
+
+<file path=ppt/slides/slide31.xml><?xml version="1.0" encoding="utf-8"?>
+<p:sld xmlns:a="http://schemas.openxmlformats.org/drawingml/2006/main" xmlns:r="http://schemas.openxmlformats.org/officeDocument/2006/relationships" xmlns:p="http://schemas.openxmlformats.org/presentationml/2006/main">
+  <p:cSld>
+    <p:spTree>
+      <p:nvGrpSpPr>
+        <p:cNvPr id="1" name=""/>
+        <p:cNvGrpSpPr/>
+        <p:nvPr/>
+      </p:nvGrpSpPr>
+      <p:grpSpPr>
+        <a:xfrm>
+          <a:off x="0" y="0"/>
+          <a:ext cx="0" cy="0"/>
+          <a:chOff x="0" y="0"/>
+          <a:chExt cx="0" cy="0"/>
+        </a:xfrm>
+      </p:grpSpPr>
       <p:pic>
         <p:nvPicPr>
           <p:cNvPr id="2" name="图片 1">
@@ -25461,7 +25640,7 @@
 </p:sld>
 </file>
 
-<file path=ppt/slides/slide31.xml><?xml version="1.0" encoding="utf-8"?>
+<file path=ppt/slides/slide32.xml><?xml version="1.0" encoding="utf-8"?>
 <p:sld xmlns:a="http://schemas.openxmlformats.org/drawingml/2006/main" xmlns:r="http://schemas.openxmlformats.org/officeDocument/2006/relationships" xmlns:p="http://schemas.openxmlformats.org/presentationml/2006/main">
   <p:cSld>
     <p:spTree>
@@ -25643,7 +25822,7 @@
 </p:sld>
 </file>
 
-<file path=ppt/slides/slide32.xml><?xml version="1.0" encoding="utf-8"?>
+<file path=ppt/slides/slide33.xml><?xml version="1.0" encoding="utf-8"?>
 <p:sld xmlns:a="http://schemas.openxmlformats.org/drawingml/2006/main" xmlns:r="http://schemas.openxmlformats.org/officeDocument/2006/relationships" xmlns:p="http://schemas.openxmlformats.org/presentationml/2006/main">
   <p:cSld>
     <p:spTree>
@@ -25755,7 +25934,7 @@
 </p:sld>
 </file>
 
-<file path=ppt/slides/slide33.xml><?xml version="1.0" encoding="utf-8"?>
+<file path=ppt/slides/slide34.xml><?xml version="1.0" encoding="utf-8"?>
 <p:sld xmlns:a="http://schemas.openxmlformats.org/drawingml/2006/main" xmlns:r="http://schemas.openxmlformats.org/officeDocument/2006/relationships" xmlns:p="http://schemas.openxmlformats.org/presentationml/2006/main">
   <p:cSld>
     <p:spTree>
